--- a/documentos/Presentación NexoGamer.pptx
+++ b/documentos/Presentación NexoGamer.pptx
@@ -9,6 +9,24 @@
     <p:sldId id="257" r:id="rId3"/>
     <p:sldId id="258" r:id="rId4"/>
     <p:sldId id="259" r:id="rId5"/>
+    <p:sldId id="261" r:id="rId6"/>
+    <p:sldId id="262" r:id="rId7"/>
+    <p:sldId id="263" r:id="rId8"/>
+    <p:sldId id="264" r:id="rId9"/>
+    <p:sldId id="265" r:id="rId10"/>
+    <p:sldId id="266" r:id="rId11"/>
+    <p:sldId id="267" r:id="rId12"/>
+    <p:sldId id="268" r:id="rId13"/>
+    <p:sldId id="269" r:id="rId14"/>
+    <p:sldId id="270" r:id="rId15"/>
+    <p:sldId id="271" r:id="rId16"/>
+    <p:sldId id="272" r:id="rId17"/>
+    <p:sldId id="273" r:id="rId18"/>
+    <p:sldId id="274" r:id="rId19"/>
+    <p:sldId id="275" r:id="rId20"/>
+    <p:sldId id="276" r:id="rId21"/>
+    <p:sldId id="277" r:id="rId22"/>
+    <p:sldId id="278" r:id="rId23"/>
   </p:sldIdLst>
   <p:sldSz cx="12192000" cy="6858000"/>
   <p:notesSz cx="6858000" cy="9144000"/>
@@ -262,7 +280,7 @@
           <a:p>
             <a:fld id="{3151EB77-61A7-4BF9-A00D-7EE4713156A2}" type="datetimeFigureOut">
               <a:rPr lang="es-ES" smtClean="0"/>
-              <a:t>11/12/2023</a:t>
+              <a:t>12/12/2023</a:t>
             </a:fld>
             <a:endParaRPr lang="es-ES"/>
           </a:p>
@@ -460,7 +478,7 @@
           <a:p>
             <a:fld id="{3151EB77-61A7-4BF9-A00D-7EE4713156A2}" type="datetimeFigureOut">
               <a:rPr lang="es-ES" smtClean="0"/>
-              <a:t>11/12/2023</a:t>
+              <a:t>12/12/2023</a:t>
             </a:fld>
             <a:endParaRPr lang="es-ES"/>
           </a:p>
@@ -668,7 +686,7 @@
           <a:p>
             <a:fld id="{3151EB77-61A7-4BF9-A00D-7EE4713156A2}" type="datetimeFigureOut">
               <a:rPr lang="es-ES" smtClean="0"/>
-              <a:t>11/12/2023</a:t>
+              <a:t>12/12/2023</a:t>
             </a:fld>
             <a:endParaRPr lang="es-ES"/>
           </a:p>
@@ -866,7 +884,7 @@
           <a:p>
             <a:fld id="{3151EB77-61A7-4BF9-A00D-7EE4713156A2}" type="datetimeFigureOut">
               <a:rPr lang="es-ES" smtClean="0"/>
-              <a:t>11/12/2023</a:t>
+              <a:t>12/12/2023</a:t>
             </a:fld>
             <a:endParaRPr lang="es-ES"/>
           </a:p>
@@ -1141,7 +1159,7 @@
           <a:p>
             <a:fld id="{3151EB77-61A7-4BF9-A00D-7EE4713156A2}" type="datetimeFigureOut">
               <a:rPr lang="es-ES" smtClean="0"/>
-              <a:t>11/12/2023</a:t>
+              <a:t>12/12/2023</a:t>
             </a:fld>
             <a:endParaRPr lang="es-ES"/>
           </a:p>
@@ -1406,7 +1424,7 @@
           <a:p>
             <a:fld id="{3151EB77-61A7-4BF9-A00D-7EE4713156A2}" type="datetimeFigureOut">
               <a:rPr lang="es-ES" smtClean="0"/>
-              <a:t>11/12/2023</a:t>
+              <a:t>12/12/2023</a:t>
             </a:fld>
             <a:endParaRPr lang="es-ES"/>
           </a:p>
@@ -1818,7 +1836,7 @@
           <a:p>
             <a:fld id="{3151EB77-61A7-4BF9-A00D-7EE4713156A2}" type="datetimeFigureOut">
               <a:rPr lang="es-ES" smtClean="0"/>
-              <a:t>11/12/2023</a:t>
+              <a:t>12/12/2023</a:t>
             </a:fld>
             <a:endParaRPr lang="es-ES"/>
           </a:p>
@@ -1959,7 +1977,7 @@
           <a:p>
             <a:fld id="{3151EB77-61A7-4BF9-A00D-7EE4713156A2}" type="datetimeFigureOut">
               <a:rPr lang="es-ES" smtClean="0"/>
-              <a:t>11/12/2023</a:t>
+              <a:t>12/12/2023</a:t>
             </a:fld>
             <a:endParaRPr lang="es-ES"/>
           </a:p>
@@ -2072,7 +2090,7 @@
           <a:p>
             <a:fld id="{3151EB77-61A7-4BF9-A00D-7EE4713156A2}" type="datetimeFigureOut">
               <a:rPr lang="es-ES" smtClean="0"/>
-              <a:t>11/12/2023</a:t>
+              <a:t>12/12/2023</a:t>
             </a:fld>
             <a:endParaRPr lang="es-ES"/>
           </a:p>
@@ -2383,7 +2401,7 @@
           <a:p>
             <a:fld id="{3151EB77-61A7-4BF9-A00D-7EE4713156A2}" type="datetimeFigureOut">
               <a:rPr lang="es-ES" smtClean="0"/>
-              <a:t>11/12/2023</a:t>
+              <a:t>12/12/2023</a:t>
             </a:fld>
             <a:endParaRPr lang="es-ES"/>
           </a:p>
@@ -2671,7 +2689,7 @@
           <a:p>
             <a:fld id="{3151EB77-61A7-4BF9-A00D-7EE4713156A2}" type="datetimeFigureOut">
               <a:rPr lang="es-ES" smtClean="0"/>
-              <a:t>11/12/2023</a:t>
+              <a:t>12/12/2023</a:t>
             </a:fld>
             <a:endParaRPr lang="es-ES"/>
           </a:p>
@@ -2912,7 +2930,7 @@
           <a:p>
             <a:fld id="{3151EB77-61A7-4BF9-A00D-7EE4713156A2}" type="datetimeFigureOut">
               <a:rPr lang="es-ES" smtClean="0"/>
-              <a:t>11/12/2023</a:t>
+              <a:t>12/12/2023</a:t>
             </a:fld>
             <a:endParaRPr lang="es-ES"/>
           </a:p>
@@ -3434,6 +3452,3434 @@
 </p:sld>
 </file>
 
+<file path=ppt/slides/slide10.xml><?xml version="1.0" encoding="utf-8"?>
+<p:sld xmlns:a="http://schemas.openxmlformats.org/drawingml/2006/main" xmlns:r="http://schemas.openxmlformats.org/officeDocument/2006/relationships" xmlns:p="http://schemas.openxmlformats.org/presentationml/2006/main">
+  <p:cSld>
+    <p:bg>
+      <p:bgPr>
+        <a:solidFill>
+          <a:srgbClr val="0A215C"/>
+        </a:solidFill>
+        <a:effectLst/>
+      </p:bgPr>
+    </p:bg>
+    <p:spTree>
+      <p:nvGrpSpPr>
+        <p:cNvPr id="1" name=""/>
+        <p:cNvGrpSpPr/>
+        <p:nvPr/>
+      </p:nvGrpSpPr>
+      <p:grpSpPr>
+        <a:xfrm>
+          <a:off x="0" y="0"/>
+          <a:ext cx="0" cy="0"/>
+          <a:chOff x="0" y="0"/>
+          <a:chExt cx="0" cy="0"/>
+        </a:xfrm>
+      </p:grpSpPr>
+      <p:sp>
+        <p:nvSpPr>
+          <p:cNvPr id="2" name="CuadroTexto 1">
+            <a:extLst>
+              <a:ext uri="{FF2B5EF4-FFF2-40B4-BE49-F238E27FC236}">
+                <a16:creationId xmlns:a16="http://schemas.microsoft.com/office/drawing/2014/main" id="{19894B11-F0BF-7309-0115-C0EDB53851C8}"/>
+              </a:ext>
+            </a:extLst>
+          </p:cNvPr>
+          <p:cNvSpPr txBox="1"/>
+          <p:nvPr/>
+        </p:nvSpPr>
+        <p:spPr>
+          <a:xfrm>
+            <a:off x="0" y="350627"/>
+            <a:ext cx="12192000" cy="707886"/>
+          </a:xfrm>
+          <a:prstGeom prst="rect">
+            <a:avLst/>
+          </a:prstGeom>
+          <a:noFill/>
+        </p:spPr>
+        <p:txBody>
+          <a:bodyPr wrap="square" rtlCol="0">
+            <a:spAutoFit/>
+          </a:bodyPr>
+          <a:lstStyle/>
+          <a:p>
+            <a:pPr marL="0" marR="0" lvl="0" indent="0" algn="ctr" defTabSz="914400" rtl="0" eaLnBrk="1" fontAlgn="auto" latinLnBrk="0" hangingPunct="1">
+              <a:lnSpc>
+                <a:spcPct val="100000"/>
+              </a:lnSpc>
+              <a:spcBef>
+                <a:spcPts val="0"/>
+              </a:spcBef>
+              <a:spcAft>
+                <a:spcPts val="0"/>
+              </a:spcAft>
+              <a:buClrTx/>
+              <a:buSzTx/>
+              <a:buFontTx/>
+              <a:buNone/>
+              <a:tabLst/>
+              <a:defRPr/>
+            </a:pPr>
+            <a:r>
+              <a:rPr lang="es-ES" sz="4000" dirty="0">
+                <a:solidFill>
+                  <a:srgbClr val="FFCC00"/>
+                </a:solidFill>
+                <a:latin typeface="Orbitron" pitchFamily="2" charset="0"/>
+              </a:rPr>
+              <a:t>MODELO BASE DE DATOS</a:t>
+            </a:r>
+            <a:endParaRPr kumimoji="0" lang="es-ES" sz="4000" b="0" i="0" u="none" strike="noStrike" kern="1200" cap="none" spc="0" normalizeH="0" baseline="0" noProof="0" dirty="0">
+              <a:ln>
+                <a:noFill/>
+              </a:ln>
+              <a:solidFill>
+                <a:prstClr val="black"/>
+              </a:solidFill>
+              <a:effectLst/>
+              <a:uLnTx/>
+              <a:uFillTx/>
+              <a:latin typeface="Orbitron" pitchFamily="2" charset="0"/>
+              <a:ea typeface="+mn-ea"/>
+              <a:cs typeface="+mn-cs"/>
+            </a:endParaRPr>
+          </a:p>
+        </p:txBody>
+      </p:sp>
+      <p:pic>
+        <p:nvPicPr>
+          <p:cNvPr id="6" name="Imagen 5">
+            <a:extLst>
+              <a:ext uri="{FF2B5EF4-FFF2-40B4-BE49-F238E27FC236}">
+                <a16:creationId xmlns:a16="http://schemas.microsoft.com/office/drawing/2014/main" id="{8A1DCF7D-45F5-127F-2446-62B704D36A52}"/>
+              </a:ext>
+            </a:extLst>
+          </p:cNvPr>
+          <p:cNvPicPr>
+            <a:picLocks noChangeAspect="1"/>
+          </p:cNvPicPr>
+          <p:nvPr/>
+        </p:nvPicPr>
+        <p:blipFill>
+          <a:blip r:embed="rId2">
+            <a:extLst>
+              <a:ext uri="{28A0092B-C50C-407E-A947-70E740481C1C}">
+                <a14:useLocalDpi xmlns:a14="http://schemas.microsoft.com/office/drawing/2010/main" val="0"/>
+              </a:ext>
+            </a:extLst>
+          </a:blip>
+          <a:stretch>
+            <a:fillRect/>
+          </a:stretch>
+        </p:blipFill>
+        <p:spPr>
+          <a:xfrm>
+            <a:off x="10632216" y="0"/>
+            <a:ext cx="1944749" cy="1109184"/>
+          </a:xfrm>
+          <a:prstGeom prst="rect">
+            <a:avLst/>
+          </a:prstGeom>
+        </p:spPr>
+      </p:pic>
+      <p:pic>
+        <p:nvPicPr>
+          <p:cNvPr id="4" name="Imagen 3">
+            <a:extLst>
+              <a:ext uri="{FF2B5EF4-FFF2-40B4-BE49-F238E27FC236}">
+                <a16:creationId xmlns:a16="http://schemas.microsoft.com/office/drawing/2014/main" id="{34C2DB16-189B-C5A2-E392-D2F6D662358A}"/>
+              </a:ext>
+            </a:extLst>
+          </p:cNvPr>
+          <p:cNvPicPr>
+            <a:picLocks noChangeAspect="1"/>
+          </p:cNvPicPr>
+          <p:nvPr/>
+        </p:nvPicPr>
+        <p:blipFill>
+          <a:blip r:embed="rId3"/>
+          <a:stretch>
+            <a:fillRect/>
+          </a:stretch>
+        </p:blipFill>
+        <p:spPr>
+          <a:xfrm>
+            <a:off x="384965" y="960582"/>
+            <a:ext cx="11422069" cy="5821686"/>
+          </a:xfrm>
+          <a:prstGeom prst="rect">
+            <a:avLst/>
+          </a:prstGeom>
+        </p:spPr>
+      </p:pic>
+    </p:spTree>
+    <p:extLst>
+      <p:ext uri="{BB962C8B-B14F-4D97-AF65-F5344CB8AC3E}">
+        <p14:creationId xmlns:p14="http://schemas.microsoft.com/office/powerpoint/2010/main" val="1135605375"/>
+      </p:ext>
+    </p:extLst>
+  </p:cSld>
+  <p:clrMapOvr>
+    <a:masterClrMapping/>
+  </p:clrMapOvr>
+</p:sld>
+</file>
+
+<file path=ppt/slides/slide11.xml><?xml version="1.0" encoding="utf-8"?>
+<p:sld xmlns:a="http://schemas.openxmlformats.org/drawingml/2006/main" xmlns:r="http://schemas.openxmlformats.org/officeDocument/2006/relationships" xmlns:p="http://schemas.openxmlformats.org/presentationml/2006/main">
+  <p:cSld>
+    <p:bg>
+      <p:bgPr>
+        <a:solidFill>
+          <a:srgbClr val="0A215C"/>
+        </a:solidFill>
+        <a:effectLst/>
+      </p:bgPr>
+    </p:bg>
+    <p:spTree>
+      <p:nvGrpSpPr>
+        <p:cNvPr id="1" name=""/>
+        <p:cNvGrpSpPr/>
+        <p:nvPr/>
+      </p:nvGrpSpPr>
+      <p:grpSpPr>
+        <a:xfrm>
+          <a:off x="0" y="0"/>
+          <a:ext cx="0" cy="0"/>
+          <a:chOff x="0" y="0"/>
+          <a:chExt cx="0" cy="0"/>
+        </a:xfrm>
+      </p:grpSpPr>
+      <p:sp>
+        <p:nvSpPr>
+          <p:cNvPr id="2" name="CuadroTexto 1">
+            <a:extLst>
+              <a:ext uri="{FF2B5EF4-FFF2-40B4-BE49-F238E27FC236}">
+                <a16:creationId xmlns:a16="http://schemas.microsoft.com/office/drawing/2014/main" id="{19894B11-F0BF-7309-0115-C0EDB53851C8}"/>
+              </a:ext>
+            </a:extLst>
+          </p:cNvPr>
+          <p:cNvSpPr txBox="1"/>
+          <p:nvPr/>
+        </p:nvSpPr>
+        <p:spPr>
+          <a:xfrm>
+            <a:off x="-147782" y="51749"/>
+            <a:ext cx="12192000" cy="707886"/>
+          </a:xfrm>
+          <a:prstGeom prst="rect">
+            <a:avLst/>
+          </a:prstGeom>
+          <a:noFill/>
+        </p:spPr>
+        <p:txBody>
+          <a:bodyPr wrap="square" rtlCol="0">
+            <a:spAutoFit/>
+          </a:bodyPr>
+          <a:lstStyle/>
+          <a:p>
+            <a:pPr marL="0" marR="0" lvl="0" indent="0" algn="ctr" defTabSz="914400" rtl="0" eaLnBrk="1" fontAlgn="auto" latinLnBrk="0" hangingPunct="1">
+              <a:lnSpc>
+                <a:spcPct val="100000"/>
+              </a:lnSpc>
+              <a:spcBef>
+                <a:spcPts val="0"/>
+              </a:spcBef>
+              <a:spcAft>
+                <a:spcPts val="0"/>
+              </a:spcAft>
+              <a:buClrTx/>
+              <a:buSzTx/>
+              <a:buFontTx/>
+              <a:buNone/>
+              <a:tabLst/>
+              <a:defRPr/>
+            </a:pPr>
+            <a:r>
+              <a:rPr kumimoji="0" lang="es-ES" sz="4000" b="0" i="0" u="none" strike="noStrike" kern="1200" cap="none" spc="0" normalizeH="0" baseline="0" noProof="0" dirty="0">
+                <a:ln>
+                  <a:noFill/>
+                </a:ln>
+                <a:solidFill>
+                  <a:srgbClr val="FFCC00"/>
+                </a:solidFill>
+                <a:effectLst/>
+                <a:uLnTx/>
+                <a:uFillTx/>
+                <a:latin typeface="Orbitron" pitchFamily="2" charset="0"/>
+                <a:ea typeface="+mn-ea"/>
+                <a:cs typeface="+mn-cs"/>
+              </a:rPr>
+              <a:t>5. HERRAMIENTAS EMPLEADAS</a:t>
+            </a:r>
+            <a:endParaRPr kumimoji="0" lang="es-ES" sz="4000" b="0" i="0" u="none" strike="noStrike" kern="1200" cap="none" spc="0" normalizeH="0" baseline="0" noProof="0" dirty="0">
+              <a:ln>
+                <a:noFill/>
+              </a:ln>
+              <a:solidFill>
+                <a:prstClr val="black"/>
+              </a:solidFill>
+              <a:effectLst/>
+              <a:uLnTx/>
+              <a:uFillTx/>
+              <a:latin typeface="Orbitron" pitchFamily="2" charset="0"/>
+              <a:ea typeface="+mn-ea"/>
+              <a:cs typeface="+mn-cs"/>
+            </a:endParaRPr>
+          </a:p>
+        </p:txBody>
+      </p:sp>
+      <p:pic>
+        <p:nvPicPr>
+          <p:cNvPr id="6" name="Imagen 5">
+            <a:extLst>
+              <a:ext uri="{FF2B5EF4-FFF2-40B4-BE49-F238E27FC236}">
+                <a16:creationId xmlns:a16="http://schemas.microsoft.com/office/drawing/2014/main" id="{8A1DCF7D-45F5-127F-2446-62B704D36A52}"/>
+              </a:ext>
+            </a:extLst>
+          </p:cNvPr>
+          <p:cNvPicPr>
+            <a:picLocks noChangeAspect="1"/>
+          </p:cNvPicPr>
+          <p:nvPr/>
+        </p:nvPicPr>
+        <p:blipFill>
+          <a:blip r:embed="rId2">
+            <a:extLst>
+              <a:ext uri="{28A0092B-C50C-407E-A947-70E740481C1C}">
+                <a14:useLocalDpi xmlns:a14="http://schemas.microsoft.com/office/drawing/2010/main" val="0"/>
+              </a:ext>
+            </a:extLst>
+          </a:blip>
+          <a:stretch>
+            <a:fillRect/>
+          </a:stretch>
+        </p:blipFill>
+        <p:spPr>
+          <a:xfrm>
+            <a:off x="10632216" y="0"/>
+            <a:ext cx="1944749" cy="1109184"/>
+          </a:xfrm>
+          <a:prstGeom prst="rect">
+            <a:avLst/>
+          </a:prstGeom>
+        </p:spPr>
+      </p:pic>
+      <p:pic>
+        <p:nvPicPr>
+          <p:cNvPr id="5" name="Imagen 4">
+            <a:extLst>
+              <a:ext uri="{FF2B5EF4-FFF2-40B4-BE49-F238E27FC236}">
+                <a16:creationId xmlns:a16="http://schemas.microsoft.com/office/drawing/2014/main" id="{94AAB9CA-8639-5B3B-62E8-1F546CE7D3F6}"/>
+              </a:ext>
+            </a:extLst>
+          </p:cNvPr>
+          <p:cNvPicPr>
+            <a:picLocks noChangeAspect="1"/>
+          </p:cNvPicPr>
+          <p:nvPr/>
+        </p:nvPicPr>
+        <p:blipFill>
+          <a:blip r:embed="rId3"/>
+          <a:stretch>
+            <a:fillRect/>
+          </a:stretch>
+        </p:blipFill>
+        <p:spPr>
+          <a:xfrm>
+            <a:off x="469507" y="1900937"/>
+            <a:ext cx="5626493" cy="1750000"/>
+          </a:xfrm>
+          <a:prstGeom prst="rect">
+            <a:avLst/>
+          </a:prstGeom>
+        </p:spPr>
+      </p:pic>
+      <p:pic>
+        <p:nvPicPr>
+          <p:cNvPr id="8" name="Imagen 7">
+            <a:extLst>
+              <a:ext uri="{FF2B5EF4-FFF2-40B4-BE49-F238E27FC236}">
+                <a16:creationId xmlns:a16="http://schemas.microsoft.com/office/drawing/2014/main" id="{B6A2ACE8-62E1-7067-80A1-560B153AC5FA}"/>
+              </a:ext>
+            </a:extLst>
+          </p:cNvPr>
+          <p:cNvPicPr>
+            <a:picLocks noChangeAspect="1"/>
+          </p:cNvPicPr>
+          <p:nvPr/>
+        </p:nvPicPr>
+        <p:blipFill>
+          <a:blip r:embed="rId4"/>
+          <a:stretch>
+            <a:fillRect/>
+          </a:stretch>
+        </p:blipFill>
+        <p:spPr>
+          <a:xfrm>
+            <a:off x="7042007" y="1879411"/>
+            <a:ext cx="3858449" cy="1755627"/>
+          </a:xfrm>
+          <a:prstGeom prst="rect">
+            <a:avLst/>
+          </a:prstGeom>
+        </p:spPr>
+      </p:pic>
+      <p:pic>
+        <p:nvPicPr>
+          <p:cNvPr id="10" name="Imagen 9">
+            <a:extLst>
+              <a:ext uri="{FF2B5EF4-FFF2-40B4-BE49-F238E27FC236}">
+                <a16:creationId xmlns:a16="http://schemas.microsoft.com/office/drawing/2014/main" id="{6EC11931-B8E4-1F7D-749C-1D1E993FFB67}"/>
+              </a:ext>
+            </a:extLst>
+          </p:cNvPr>
+          <p:cNvPicPr>
+            <a:picLocks noChangeAspect="1"/>
+          </p:cNvPicPr>
+          <p:nvPr/>
+        </p:nvPicPr>
+        <p:blipFill>
+          <a:blip r:embed="rId5"/>
+          <a:stretch>
+            <a:fillRect/>
+          </a:stretch>
+        </p:blipFill>
+        <p:spPr>
+          <a:xfrm>
+            <a:off x="2409187" y="4421164"/>
+            <a:ext cx="7078063" cy="2238687"/>
+          </a:xfrm>
+          <a:prstGeom prst="rect">
+            <a:avLst/>
+          </a:prstGeom>
+        </p:spPr>
+      </p:pic>
+      <p:sp>
+        <p:nvSpPr>
+          <p:cNvPr id="11" name="CuadroTexto 10">
+            <a:extLst>
+              <a:ext uri="{FF2B5EF4-FFF2-40B4-BE49-F238E27FC236}">
+                <a16:creationId xmlns:a16="http://schemas.microsoft.com/office/drawing/2014/main" id="{CBBCD958-9FBC-EB48-B5DF-E736ED571A5C}"/>
+              </a:ext>
+            </a:extLst>
+          </p:cNvPr>
+          <p:cNvSpPr txBox="1"/>
+          <p:nvPr/>
+        </p:nvSpPr>
+        <p:spPr>
+          <a:xfrm>
+            <a:off x="469507" y="1184927"/>
+            <a:ext cx="5626493" cy="461665"/>
+          </a:xfrm>
+          <a:prstGeom prst="rect">
+            <a:avLst/>
+          </a:prstGeom>
+          <a:noFill/>
+        </p:spPr>
+        <p:txBody>
+          <a:bodyPr wrap="square" rtlCol="0">
+            <a:spAutoFit/>
+          </a:bodyPr>
+          <a:lstStyle/>
+          <a:p>
+            <a:pPr algn="ctr"/>
+            <a:r>
+              <a:rPr lang="es-ES" sz="2400" dirty="0">
+                <a:solidFill>
+                  <a:srgbClr val="FFCC00"/>
+                </a:solidFill>
+                <a:latin typeface="Orbitron" pitchFamily="2" charset="0"/>
+              </a:rPr>
+              <a:t>FRONTEND</a:t>
+            </a:r>
+          </a:p>
+        </p:txBody>
+      </p:sp>
+      <p:sp>
+        <p:nvSpPr>
+          <p:cNvPr id="13" name="CuadroTexto 12">
+            <a:extLst>
+              <a:ext uri="{FF2B5EF4-FFF2-40B4-BE49-F238E27FC236}">
+                <a16:creationId xmlns:a16="http://schemas.microsoft.com/office/drawing/2014/main" id="{3561CFA7-8266-7704-608A-E8531BC46C42}"/>
+              </a:ext>
+            </a:extLst>
+          </p:cNvPr>
+          <p:cNvSpPr txBox="1"/>
+          <p:nvPr/>
+        </p:nvSpPr>
+        <p:spPr>
+          <a:xfrm>
+            <a:off x="7042007" y="1231093"/>
+            <a:ext cx="3858449" cy="369332"/>
+          </a:xfrm>
+          <a:prstGeom prst="rect">
+            <a:avLst/>
+          </a:prstGeom>
+          <a:noFill/>
+        </p:spPr>
+        <p:txBody>
+          <a:bodyPr wrap="square">
+            <a:spAutoFit/>
+          </a:bodyPr>
+          <a:lstStyle/>
+          <a:p>
+            <a:pPr algn="ctr"/>
+            <a:r>
+              <a:rPr lang="es-ES" sz="1800" dirty="0">
+                <a:solidFill>
+                  <a:srgbClr val="FFCC00"/>
+                </a:solidFill>
+                <a:latin typeface="Orbitron" pitchFamily="2" charset="0"/>
+              </a:rPr>
+              <a:t> BACKEND</a:t>
+            </a:r>
+            <a:endParaRPr lang="es-ES" dirty="0"/>
+          </a:p>
+        </p:txBody>
+      </p:sp>
+      <p:sp>
+        <p:nvSpPr>
+          <p:cNvPr id="15" name="CuadroTexto 14">
+            <a:extLst>
+              <a:ext uri="{FF2B5EF4-FFF2-40B4-BE49-F238E27FC236}">
+                <a16:creationId xmlns:a16="http://schemas.microsoft.com/office/drawing/2014/main" id="{8918D15F-ADD8-EBA7-BCCC-E95C73CEBCCC}"/>
+              </a:ext>
+            </a:extLst>
+          </p:cNvPr>
+          <p:cNvSpPr txBox="1"/>
+          <p:nvPr/>
+        </p:nvSpPr>
+        <p:spPr>
+          <a:xfrm>
+            <a:off x="2409186" y="3837794"/>
+            <a:ext cx="7078063" cy="369332"/>
+          </a:xfrm>
+          <a:prstGeom prst="rect">
+            <a:avLst/>
+          </a:prstGeom>
+          <a:noFill/>
+        </p:spPr>
+        <p:txBody>
+          <a:bodyPr wrap="square">
+            <a:spAutoFit/>
+          </a:bodyPr>
+          <a:lstStyle/>
+          <a:p>
+            <a:pPr algn="ctr"/>
+            <a:r>
+              <a:rPr lang="es-ES" sz="1800" dirty="0">
+                <a:solidFill>
+                  <a:srgbClr val="FFCC00"/>
+                </a:solidFill>
+                <a:latin typeface="Orbitron" pitchFamily="2" charset="0"/>
+              </a:rPr>
+              <a:t>DESARROLLO Y DISEÑO</a:t>
+            </a:r>
+            <a:endParaRPr lang="es-ES" dirty="0"/>
+          </a:p>
+        </p:txBody>
+      </p:sp>
+    </p:spTree>
+    <p:extLst>
+      <p:ext uri="{BB962C8B-B14F-4D97-AF65-F5344CB8AC3E}">
+        <p14:creationId xmlns:p14="http://schemas.microsoft.com/office/powerpoint/2010/main" val="494381182"/>
+      </p:ext>
+    </p:extLst>
+  </p:cSld>
+  <p:clrMapOvr>
+    <a:masterClrMapping/>
+  </p:clrMapOvr>
+</p:sld>
+</file>
+
+<file path=ppt/slides/slide12.xml><?xml version="1.0" encoding="utf-8"?>
+<p:sld xmlns:a="http://schemas.openxmlformats.org/drawingml/2006/main" xmlns:r="http://schemas.openxmlformats.org/officeDocument/2006/relationships" xmlns:p="http://schemas.openxmlformats.org/presentationml/2006/main">
+  <p:cSld>
+    <p:bg>
+      <p:bgPr>
+        <a:solidFill>
+          <a:srgbClr val="0A215C"/>
+        </a:solidFill>
+        <a:effectLst/>
+      </p:bgPr>
+    </p:bg>
+    <p:spTree>
+      <p:nvGrpSpPr>
+        <p:cNvPr id="1" name=""/>
+        <p:cNvGrpSpPr/>
+        <p:nvPr/>
+      </p:nvGrpSpPr>
+      <p:grpSpPr>
+        <a:xfrm>
+          <a:off x="0" y="0"/>
+          <a:ext cx="0" cy="0"/>
+          <a:chOff x="0" y="0"/>
+          <a:chExt cx="0" cy="0"/>
+        </a:xfrm>
+      </p:grpSpPr>
+      <p:sp>
+        <p:nvSpPr>
+          <p:cNvPr id="2" name="CuadroTexto 1">
+            <a:extLst>
+              <a:ext uri="{FF2B5EF4-FFF2-40B4-BE49-F238E27FC236}">
+                <a16:creationId xmlns:a16="http://schemas.microsoft.com/office/drawing/2014/main" id="{19894B11-F0BF-7309-0115-C0EDB53851C8}"/>
+              </a:ext>
+            </a:extLst>
+          </p:cNvPr>
+          <p:cNvSpPr txBox="1"/>
+          <p:nvPr/>
+        </p:nvSpPr>
+        <p:spPr>
+          <a:xfrm>
+            <a:off x="-147782" y="51749"/>
+            <a:ext cx="12192000" cy="707886"/>
+          </a:xfrm>
+          <a:prstGeom prst="rect">
+            <a:avLst/>
+          </a:prstGeom>
+          <a:noFill/>
+        </p:spPr>
+        <p:txBody>
+          <a:bodyPr wrap="square" rtlCol="0">
+            <a:spAutoFit/>
+          </a:bodyPr>
+          <a:lstStyle/>
+          <a:p>
+            <a:pPr marL="0" marR="0" lvl="0" indent="0" algn="ctr" defTabSz="914400" rtl="0" eaLnBrk="1" fontAlgn="auto" latinLnBrk="0" hangingPunct="1">
+              <a:lnSpc>
+                <a:spcPct val="100000"/>
+              </a:lnSpc>
+              <a:spcBef>
+                <a:spcPts val="0"/>
+              </a:spcBef>
+              <a:spcAft>
+                <a:spcPts val="0"/>
+              </a:spcAft>
+              <a:buClrTx/>
+              <a:buSzTx/>
+              <a:buFontTx/>
+              <a:buNone/>
+              <a:tabLst/>
+              <a:defRPr/>
+            </a:pPr>
+            <a:r>
+              <a:rPr kumimoji="0" lang="es-ES" sz="4000" b="0" i="0" u="none" strike="noStrike" kern="1200" cap="none" spc="0" normalizeH="0" baseline="0" noProof="0" dirty="0">
+                <a:ln>
+                  <a:noFill/>
+                </a:ln>
+                <a:solidFill>
+                  <a:srgbClr val="FFCC00"/>
+                </a:solidFill>
+                <a:effectLst/>
+                <a:uLnTx/>
+                <a:uFillTx/>
+                <a:latin typeface="Orbitron" pitchFamily="2" charset="0"/>
+                <a:ea typeface="+mn-ea"/>
+                <a:cs typeface="+mn-cs"/>
+              </a:rPr>
+              <a:t>6. PRUEBAS</a:t>
+            </a:r>
+            <a:endParaRPr kumimoji="0" lang="es-ES" sz="4000" b="0" i="0" u="none" strike="noStrike" kern="1200" cap="none" spc="0" normalizeH="0" baseline="0" noProof="0" dirty="0">
+              <a:ln>
+                <a:noFill/>
+              </a:ln>
+              <a:solidFill>
+                <a:prstClr val="black"/>
+              </a:solidFill>
+              <a:effectLst/>
+              <a:uLnTx/>
+              <a:uFillTx/>
+              <a:latin typeface="Orbitron" pitchFamily="2" charset="0"/>
+              <a:ea typeface="+mn-ea"/>
+              <a:cs typeface="+mn-cs"/>
+            </a:endParaRPr>
+          </a:p>
+        </p:txBody>
+      </p:sp>
+      <p:pic>
+        <p:nvPicPr>
+          <p:cNvPr id="6" name="Imagen 5">
+            <a:extLst>
+              <a:ext uri="{FF2B5EF4-FFF2-40B4-BE49-F238E27FC236}">
+                <a16:creationId xmlns:a16="http://schemas.microsoft.com/office/drawing/2014/main" id="{8A1DCF7D-45F5-127F-2446-62B704D36A52}"/>
+              </a:ext>
+            </a:extLst>
+          </p:cNvPr>
+          <p:cNvPicPr>
+            <a:picLocks noChangeAspect="1"/>
+          </p:cNvPicPr>
+          <p:nvPr/>
+        </p:nvPicPr>
+        <p:blipFill>
+          <a:blip r:embed="rId2">
+            <a:extLst>
+              <a:ext uri="{28A0092B-C50C-407E-A947-70E740481C1C}">
+                <a14:useLocalDpi xmlns:a14="http://schemas.microsoft.com/office/drawing/2010/main" val="0"/>
+              </a:ext>
+            </a:extLst>
+          </a:blip>
+          <a:stretch>
+            <a:fillRect/>
+          </a:stretch>
+        </p:blipFill>
+        <p:spPr>
+          <a:xfrm>
+            <a:off x="10632216" y="0"/>
+            <a:ext cx="1944749" cy="1109184"/>
+          </a:xfrm>
+          <a:prstGeom prst="rect">
+            <a:avLst/>
+          </a:prstGeom>
+        </p:spPr>
+      </p:pic>
+      <p:pic>
+        <p:nvPicPr>
+          <p:cNvPr id="4" name="Imagen 3">
+            <a:extLst>
+              <a:ext uri="{FF2B5EF4-FFF2-40B4-BE49-F238E27FC236}">
+                <a16:creationId xmlns:a16="http://schemas.microsoft.com/office/drawing/2014/main" id="{86D4C3A0-D8AA-A27D-6F49-D05691BA4FC3}"/>
+              </a:ext>
+            </a:extLst>
+          </p:cNvPr>
+          <p:cNvPicPr>
+            <a:picLocks noChangeAspect="1"/>
+          </p:cNvPicPr>
+          <p:nvPr/>
+        </p:nvPicPr>
+        <p:blipFill>
+          <a:blip r:embed="rId3"/>
+          <a:stretch>
+            <a:fillRect/>
+          </a:stretch>
+        </p:blipFill>
+        <p:spPr>
+          <a:xfrm>
+            <a:off x="2347389" y="2476367"/>
+            <a:ext cx="7497221" cy="1905266"/>
+          </a:xfrm>
+          <a:prstGeom prst="rect">
+            <a:avLst/>
+          </a:prstGeom>
+        </p:spPr>
+      </p:pic>
+    </p:spTree>
+    <p:extLst>
+      <p:ext uri="{BB962C8B-B14F-4D97-AF65-F5344CB8AC3E}">
+        <p14:creationId xmlns:p14="http://schemas.microsoft.com/office/powerpoint/2010/main" val="2361557452"/>
+      </p:ext>
+    </p:extLst>
+  </p:cSld>
+  <p:clrMapOvr>
+    <a:masterClrMapping/>
+  </p:clrMapOvr>
+</p:sld>
+</file>
+
+<file path=ppt/slides/slide13.xml><?xml version="1.0" encoding="utf-8"?>
+<p:sld xmlns:a="http://schemas.openxmlformats.org/drawingml/2006/main" xmlns:r="http://schemas.openxmlformats.org/officeDocument/2006/relationships" xmlns:p="http://schemas.openxmlformats.org/presentationml/2006/main">
+  <p:cSld>
+    <p:bg>
+      <p:bgPr>
+        <a:solidFill>
+          <a:srgbClr val="0A215C"/>
+        </a:solidFill>
+        <a:effectLst/>
+      </p:bgPr>
+    </p:bg>
+    <p:spTree>
+      <p:nvGrpSpPr>
+        <p:cNvPr id="1" name=""/>
+        <p:cNvGrpSpPr/>
+        <p:nvPr/>
+      </p:nvGrpSpPr>
+      <p:grpSpPr>
+        <a:xfrm>
+          <a:off x="0" y="0"/>
+          <a:ext cx="0" cy="0"/>
+          <a:chOff x="0" y="0"/>
+          <a:chExt cx="0" cy="0"/>
+        </a:xfrm>
+      </p:grpSpPr>
+      <p:sp>
+        <p:nvSpPr>
+          <p:cNvPr id="2" name="CuadroTexto 1">
+            <a:extLst>
+              <a:ext uri="{FF2B5EF4-FFF2-40B4-BE49-F238E27FC236}">
+                <a16:creationId xmlns:a16="http://schemas.microsoft.com/office/drawing/2014/main" id="{19894B11-F0BF-7309-0115-C0EDB53851C8}"/>
+              </a:ext>
+            </a:extLst>
+          </p:cNvPr>
+          <p:cNvSpPr txBox="1"/>
+          <p:nvPr/>
+        </p:nvSpPr>
+        <p:spPr>
+          <a:xfrm>
+            <a:off x="0" y="350627"/>
+            <a:ext cx="12192000" cy="769441"/>
+          </a:xfrm>
+          <a:prstGeom prst="rect">
+            <a:avLst/>
+          </a:prstGeom>
+          <a:noFill/>
+        </p:spPr>
+        <p:txBody>
+          <a:bodyPr wrap="square" rtlCol="0">
+            <a:spAutoFit/>
+          </a:bodyPr>
+          <a:lstStyle/>
+          <a:p>
+            <a:pPr marL="0" marR="0" lvl="0" indent="0" algn="ctr" defTabSz="914400" rtl="0" eaLnBrk="1" fontAlgn="auto" latinLnBrk="0" hangingPunct="1">
+              <a:lnSpc>
+                <a:spcPct val="100000"/>
+              </a:lnSpc>
+              <a:spcBef>
+                <a:spcPts val="0"/>
+              </a:spcBef>
+              <a:spcAft>
+                <a:spcPts val="0"/>
+              </a:spcAft>
+              <a:buClrTx/>
+              <a:buSzTx/>
+              <a:buFontTx/>
+              <a:buNone/>
+              <a:tabLst/>
+              <a:defRPr/>
+            </a:pPr>
+            <a:r>
+              <a:rPr lang="es-ES" sz="4400" dirty="0">
+                <a:solidFill>
+                  <a:srgbClr val="FFCC00"/>
+                </a:solidFill>
+                <a:latin typeface="Orbitron" pitchFamily="2" charset="0"/>
+              </a:rPr>
+              <a:t>7. PROBLEMAS Y SOLUCIONES</a:t>
+            </a:r>
+            <a:endParaRPr kumimoji="0" lang="es-ES" sz="4400" b="0" i="0" u="none" strike="noStrike" kern="1200" cap="none" spc="0" normalizeH="0" baseline="0" noProof="0" dirty="0">
+              <a:ln>
+                <a:noFill/>
+              </a:ln>
+              <a:solidFill>
+                <a:prstClr val="black"/>
+              </a:solidFill>
+              <a:effectLst/>
+              <a:uLnTx/>
+              <a:uFillTx/>
+              <a:latin typeface="Orbitron" pitchFamily="2" charset="0"/>
+              <a:ea typeface="+mn-ea"/>
+              <a:cs typeface="+mn-cs"/>
+            </a:endParaRPr>
+          </a:p>
+        </p:txBody>
+      </p:sp>
+      <p:pic>
+        <p:nvPicPr>
+          <p:cNvPr id="6" name="Imagen 5">
+            <a:extLst>
+              <a:ext uri="{FF2B5EF4-FFF2-40B4-BE49-F238E27FC236}">
+                <a16:creationId xmlns:a16="http://schemas.microsoft.com/office/drawing/2014/main" id="{8A1DCF7D-45F5-127F-2446-62B704D36A52}"/>
+              </a:ext>
+            </a:extLst>
+          </p:cNvPr>
+          <p:cNvPicPr>
+            <a:picLocks noChangeAspect="1"/>
+          </p:cNvPicPr>
+          <p:nvPr/>
+        </p:nvPicPr>
+        <p:blipFill>
+          <a:blip r:embed="rId2">
+            <a:extLst>
+              <a:ext uri="{28A0092B-C50C-407E-A947-70E740481C1C}">
+                <a14:useLocalDpi xmlns:a14="http://schemas.microsoft.com/office/drawing/2010/main" val="0"/>
+              </a:ext>
+            </a:extLst>
+          </a:blip>
+          <a:stretch>
+            <a:fillRect/>
+          </a:stretch>
+        </p:blipFill>
+        <p:spPr>
+          <a:xfrm>
+            <a:off x="9937630" y="5383981"/>
+            <a:ext cx="2584420" cy="1474019"/>
+          </a:xfrm>
+          <a:prstGeom prst="rect">
+            <a:avLst/>
+          </a:prstGeom>
+        </p:spPr>
+      </p:pic>
+      <p:sp>
+        <p:nvSpPr>
+          <p:cNvPr id="3" name="CuadroTexto 2">
+            <a:extLst>
+              <a:ext uri="{FF2B5EF4-FFF2-40B4-BE49-F238E27FC236}">
+                <a16:creationId xmlns:a16="http://schemas.microsoft.com/office/drawing/2014/main" id="{273D95A2-C4F8-9B06-5615-AC618A836C86}"/>
+              </a:ext>
+            </a:extLst>
+          </p:cNvPr>
+          <p:cNvSpPr txBox="1"/>
+          <p:nvPr/>
+        </p:nvSpPr>
+        <p:spPr>
+          <a:xfrm>
+            <a:off x="4179453" y="1663129"/>
+            <a:ext cx="3833091" cy="1200329"/>
+          </a:xfrm>
+          <a:prstGeom prst="rect">
+            <a:avLst/>
+          </a:prstGeom>
+          <a:noFill/>
+        </p:spPr>
+        <p:txBody>
+          <a:bodyPr wrap="square" rtlCol="0">
+            <a:spAutoFit/>
+          </a:bodyPr>
+          <a:lstStyle/>
+          <a:p>
+            <a:pPr marL="0" marR="0" lvl="0" indent="0" algn="ctr" defTabSz="914400" rtl="0" eaLnBrk="1" fontAlgn="auto" latinLnBrk="0" hangingPunct="1">
+              <a:lnSpc>
+                <a:spcPct val="100000"/>
+              </a:lnSpc>
+              <a:spcBef>
+                <a:spcPts val="0"/>
+              </a:spcBef>
+              <a:spcAft>
+                <a:spcPts val="0"/>
+              </a:spcAft>
+              <a:buClrTx/>
+              <a:buSzTx/>
+              <a:buFontTx/>
+              <a:buNone/>
+              <a:tabLst/>
+              <a:defRPr/>
+            </a:pPr>
+            <a:r>
+              <a:rPr kumimoji="0" lang="es-ES" sz="1800" b="0" i="0" u="none" strike="noStrike" kern="1200" cap="none" spc="0" normalizeH="0" baseline="0" noProof="0" dirty="0">
+                <a:ln>
+                  <a:noFill/>
+                </a:ln>
+                <a:solidFill>
+                  <a:srgbClr val="FFCC00"/>
+                </a:solidFill>
+                <a:effectLst/>
+                <a:uLnTx/>
+                <a:uFillTx/>
+                <a:latin typeface="Orbitron" pitchFamily="2" charset="0"/>
+                <a:ea typeface="+mn-ea"/>
+                <a:cs typeface="+mn-cs"/>
+              </a:rPr>
+              <a:t>PROBLEMAS</a:t>
+            </a:r>
+          </a:p>
+          <a:p>
+            <a:pPr marL="342900" marR="0" lvl="0" indent="-342900" algn="l" defTabSz="914400" rtl="0" eaLnBrk="1" fontAlgn="auto" latinLnBrk="0" hangingPunct="1">
+              <a:lnSpc>
+                <a:spcPct val="100000"/>
+              </a:lnSpc>
+              <a:spcBef>
+                <a:spcPts val="0"/>
+              </a:spcBef>
+              <a:spcAft>
+                <a:spcPts val="0"/>
+              </a:spcAft>
+              <a:buClrTx/>
+              <a:buSzTx/>
+              <a:buFont typeface="+mj-lt"/>
+              <a:buAutoNum type="arabicPeriod"/>
+              <a:tabLst/>
+              <a:defRPr/>
+            </a:pPr>
+            <a:r>
+              <a:rPr kumimoji="0" lang="es-ES" sz="1800" b="0" i="0" u="none" strike="noStrike" kern="1200" cap="none" spc="0" normalizeH="0" baseline="0" noProof="0" dirty="0">
+                <a:ln>
+                  <a:noFill/>
+                </a:ln>
+                <a:solidFill>
+                  <a:prstClr val="black"/>
+                </a:solidFill>
+                <a:effectLst/>
+                <a:uLnTx/>
+                <a:uFillTx/>
+                <a:latin typeface="Calibri" panose="020F0502020204030204"/>
+                <a:ea typeface="+mn-ea"/>
+                <a:cs typeface="+mn-cs"/>
+              </a:rPr>
+              <a:t>Tecnologías a utilizar</a:t>
+            </a:r>
+          </a:p>
+          <a:p>
+            <a:pPr marL="342900" marR="0" lvl="0" indent="-342900" algn="l" defTabSz="914400" rtl="0" eaLnBrk="1" fontAlgn="auto" latinLnBrk="0" hangingPunct="1">
+              <a:lnSpc>
+                <a:spcPct val="100000"/>
+              </a:lnSpc>
+              <a:spcBef>
+                <a:spcPts val="0"/>
+              </a:spcBef>
+              <a:spcAft>
+                <a:spcPts val="0"/>
+              </a:spcAft>
+              <a:buClrTx/>
+              <a:buSzTx/>
+              <a:buFont typeface="+mj-lt"/>
+              <a:buAutoNum type="arabicPeriod"/>
+              <a:tabLst/>
+              <a:defRPr/>
+            </a:pPr>
+            <a:r>
+              <a:rPr lang="es-ES" dirty="0">
+                <a:solidFill>
+                  <a:prstClr val="black"/>
+                </a:solidFill>
+                <a:latin typeface="Calibri" panose="020F0502020204030204"/>
+              </a:rPr>
+              <a:t>Formulario de edición de artículo</a:t>
+            </a:r>
+          </a:p>
+          <a:p>
+            <a:pPr marL="342900" marR="0" lvl="0" indent="-342900" algn="l" defTabSz="914400" rtl="0" eaLnBrk="1" fontAlgn="auto" latinLnBrk="0" hangingPunct="1">
+              <a:lnSpc>
+                <a:spcPct val="100000"/>
+              </a:lnSpc>
+              <a:spcBef>
+                <a:spcPts val="0"/>
+              </a:spcBef>
+              <a:spcAft>
+                <a:spcPts val="0"/>
+              </a:spcAft>
+              <a:buClrTx/>
+              <a:buSzTx/>
+              <a:buFont typeface="+mj-lt"/>
+              <a:buAutoNum type="arabicPeriod"/>
+              <a:tabLst/>
+              <a:defRPr/>
+            </a:pPr>
+            <a:r>
+              <a:rPr kumimoji="0" lang="es-ES" sz="1800" b="0" i="0" u="none" strike="noStrike" kern="1200" cap="none" spc="0" normalizeH="0" baseline="0" noProof="0" dirty="0" err="1">
+                <a:ln>
+                  <a:noFill/>
+                </a:ln>
+                <a:solidFill>
+                  <a:prstClr val="black"/>
+                </a:solidFill>
+                <a:effectLst/>
+                <a:uLnTx/>
+                <a:uFillTx/>
+                <a:latin typeface="Calibri" panose="020F0502020204030204"/>
+                <a:ea typeface="+mn-ea"/>
+                <a:cs typeface="+mn-cs"/>
+              </a:rPr>
+              <a:t>Despl</a:t>
+            </a:r>
+            <a:r>
+              <a:rPr lang="es-ES" dirty="0" err="1">
+                <a:solidFill>
+                  <a:prstClr val="black"/>
+                </a:solidFill>
+                <a:latin typeface="Calibri" panose="020F0502020204030204"/>
+              </a:rPr>
+              <a:t>iegue</a:t>
+            </a:r>
+            <a:endParaRPr kumimoji="0" lang="es-ES" sz="1800" b="0" i="0" u="none" strike="noStrike" kern="1200" cap="none" spc="0" normalizeH="0" baseline="0" noProof="0" dirty="0">
+              <a:ln>
+                <a:noFill/>
+              </a:ln>
+              <a:solidFill>
+                <a:prstClr val="black"/>
+              </a:solidFill>
+              <a:effectLst/>
+              <a:uLnTx/>
+              <a:uFillTx/>
+              <a:latin typeface="Calibri" panose="020F0502020204030204"/>
+              <a:ea typeface="+mn-ea"/>
+              <a:cs typeface="+mn-cs"/>
+            </a:endParaRPr>
+          </a:p>
+        </p:txBody>
+      </p:sp>
+      <p:sp>
+        <p:nvSpPr>
+          <p:cNvPr id="4" name="CuadroTexto 3">
+            <a:extLst>
+              <a:ext uri="{FF2B5EF4-FFF2-40B4-BE49-F238E27FC236}">
+                <a16:creationId xmlns:a16="http://schemas.microsoft.com/office/drawing/2014/main" id="{1C5B55F0-0727-F4BA-7490-243B4844D00B}"/>
+              </a:ext>
+            </a:extLst>
+          </p:cNvPr>
+          <p:cNvSpPr txBox="1"/>
+          <p:nvPr/>
+        </p:nvSpPr>
+        <p:spPr>
+          <a:xfrm>
+            <a:off x="4179452" y="3694454"/>
+            <a:ext cx="3833091" cy="1200329"/>
+          </a:xfrm>
+          <a:prstGeom prst="rect">
+            <a:avLst/>
+          </a:prstGeom>
+          <a:noFill/>
+        </p:spPr>
+        <p:txBody>
+          <a:bodyPr wrap="square" rtlCol="0">
+            <a:spAutoFit/>
+          </a:bodyPr>
+          <a:lstStyle/>
+          <a:p>
+            <a:pPr marL="0" marR="0" lvl="0" indent="0" algn="ctr" defTabSz="914400" rtl="0" eaLnBrk="1" fontAlgn="auto" latinLnBrk="0" hangingPunct="1">
+              <a:lnSpc>
+                <a:spcPct val="100000"/>
+              </a:lnSpc>
+              <a:spcBef>
+                <a:spcPts val="0"/>
+              </a:spcBef>
+              <a:spcAft>
+                <a:spcPts val="0"/>
+              </a:spcAft>
+              <a:buClrTx/>
+              <a:buSzTx/>
+              <a:buFontTx/>
+              <a:buNone/>
+              <a:tabLst/>
+              <a:defRPr/>
+            </a:pPr>
+            <a:r>
+              <a:rPr kumimoji="0" lang="es-ES" sz="1800" b="0" i="0" u="none" strike="noStrike" kern="1200" cap="none" spc="0" normalizeH="0" baseline="0" noProof="0" dirty="0">
+                <a:ln>
+                  <a:noFill/>
+                </a:ln>
+                <a:solidFill>
+                  <a:srgbClr val="FFCC00"/>
+                </a:solidFill>
+                <a:effectLst/>
+                <a:uLnTx/>
+                <a:uFillTx/>
+                <a:latin typeface="Orbitron" pitchFamily="2" charset="0"/>
+                <a:ea typeface="+mn-ea"/>
+                <a:cs typeface="+mn-cs"/>
+              </a:rPr>
+              <a:t>SOLUCIONES</a:t>
+            </a:r>
+          </a:p>
+          <a:p>
+            <a:pPr marL="342900" marR="0" lvl="0" indent="-342900" algn="l" defTabSz="914400" rtl="0" eaLnBrk="1" fontAlgn="auto" latinLnBrk="0" hangingPunct="1">
+              <a:lnSpc>
+                <a:spcPct val="100000"/>
+              </a:lnSpc>
+              <a:spcBef>
+                <a:spcPts val="0"/>
+              </a:spcBef>
+              <a:spcAft>
+                <a:spcPts val="0"/>
+              </a:spcAft>
+              <a:buClrTx/>
+              <a:buSzTx/>
+              <a:buFont typeface="+mj-lt"/>
+              <a:buAutoNum type="arabicPeriod"/>
+              <a:tabLst/>
+              <a:defRPr/>
+            </a:pPr>
+            <a:r>
+              <a:rPr kumimoji="0" lang="es-ES" sz="1800" b="0" i="0" u="none" strike="noStrike" kern="1200" cap="none" spc="0" normalizeH="0" baseline="0" noProof="0" dirty="0">
+                <a:ln>
+                  <a:noFill/>
+                </a:ln>
+                <a:solidFill>
+                  <a:prstClr val="black"/>
+                </a:solidFill>
+                <a:effectLst/>
+                <a:uLnTx/>
+                <a:uFillTx/>
+                <a:latin typeface="Calibri" panose="020F0502020204030204"/>
+                <a:ea typeface="+mn-ea"/>
+                <a:cs typeface="+mn-cs"/>
+              </a:rPr>
+              <a:t>React y </a:t>
+            </a:r>
+            <a:r>
+              <a:rPr kumimoji="0" lang="es-ES" sz="1800" b="0" i="0" u="none" strike="noStrike" kern="1200" cap="none" spc="0" normalizeH="0" baseline="0" noProof="0" dirty="0" err="1">
+                <a:ln>
+                  <a:noFill/>
+                </a:ln>
+                <a:solidFill>
+                  <a:prstClr val="black"/>
+                </a:solidFill>
+                <a:effectLst/>
+                <a:uLnTx/>
+                <a:uFillTx/>
+                <a:latin typeface="Calibri" panose="020F0502020204030204"/>
+                <a:ea typeface="+mn-ea"/>
+                <a:cs typeface="+mn-cs"/>
+              </a:rPr>
+              <a:t>Node</a:t>
+            </a:r>
+            <a:endParaRPr kumimoji="0" lang="es-ES" sz="1800" b="0" i="0" u="none" strike="noStrike" kern="1200" cap="none" spc="0" normalizeH="0" baseline="0" noProof="0" dirty="0">
+              <a:ln>
+                <a:noFill/>
+              </a:ln>
+              <a:solidFill>
+                <a:prstClr val="black"/>
+              </a:solidFill>
+              <a:effectLst/>
+              <a:uLnTx/>
+              <a:uFillTx/>
+              <a:latin typeface="Calibri" panose="020F0502020204030204"/>
+              <a:ea typeface="+mn-ea"/>
+              <a:cs typeface="+mn-cs"/>
+            </a:endParaRPr>
+          </a:p>
+          <a:p>
+            <a:pPr marL="342900" marR="0" lvl="0" indent="-342900" algn="l" defTabSz="914400" rtl="0" eaLnBrk="1" fontAlgn="auto" latinLnBrk="0" hangingPunct="1">
+              <a:lnSpc>
+                <a:spcPct val="100000"/>
+              </a:lnSpc>
+              <a:spcBef>
+                <a:spcPts val="0"/>
+              </a:spcBef>
+              <a:spcAft>
+                <a:spcPts val="0"/>
+              </a:spcAft>
+              <a:buClrTx/>
+              <a:buSzTx/>
+              <a:buFont typeface="+mj-lt"/>
+              <a:buAutoNum type="arabicPeriod"/>
+              <a:tabLst/>
+              <a:defRPr/>
+            </a:pPr>
+            <a:r>
+              <a:rPr lang="es-ES" dirty="0">
+                <a:solidFill>
+                  <a:prstClr val="black"/>
+                </a:solidFill>
+                <a:latin typeface="Calibri" panose="020F0502020204030204"/>
+              </a:rPr>
+              <a:t>Console.log</a:t>
+            </a:r>
+          </a:p>
+          <a:p>
+            <a:pPr marL="342900" marR="0" lvl="0" indent="-342900" algn="l" defTabSz="914400" rtl="0" eaLnBrk="1" fontAlgn="auto" latinLnBrk="0" hangingPunct="1">
+              <a:lnSpc>
+                <a:spcPct val="100000"/>
+              </a:lnSpc>
+              <a:spcBef>
+                <a:spcPts val="0"/>
+              </a:spcBef>
+              <a:spcAft>
+                <a:spcPts val="0"/>
+              </a:spcAft>
+              <a:buClrTx/>
+              <a:buSzTx/>
+              <a:buFont typeface="+mj-lt"/>
+              <a:buAutoNum type="arabicPeriod"/>
+              <a:tabLst/>
+              <a:defRPr/>
+            </a:pPr>
+            <a:r>
+              <a:rPr kumimoji="0" lang="es-ES" sz="1800" b="0" i="0" u="none" strike="noStrike" kern="1200" cap="none" spc="0" normalizeH="0" baseline="0" noProof="0" dirty="0" err="1">
+                <a:ln>
+                  <a:noFill/>
+                </a:ln>
+                <a:solidFill>
+                  <a:prstClr val="black"/>
+                </a:solidFill>
+                <a:effectLst/>
+                <a:uLnTx/>
+                <a:uFillTx/>
+                <a:latin typeface="Calibri" panose="020F0502020204030204"/>
+                <a:ea typeface="+mn-ea"/>
+                <a:cs typeface="+mn-cs"/>
+              </a:rPr>
+              <a:t>LocalHost</a:t>
+            </a:r>
+            <a:endParaRPr kumimoji="0" lang="es-ES" sz="1800" b="0" i="0" u="none" strike="noStrike" kern="1200" cap="none" spc="0" normalizeH="0" baseline="0" noProof="0" dirty="0">
+              <a:ln>
+                <a:noFill/>
+              </a:ln>
+              <a:solidFill>
+                <a:prstClr val="black"/>
+              </a:solidFill>
+              <a:effectLst/>
+              <a:uLnTx/>
+              <a:uFillTx/>
+              <a:latin typeface="Calibri" panose="020F0502020204030204"/>
+              <a:ea typeface="+mn-ea"/>
+              <a:cs typeface="+mn-cs"/>
+            </a:endParaRPr>
+          </a:p>
+        </p:txBody>
+      </p:sp>
+    </p:spTree>
+    <p:extLst>
+      <p:ext uri="{BB962C8B-B14F-4D97-AF65-F5344CB8AC3E}">
+        <p14:creationId xmlns:p14="http://schemas.microsoft.com/office/powerpoint/2010/main" val="4037184567"/>
+      </p:ext>
+    </p:extLst>
+  </p:cSld>
+  <p:clrMapOvr>
+    <a:masterClrMapping/>
+  </p:clrMapOvr>
+</p:sld>
+</file>
+
+<file path=ppt/slides/slide14.xml><?xml version="1.0" encoding="utf-8"?>
+<p:sld xmlns:a="http://schemas.openxmlformats.org/drawingml/2006/main" xmlns:r="http://schemas.openxmlformats.org/officeDocument/2006/relationships" xmlns:p="http://schemas.openxmlformats.org/presentationml/2006/main">
+  <p:cSld>
+    <p:bg>
+      <p:bgPr>
+        <a:solidFill>
+          <a:srgbClr val="0A215C"/>
+        </a:solidFill>
+        <a:effectLst/>
+      </p:bgPr>
+    </p:bg>
+    <p:spTree>
+      <p:nvGrpSpPr>
+        <p:cNvPr id="1" name=""/>
+        <p:cNvGrpSpPr/>
+        <p:nvPr/>
+      </p:nvGrpSpPr>
+      <p:grpSpPr>
+        <a:xfrm>
+          <a:off x="0" y="0"/>
+          <a:ext cx="0" cy="0"/>
+          <a:chOff x="0" y="0"/>
+          <a:chExt cx="0" cy="0"/>
+        </a:xfrm>
+      </p:grpSpPr>
+      <p:sp>
+        <p:nvSpPr>
+          <p:cNvPr id="2" name="CuadroTexto 1">
+            <a:extLst>
+              <a:ext uri="{FF2B5EF4-FFF2-40B4-BE49-F238E27FC236}">
+                <a16:creationId xmlns:a16="http://schemas.microsoft.com/office/drawing/2014/main" id="{19894B11-F0BF-7309-0115-C0EDB53851C8}"/>
+              </a:ext>
+            </a:extLst>
+          </p:cNvPr>
+          <p:cNvSpPr txBox="1"/>
+          <p:nvPr/>
+        </p:nvSpPr>
+        <p:spPr>
+          <a:xfrm>
+            <a:off x="0" y="285973"/>
+            <a:ext cx="12192000" cy="769441"/>
+          </a:xfrm>
+          <a:prstGeom prst="rect">
+            <a:avLst/>
+          </a:prstGeom>
+          <a:noFill/>
+        </p:spPr>
+        <p:txBody>
+          <a:bodyPr wrap="square" rtlCol="0">
+            <a:spAutoFit/>
+          </a:bodyPr>
+          <a:lstStyle/>
+          <a:p>
+            <a:pPr marL="0" marR="0" lvl="0" indent="0" algn="ctr" defTabSz="914400" rtl="0" eaLnBrk="1" fontAlgn="auto" latinLnBrk="0" hangingPunct="1">
+              <a:lnSpc>
+                <a:spcPct val="100000"/>
+              </a:lnSpc>
+              <a:spcBef>
+                <a:spcPts val="0"/>
+              </a:spcBef>
+              <a:spcAft>
+                <a:spcPts val="0"/>
+              </a:spcAft>
+              <a:buClrTx/>
+              <a:buSzTx/>
+              <a:buFontTx/>
+              <a:buNone/>
+              <a:tabLst/>
+              <a:defRPr/>
+            </a:pPr>
+            <a:r>
+              <a:rPr lang="es-ES" sz="4400" dirty="0">
+                <a:solidFill>
+                  <a:srgbClr val="FFCC00"/>
+                </a:solidFill>
+                <a:latin typeface="Orbitron" pitchFamily="2" charset="0"/>
+              </a:rPr>
+              <a:t>8. MODIFICACIONES Y AMPLIACIONES</a:t>
+            </a:r>
+            <a:endParaRPr kumimoji="0" lang="es-ES" sz="4400" b="0" i="0" u="none" strike="noStrike" kern="1200" cap="none" spc="0" normalizeH="0" baseline="0" noProof="0" dirty="0">
+              <a:ln>
+                <a:noFill/>
+              </a:ln>
+              <a:solidFill>
+                <a:prstClr val="black"/>
+              </a:solidFill>
+              <a:effectLst/>
+              <a:uLnTx/>
+              <a:uFillTx/>
+              <a:latin typeface="Orbitron" pitchFamily="2" charset="0"/>
+              <a:ea typeface="+mn-ea"/>
+              <a:cs typeface="+mn-cs"/>
+            </a:endParaRPr>
+          </a:p>
+        </p:txBody>
+      </p:sp>
+      <p:pic>
+        <p:nvPicPr>
+          <p:cNvPr id="6" name="Imagen 5">
+            <a:extLst>
+              <a:ext uri="{FF2B5EF4-FFF2-40B4-BE49-F238E27FC236}">
+                <a16:creationId xmlns:a16="http://schemas.microsoft.com/office/drawing/2014/main" id="{8A1DCF7D-45F5-127F-2446-62B704D36A52}"/>
+              </a:ext>
+            </a:extLst>
+          </p:cNvPr>
+          <p:cNvPicPr>
+            <a:picLocks noChangeAspect="1"/>
+          </p:cNvPicPr>
+          <p:nvPr/>
+        </p:nvPicPr>
+        <p:blipFill>
+          <a:blip r:embed="rId2">
+            <a:extLst>
+              <a:ext uri="{28A0092B-C50C-407E-A947-70E740481C1C}">
+                <a14:useLocalDpi xmlns:a14="http://schemas.microsoft.com/office/drawing/2010/main" val="0"/>
+              </a:ext>
+            </a:extLst>
+          </a:blip>
+          <a:stretch>
+            <a:fillRect/>
+          </a:stretch>
+        </p:blipFill>
+        <p:spPr>
+          <a:xfrm>
+            <a:off x="9937630" y="5383981"/>
+            <a:ext cx="2584420" cy="1474019"/>
+          </a:xfrm>
+          <a:prstGeom prst="rect">
+            <a:avLst/>
+          </a:prstGeom>
+        </p:spPr>
+      </p:pic>
+      <p:sp>
+        <p:nvSpPr>
+          <p:cNvPr id="3" name="CuadroTexto 2">
+            <a:extLst>
+              <a:ext uri="{FF2B5EF4-FFF2-40B4-BE49-F238E27FC236}">
+                <a16:creationId xmlns:a16="http://schemas.microsoft.com/office/drawing/2014/main" id="{273D95A2-C4F8-9B06-5615-AC618A836C86}"/>
+              </a:ext>
+            </a:extLst>
+          </p:cNvPr>
+          <p:cNvSpPr txBox="1"/>
+          <p:nvPr/>
+        </p:nvSpPr>
+        <p:spPr>
+          <a:xfrm>
+            <a:off x="4179454" y="1742369"/>
+            <a:ext cx="3833091" cy="2308324"/>
+          </a:xfrm>
+          <a:prstGeom prst="rect">
+            <a:avLst/>
+          </a:prstGeom>
+          <a:noFill/>
+        </p:spPr>
+        <p:txBody>
+          <a:bodyPr wrap="square" rtlCol="0">
+            <a:spAutoFit/>
+          </a:bodyPr>
+          <a:lstStyle/>
+          <a:p>
+            <a:pPr marL="0" marR="0" lvl="0" indent="0" algn="ctr" defTabSz="914400" rtl="0" eaLnBrk="1" fontAlgn="auto" latinLnBrk="0" hangingPunct="1">
+              <a:lnSpc>
+                <a:spcPct val="100000"/>
+              </a:lnSpc>
+              <a:spcBef>
+                <a:spcPts val="0"/>
+              </a:spcBef>
+              <a:spcAft>
+                <a:spcPts val="0"/>
+              </a:spcAft>
+              <a:buClrTx/>
+              <a:buSzTx/>
+              <a:buFontTx/>
+              <a:buNone/>
+              <a:tabLst/>
+              <a:defRPr/>
+            </a:pPr>
+            <a:r>
+              <a:rPr kumimoji="0" lang="es-ES" sz="1800" b="0" i="0" u="none" strike="noStrike" kern="1200" cap="none" spc="0" normalizeH="0" baseline="0" noProof="0" dirty="0">
+                <a:ln>
+                  <a:noFill/>
+                </a:ln>
+                <a:solidFill>
+                  <a:srgbClr val="FFCC00"/>
+                </a:solidFill>
+                <a:effectLst/>
+                <a:uLnTx/>
+                <a:uFillTx/>
+                <a:latin typeface="Orbitron" pitchFamily="2" charset="0"/>
+                <a:ea typeface="+mn-ea"/>
+                <a:cs typeface="+mn-cs"/>
+              </a:rPr>
+              <a:t>FUTURAS MEJORAS</a:t>
+            </a:r>
+          </a:p>
+          <a:p>
+            <a:pPr marL="342900" marR="0" lvl="0" indent="-342900" algn="l" defTabSz="914400" rtl="0" eaLnBrk="1" fontAlgn="auto" latinLnBrk="0" hangingPunct="1">
+              <a:lnSpc>
+                <a:spcPct val="100000"/>
+              </a:lnSpc>
+              <a:spcBef>
+                <a:spcPts val="0"/>
+              </a:spcBef>
+              <a:spcAft>
+                <a:spcPts val="0"/>
+              </a:spcAft>
+              <a:buClrTx/>
+              <a:buSzTx/>
+              <a:buFont typeface="+mj-lt"/>
+              <a:buAutoNum type="arabicPeriod"/>
+              <a:tabLst/>
+              <a:defRPr/>
+            </a:pPr>
+            <a:r>
+              <a:rPr kumimoji="0" lang="es-ES" sz="1800" b="0" i="0" u="none" strike="noStrike" kern="1200" cap="none" spc="0" normalizeH="0" baseline="0" noProof="0" dirty="0">
+                <a:ln>
+                  <a:noFill/>
+                </a:ln>
+                <a:solidFill>
+                  <a:prstClr val="black"/>
+                </a:solidFill>
+                <a:effectLst/>
+                <a:uLnTx/>
+                <a:uFillTx/>
+                <a:latin typeface="Calibri" panose="020F0502020204030204"/>
+                <a:ea typeface="+mn-ea"/>
+                <a:cs typeface="+mn-cs"/>
+              </a:rPr>
+              <a:t>Perfiles de usuario: edición, valoración</a:t>
+            </a:r>
+            <a:r>
+              <a:rPr lang="es-ES" dirty="0">
+                <a:solidFill>
+                  <a:prstClr val="black"/>
+                </a:solidFill>
+                <a:latin typeface="Calibri" panose="020F0502020204030204"/>
+              </a:rPr>
+              <a:t>, comentarios…</a:t>
+            </a:r>
+          </a:p>
+          <a:p>
+            <a:pPr marL="342900" marR="0" lvl="0" indent="-342900" algn="l" defTabSz="914400" rtl="0" eaLnBrk="1" fontAlgn="auto" latinLnBrk="0" hangingPunct="1">
+              <a:lnSpc>
+                <a:spcPct val="100000"/>
+              </a:lnSpc>
+              <a:spcBef>
+                <a:spcPts val="0"/>
+              </a:spcBef>
+              <a:spcAft>
+                <a:spcPts val="0"/>
+              </a:spcAft>
+              <a:buClrTx/>
+              <a:buSzTx/>
+              <a:buFont typeface="+mj-lt"/>
+              <a:buAutoNum type="arabicPeriod"/>
+              <a:tabLst/>
+              <a:defRPr/>
+            </a:pPr>
+            <a:r>
+              <a:rPr kumimoji="0" lang="es-ES" sz="1800" b="0" i="0" u="none" strike="noStrike" kern="1200" cap="none" spc="0" normalizeH="0" baseline="0" noProof="0" dirty="0">
+                <a:ln>
+                  <a:noFill/>
+                </a:ln>
+                <a:solidFill>
+                  <a:prstClr val="black"/>
+                </a:solidFill>
+                <a:effectLst/>
+                <a:uLnTx/>
+                <a:uFillTx/>
+                <a:latin typeface="Calibri" panose="020F0502020204030204"/>
+                <a:ea typeface="+mn-ea"/>
+                <a:cs typeface="+mn-cs"/>
+              </a:rPr>
+              <a:t>Foro</a:t>
+            </a:r>
+            <a:r>
+              <a:rPr lang="es-ES" dirty="0">
+                <a:solidFill>
+                  <a:prstClr val="black"/>
+                </a:solidFill>
+                <a:latin typeface="Calibri" panose="020F0502020204030204"/>
+              </a:rPr>
+              <a:t>.</a:t>
+            </a:r>
+          </a:p>
+          <a:p>
+            <a:pPr marL="342900" marR="0" lvl="0" indent="-342900" algn="l" defTabSz="914400" rtl="0" eaLnBrk="1" fontAlgn="auto" latinLnBrk="0" hangingPunct="1">
+              <a:lnSpc>
+                <a:spcPct val="100000"/>
+              </a:lnSpc>
+              <a:spcBef>
+                <a:spcPts val="0"/>
+              </a:spcBef>
+              <a:spcAft>
+                <a:spcPts val="0"/>
+              </a:spcAft>
+              <a:buClrTx/>
+              <a:buSzTx/>
+              <a:buFont typeface="+mj-lt"/>
+              <a:buAutoNum type="arabicPeriod"/>
+              <a:tabLst/>
+              <a:defRPr/>
+            </a:pPr>
+            <a:r>
+              <a:rPr lang="es-ES" dirty="0">
+                <a:solidFill>
+                  <a:prstClr val="black"/>
+                </a:solidFill>
+                <a:latin typeface="Calibri" panose="020F0502020204030204"/>
+              </a:rPr>
+              <a:t>Plataforma de pago</a:t>
+            </a:r>
+          </a:p>
+          <a:p>
+            <a:pPr marL="342900" marR="0" lvl="0" indent="-342900" algn="l" defTabSz="914400" rtl="0" eaLnBrk="1" fontAlgn="auto" latinLnBrk="0" hangingPunct="1">
+              <a:lnSpc>
+                <a:spcPct val="100000"/>
+              </a:lnSpc>
+              <a:spcBef>
+                <a:spcPts val="0"/>
+              </a:spcBef>
+              <a:spcAft>
+                <a:spcPts val="0"/>
+              </a:spcAft>
+              <a:buClrTx/>
+              <a:buSzTx/>
+              <a:buFont typeface="+mj-lt"/>
+              <a:buAutoNum type="arabicPeriod"/>
+              <a:tabLst/>
+              <a:defRPr/>
+            </a:pPr>
+            <a:r>
+              <a:rPr kumimoji="0" lang="es-ES" sz="1800" b="0" i="0" u="none" strike="noStrike" kern="1200" cap="none" spc="0" normalizeH="0" baseline="0" noProof="0" dirty="0">
+                <a:ln>
+                  <a:noFill/>
+                </a:ln>
+                <a:solidFill>
+                  <a:prstClr val="black"/>
+                </a:solidFill>
+                <a:effectLst/>
+                <a:uLnTx/>
+                <a:uFillTx/>
+                <a:latin typeface="Calibri" panose="020F0502020204030204"/>
+                <a:ea typeface="+mn-ea"/>
+                <a:cs typeface="+mn-cs"/>
+              </a:rPr>
+              <a:t>Merchandising</a:t>
+            </a:r>
+          </a:p>
+          <a:p>
+            <a:pPr marL="342900" marR="0" lvl="0" indent="-342900" algn="l" defTabSz="914400" rtl="0" eaLnBrk="1" fontAlgn="auto" latinLnBrk="0" hangingPunct="1">
+              <a:lnSpc>
+                <a:spcPct val="100000"/>
+              </a:lnSpc>
+              <a:spcBef>
+                <a:spcPts val="0"/>
+              </a:spcBef>
+              <a:spcAft>
+                <a:spcPts val="0"/>
+              </a:spcAft>
+              <a:buClrTx/>
+              <a:buSzTx/>
+              <a:buFont typeface="+mj-lt"/>
+              <a:buAutoNum type="arabicPeriod"/>
+              <a:tabLst/>
+              <a:defRPr/>
+            </a:pPr>
+            <a:r>
+              <a:rPr kumimoji="0" lang="es-ES" sz="1800" b="0" i="0" u="none" strike="noStrike" kern="1200" cap="none" spc="0" normalizeH="0" baseline="0" noProof="0" dirty="0">
+                <a:ln>
+                  <a:noFill/>
+                </a:ln>
+                <a:solidFill>
+                  <a:prstClr val="black"/>
+                </a:solidFill>
+                <a:effectLst/>
+                <a:uLnTx/>
+                <a:uFillTx/>
+                <a:latin typeface="Calibri" panose="020F0502020204030204"/>
+                <a:ea typeface="+mn-ea"/>
+                <a:cs typeface="+mn-cs"/>
+              </a:rPr>
+              <a:t>Plataforma integral</a:t>
+            </a:r>
+          </a:p>
+          <a:p>
+            <a:pPr marL="342900" marR="0" lvl="0" indent="-342900" algn="l" defTabSz="914400" rtl="0" eaLnBrk="1" fontAlgn="auto" latinLnBrk="0" hangingPunct="1">
+              <a:lnSpc>
+                <a:spcPct val="100000"/>
+              </a:lnSpc>
+              <a:spcBef>
+                <a:spcPts val="0"/>
+              </a:spcBef>
+              <a:spcAft>
+                <a:spcPts val="0"/>
+              </a:spcAft>
+              <a:buClrTx/>
+              <a:buSzTx/>
+              <a:buFont typeface="+mj-lt"/>
+              <a:buAutoNum type="arabicPeriod"/>
+              <a:tabLst/>
+              <a:defRPr/>
+            </a:pPr>
+            <a:endParaRPr kumimoji="0" lang="es-ES" sz="1800" b="0" i="0" u="none" strike="noStrike" kern="1200" cap="none" spc="0" normalizeH="0" baseline="0" noProof="0" dirty="0">
+              <a:ln>
+                <a:noFill/>
+              </a:ln>
+              <a:solidFill>
+                <a:prstClr val="black"/>
+              </a:solidFill>
+              <a:effectLst/>
+              <a:uLnTx/>
+              <a:uFillTx/>
+              <a:latin typeface="Calibri" panose="020F0502020204030204"/>
+              <a:ea typeface="+mn-ea"/>
+              <a:cs typeface="+mn-cs"/>
+            </a:endParaRPr>
+          </a:p>
+        </p:txBody>
+      </p:sp>
+    </p:spTree>
+    <p:extLst>
+      <p:ext uri="{BB962C8B-B14F-4D97-AF65-F5344CB8AC3E}">
+        <p14:creationId xmlns:p14="http://schemas.microsoft.com/office/powerpoint/2010/main" val="3667350433"/>
+      </p:ext>
+    </p:extLst>
+  </p:cSld>
+  <p:clrMapOvr>
+    <a:masterClrMapping/>
+  </p:clrMapOvr>
+</p:sld>
+</file>
+
+<file path=ppt/slides/slide15.xml><?xml version="1.0" encoding="utf-8"?>
+<p:sld xmlns:a="http://schemas.openxmlformats.org/drawingml/2006/main" xmlns:r="http://schemas.openxmlformats.org/officeDocument/2006/relationships" xmlns:p="http://schemas.openxmlformats.org/presentationml/2006/main">
+  <p:cSld>
+    <p:bg>
+      <p:bgPr>
+        <a:solidFill>
+          <a:srgbClr val="0A215C"/>
+        </a:solidFill>
+        <a:effectLst/>
+      </p:bgPr>
+    </p:bg>
+    <p:spTree>
+      <p:nvGrpSpPr>
+        <p:cNvPr id="1" name=""/>
+        <p:cNvGrpSpPr/>
+        <p:nvPr/>
+      </p:nvGrpSpPr>
+      <p:grpSpPr>
+        <a:xfrm>
+          <a:off x="0" y="0"/>
+          <a:ext cx="0" cy="0"/>
+          <a:chOff x="0" y="0"/>
+          <a:chExt cx="0" cy="0"/>
+        </a:xfrm>
+      </p:grpSpPr>
+      <p:sp>
+        <p:nvSpPr>
+          <p:cNvPr id="2" name="CuadroTexto 1">
+            <a:extLst>
+              <a:ext uri="{FF2B5EF4-FFF2-40B4-BE49-F238E27FC236}">
+                <a16:creationId xmlns:a16="http://schemas.microsoft.com/office/drawing/2014/main" id="{19894B11-F0BF-7309-0115-C0EDB53851C8}"/>
+              </a:ext>
+            </a:extLst>
+          </p:cNvPr>
+          <p:cNvSpPr txBox="1"/>
+          <p:nvPr/>
+        </p:nvSpPr>
+        <p:spPr>
+          <a:xfrm>
+            <a:off x="0" y="285973"/>
+            <a:ext cx="12192000" cy="769441"/>
+          </a:xfrm>
+          <a:prstGeom prst="rect">
+            <a:avLst/>
+          </a:prstGeom>
+          <a:noFill/>
+        </p:spPr>
+        <p:txBody>
+          <a:bodyPr wrap="square" rtlCol="0">
+            <a:spAutoFit/>
+          </a:bodyPr>
+          <a:lstStyle/>
+          <a:p>
+            <a:pPr marL="0" marR="0" lvl="0" indent="0" algn="ctr" defTabSz="914400" rtl="0" eaLnBrk="1" fontAlgn="auto" latinLnBrk="0" hangingPunct="1">
+              <a:lnSpc>
+                <a:spcPct val="100000"/>
+              </a:lnSpc>
+              <a:spcBef>
+                <a:spcPts val="0"/>
+              </a:spcBef>
+              <a:spcAft>
+                <a:spcPts val="0"/>
+              </a:spcAft>
+              <a:buClrTx/>
+              <a:buSzTx/>
+              <a:buFontTx/>
+              <a:buNone/>
+              <a:tabLst/>
+              <a:defRPr/>
+            </a:pPr>
+            <a:r>
+              <a:rPr kumimoji="0" lang="es-ES" sz="4400" b="0" i="0" u="none" strike="noStrike" kern="1200" cap="none" spc="0" normalizeH="0" baseline="0" noProof="0" dirty="0">
+                <a:ln>
+                  <a:noFill/>
+                </a:ln>
+                <a:solidFill>
+                  <a:srgbClr val="FFCC00"/>
+                </a:solidFill>
+                <a:effectLst/>
+                <a:uLnTx/>
+                <a:uFillTx/>
+                <a:latin typeface="Orbitron" pitchFamily="2" charset="0"/>
+                <a:ea typeface="+mn-ea"/>
+                <a:cs typeface="+mn-cs"/>
+              </a:rPr>
+              <a:t>9. </a:t>
+            </a:r>
+            <a:r>
+              <a:rPr lang="es-ES" sz="4400" dirty="0">
+                <a:solidFill>
+                  <a:srgbClr val="FFCC00"/>
+                </a:solidFill>
+                <a:latin typeface="Orbitron" pitchFamily="2" charset="0"/>
+              </a:rPr>
+              <a:t>MANUAL DE INSTALACIÓN</a:t>
+            </a:r>
+            <a:endParaRPr kumimoji="0" lang="es-ES" sz="4400" b="0" i="0" u="none" strike="noStrike" kern="1200" cap="none" spc="0" normalizeH="0" baseline="0" noProof="0" dirty="0">
+              <a:ln>
+                <a:noFill/>
+              </a:ln>
+              <a:solidFill>
+                <a:srgbClr val="FFCC00"/>
+              </a:solidFill>
+              <a:effectLst/>
+              <a:uLnTx/>
+              <a:uFillTx/>
+              <a:latin typeface="Orbitron" pitchFamily="2" charset="0"/>
+              <a:ea typeface="+mn-ea"/>
+              <a:cs typeface="+mn-cs"/>
+            </a:endParaRPr>
+          </a:p>
+        </p:txBody>
+      </p:sp>
+      <p:pic>
+        <p:nvPicPr>
+          <p:cNvPr id="6" name="Imagen 5">
+            <a:extLst>
+              <a:ext uri="{FF2B5EF4-FFF2-40B4-BE49-F238E27FC236}">
+                <a16:creationId xmlns:a16="http://schemas.microsoft.com/office/drawing/2014/main" id="{8A1DCF7D-45F5-127F-2446-62B704D36A52}"/>
+              </a:ext>
+            </a:extLst>
+          </p:cNvPr>
+          <p:cNvPicPr>
+            <a:picLocks noChangeAspect="1"/>
+          </p:cNvPicPr>
+          <p:nvPr/>
+        </p:nvPicPr>
+        <p:blipFill>
+          <a:blip r:embed="rId2">
+            <a:extLst>
+              <a:ext uri="{28A0092B-C50C-407E-A947-70E740481C1C}">
+                <a14:useLocalDpi xmlns:a14="http://schemas.microsoft.com/office/drawing/2010/main" val="0"/>
+              </a:ext>
+            </a:extLst>
+          </a:blip>
+          <a:stretch>
+            <a:fillRect/>
+          </a:stretch>
+        </p:blipFill>
+        <p:spPr>
+          <a:xfrm>
+            <a:off x="9937630" y="5383981"/>
+            <a:ext cx="2584420" cy="1474019"/>
+          </a:xfrm>
+          <a:prstGeom prst="rect">
+            <a:avLst/>
+          </a:prstGeom>
+        </p:spPr>
+      </p:pic>
+      <p:sp>
+        <p:nvSpPr>
+          <p:cNvPr id="3" name="CuadroTexto 2">
+            <a:extLst>
+              <a:ext uri="{FF2B5EF4-FFF2-40B4-BE49-F238E27FC236}">
+                <a16:creationId xmlns:a16="http://schemas.microsoft.com/office/drawing/2014/main" id="{273D95A2-C4F8-9B06-5615-AC618A836C86}"/>
+              </a:ext>
+            </a:extLst>
+          </p:cNvPr>
+          <p:cNvSpPr txBox="1"/>
+          <p:nvPr/>
+        </p:nvSpPr>
+        <p:spPr>
+          <a:xfrm>
+            <a:off x="1824530" y="1419096"/>
+            <a:ext cx="8542939" cy="1754326"/>
+          </a:xfrm>
+          <a:prstGeom prst="rect">
+            <a:avLst/>
+          </a:prstGeom>
+          <a:noFill/>
+        </p:spPr>
+        <p:txBody>
+          <a:bodyPr wrap="square" rtlCol="0">
+            <a:spAutoFit/>
+          </a:bodyPr>
+          <a:lstStyle/>
+          <a:p>
+            <a:pPr marL="0" marR="0" lvl="0" indent="0" algn="ctr" defTabSz="914400" rtl="0" eaLnBrk="1" fontAlgn="auto" latinLnBrk="0" hangingPunct="1">
+              <a:lnSpc>
+                <a:spcPct val="100000"/>
+              </a:lnSpc>
+              <a:spcBef>
+                <a:spcPts val="0"/>
+              </a:spcBef>
+              <a:spcAft>
+                <a:spcPts val="0"/>
+              </a:spcAft>
+              <a:buClrTx/>
+              <a:buSzTx/>
+              <a:buFontTx/>
+              <a:buNone/>
+              <a:tabLst/>
+              <a:defRPr/>
+            </a:pPr>
+            <a:r>
+              <a:rPr lang="es-ES" dirty="0">
+                <a:solidFill>
+                  <a:srgbClr val="FFCC00"/>
+                </a:solidFill>
+                <a:latin typeface="Orbitron" pitchFamily="2" charset="0"/>
+              </a:rPr>
+              <a:t>Instrucciones</a:t>
+            </a:r>
+            <a:endParaRPr kumimoji="0" lang="es-ES" sz="1800" b="0" i="0" u="none" strike="noStrike" kern="1200" cap="none" spc="0" normalizeH="0" baseline="0" noProof="0" dirty="0">
+              <a:ln>
+                <a:noFill/>
+              </a:ln>
+              <a:solidFill>
+                <a:srgbClr val="FFCC00"/>
+              </a:solidFill>
+              <a:effectLst/>
+              <a:uLnTx/>
+              <a:uFillTx/>
+              <a:latin typeface="Orbitron" pitchFamily="2" charset="0"/>
+              <a:ea typeface="+mn-ea"/>
+              <a:cs typeface="+mn-cs"/>
+            </a:endParaRPr>
+          </a:p>
+          <a:p>
+            <a:pPr marL="342900" marR="0" lvl="0" indent="-342900" algn="l" defTabSz="914400" rtl="0" eaLnBrk="1" fontAlgn="auto" latinLnBrk="0" hangingPunct="1">
+              <a:lnSpc>
+                <a:spcPct val="100000"/>
+              </a:lnSpc>
+              <a:spcBef>
+                <a:spcPts val="0"/>
+              </a:spcBef>
+              <a:spcAft>
+                <a:spcPts val="0"/>
+              </a:spcAft>
+              <a:buClrTx/>
+              <a:buSzTx/>
+              <a:buFont typeface="+mj-lt"/>
+              <a:buAutoNum type="arabicPeriod"/>
+              <a:tabLst/>
+              <a:defRPr/>
+            </a:pPr>
+            <a:r>
+              <a:rPr kumimoji="0" lang="es-ES" sz="1800" b="0" i="0" u="none" strike="noStrike" kern="1200" cap="none" spc="0" normalizeH="0" baseline="0" noProof="0" dirty="0">
+                <a:ln>
+                  <a:noFill/>
+                </a:ln>
+                <a:solidFill>
+                  <a:prstClr val="black"/>
+                </a:solidFill>
+                <a:effectLst/>
+                <a:uLnTx/>
+                <a:uFillTx/>
+                <a:latin typeface="Calibri" panose="020F0502020204030204"/>
+                <a:ea typeface="+mn-ea"/>
+                <a:cs typeface="+mn-cs"/>
+              </a:rPr>
+              <a:t>Clonar el repositorio: https://github.com/Glominictus/NexoGamerFinal.git</a:t>
+            </a:r>
+          </a:p>
+          <a:p>
+            <a:pPr marL="342900" marR="0" lvl="0" indent="-342900" algn="l" defTabSz="914400" rtl="0" eaLnBrk="1" fontAlgn="auto" latinLnBrk="0" hangingPunct="1">
+              <a:lnSpc>
+                <a:spcPct val="100000"/>
+              </a:lnSpc>
+              <a:spcBef>
+                <a:spcPts val="0"/>
+              </a:spcBef>
+              <a:spcAft>
+                <a:spcPts val="0"/>
+              </a:spcAft>
+              <a:buClrTx/>
+              <a:buSzTx/>
+              <a:buFont typeface="+mj-lt"/>
+              <a:buAutoNum type="arabicPeriod"/>
+              <a:tabLst/>
+              <a:defRPr/>
+            </a:pPr>
+            <a:r>
+              <a:rPr lang="es-ES" dirty="0">
+                <a:solidFill>
+                  <a:prstClr val="black"/>
+                </a:solidFill>
+                <a:latin typeface="Calibri" panose="020F0502020204030204"/>
+              </a:rPr>
+              <a:t>Instalar dependencias (</a:t>
+            </a:r>
+            <a:r>
+              <a:rPr lang="es-ES" dirty="0" err="1">
+                <a:solidFill>
+                  <a:prstClr val="black"/>
+                </a:solidFill>
+                <a:latin typeface="Calibri" panose="020F0502020204030204"/>
+              </a:rPr>
+              <a:t>npm</a:t>
+            </a:r>
+            <a:r>
+              <a:rPr lang="es-ES" dirty="0">
+                <a:solidFill>
+                  <a:prstClr val="black"/>
+                </a:solidFill>
+                <a:latin typeface="Calibri" panose="020F0502020204030204"/>
+              </a:rPr>
+              <a:t> install en cada carpeta)</a:t>
+            </a:r>
+            <a:endParaRPr kumimoji="0" lang="es-ES" sz="1800" b="0" i="0" u="none" strike="noStrike" kern="1200" cap="none" spc="0" normalizeH="0" baseline="0" noProof="0" dirty="0">
+              <a:ln>
+                <a:noFill/>
+              </a:ln>
+              <a:solidFill>
+                <a:prstClr val="black"/>
+              </a:solidFill>
+              <a:effectLst/>
+              <a:uLnTx/>
+              <a:uFillTx/>
+              <a:latin typeface="Calibri" panose="020F0502020204030204"/>
+              <a:ea typeface="+mn-ea"/>
+              <a:cs typeface="+mn-cs"/>
+            </a:endParaRPr>
+          </a:p>
+          <a:p>
+            <a:pPr marL="342900" marR="0" lvl="0" indent="-342900" algn="l" defTabSz="914400" rtl="0" eaLnBrk="1" fontAlgn="auto" latinLnBrk="0" hangingPunct="1">
+              <a:lnSpc>
+                <a:spcPct val="100000"/>
+              </a:lnSpc>
+              <a:spcBef>
+                <a:spcPts val="0"/>
+              </a:spcBef>
+              <a:spcAft>
+                <a:spcPts val="0"/>
+              </a:spcAft>
+              <a:buClrTx/>
+              <a:buSzTx/>
+              <a:buFont typeface="+mj-lt"/>
+              <a:buAutoNum type="arabicPeriod"/>
+              <a:tabLst/>
+              <a:defRPr/>
+            </a:pPr>
+            <a:r>
+              <a:rPr kumimoji="0" lang="es-ES" sz="1800" b="0" i="0" u="none" strike="noStrike" kern="1200" cap="none" spc="0" normalizeH="0" baseline="0" noProof="0" dirty="0">
+                <a:ln>
+                  <a:noFill/>
+                </a:ln>
+                <a:solidFill>
+                  <a:prstClr val="black"/>
+                </a:solidFill>
+                <a:effectLst/>
+                <a:uLnTx/>
+                <a:uFillTx/>
+                <a:latin typeface="Calibri" panose="020F0502020204030204"/>
+                <a:ea typeface="+mn-ea"/>
+                <a:cs typeface="+mn-cs"/>
+              </a:rPr>
+              <a:t>Ejecución del proyecto: </a:t>
+            </a:r>
+            <a:r>
+              <a:rPr kumimoji="0" lang="es-ES" sz="1800" b="0" i="0" u="none" strike="noStrike" kern="1200" cap="none" spc="0" normalizeH="0" baseline="0" noProof="0" dirty="0" err="1">
+                <a:ln>
+                  <a:noFill/>
+                </a:ln>
+                <a:solidFill>
+                  <a:prstClr val="black"/>
+                </a:solidFill>
+                <a:effectLst/>
+                <a:uLnTx/>
+                <a:uFillTx/>
+                <a:latin typeface="Calibri" panose="020F0502020204030204"/>
+                <a:ea typeface="+mn-ea"/>
+                <a:cs typeface="+mn-cs"/>
+              </a:rPr>
+              <a:t>npm</a:t>
+            </a:r>
+            <a:r>
+              <a:rPr kumimoji="0" lang="es-ES" sz="1800" b="0" i="0" u="none" strike="noStrike" kern="1200" cap="none" spc="0" normalizeH="0" baseline="0" noProof="0" dirty="0">
+                <a:ln>
+                  <a:noFill/>
+                </a:ln>
+                <a:solidFill>
+                  <a:prstClr val="black"/>
+                </a:solidFill>
+                <a:effectLst/>
+                <a:uLnTx/>
+                <a:uFillTx/>
+                <a:latin typeface="Calibri" panose="020F0502020204030204"/>
+                <a:ea typeface="+mn-ea"/>
+                <a:cs typeface="+mn-cs"/>
+              </a:rPr>
+              <a:t> run dev</a:t>
+            </a:r>
+          </a:p>
+          <a:p>
+            <a:pPr marL="342900" marR="0" lvl="0" indent="-342900" algn="l" defTabSz="914400" rtl="0" eaLnBrk="1" fontAlgn="auto" latinLnBrk="0" hangingPunct="1">
+              <a:lnSpc>
+                <a:spcPct val="100000"/>
+              </a:lnSpc>
+              <a:spcBef>
+                <a:spcPts val="0"/>
+              </a:spcBef>
+              <a:spcAft>
+                <a:spcPts val="0"/>
+              </a:spcAft>
+              <a:buClrTx/>
+              <a:buSzTx/>
+              <a:buFont typeface="+mj-lt"/>
+              <a:buAutoNum type="arabicPeriod"/>
+              <a:tabLst/>
+              <a:defRPr/>
+            </a:pPr>
+            <a:r>
+              <a:rPr kumimoji="0" lang="es-ES" sz="1800" b="0" i="0" u="none" strike="noStrike" kern="1200" cap="none" spc="0" normalizeH="0" baseline="0" noProof="0" dirty="0">
+                <a:ln>
+                  <a:noFill/>
+                </a:ln>
+                <a:solidFill>
+                  <a:prstClr val="black"/>
+                </a:solidFill>
+                <a:effectLst/>
+                <a:uLnTx/>
+                <a:uFillTx/>
+                <a:latin typeface="Calibri" panose="020F0502020204030204"/>
+                <a:ea typeface="+mn-ea"/>
+                <a:cs typeface="+mn-cs"/>
+              </a:rPr>
+              <a:t>Uso de la aplicación: localhost:5173 </a:t>
+            </a:r>
+          </a:p>
+          <a:p>
+            <a:pPr marR="0" lvl="0" algn="l" defTabSz="914400" rtl="0" eaLnBrk="1" fontAlgn="auto" latinLnBrk="0" hangingPunct="1">
+              <a:lnSpc>
+                <a:spcPct val="100000"/>
+              </a:lnSpc>
+              <a:spcBef>
+                <a:spcPts val="0"/>
+              </a:spcBef>
+              <a:spcAft>
+                <a:spcPts val="0"/>
+              </a:spcAft>
+              <a:buClrTx/>
+              <a:buSzTx/>
+              <a:tabLst/>
+              <a:defRPr/>
+            </a:pPr>
+            <a:endParaRPr kumimoji="0" lang="es-ES" sz="1800" b="0" i="0" u="none" strike="noStrike" kern="1200" cap="none" spc="0" normalizeH="0" baseline="0" noProof="0" dirty="0">
+              <a:ln>
+                <a:noFill/>
+              </a:ln>
+              <a:solidFill>
+                <a:prstClr val="black"/>
+              </a:solidFill>
+              <a:effectLst/>
+              <a:uLnTx/>
+              <a:uFillTx/>
+              <a:latin typeface="Calibri" panose="020F0502020204030204"/>
+              <a:ea typeface="+mn-ea"/>
+              <a:cs typeface="+mn-cs"/>
+            </a:endParaRPr>
+          </a:p>
+        </p:txBody>
+      </p:sp>
+    </p:spTree>
+    <p:extLst>
+      <p:ext uri="{BB962C8B-B14F-4D97-AF65-F5344CB8AC3E}">
+        <p14:creationId xmlns:p14="http://schemas.microsoft.com/office/powerpoint/2010/main" val="4291085604"/>
+      </p:ext>
+    </p:extLst>
+  </p:cSld>
+  <p:clrMapOvr>
+    <a:masterClrMapping/>
+  </p:clrMapOvr>
+</p:sld>
+</file>
+
+<file path=ppt/slides/slide16.xml><?xml version="1.0" encoding="utf-8"?>
+<p:sld xmlns:a="http://schemas.openxmlformats.org/drawingml/2006/main" xmlns:r="http://schemas.openxmlformats.org/officeDocument/2006/relationships" xmlns:p="http://schemas.openxmlformats.org/presentationml/2006/main">
+  <p:cSld>
+    <p:bg>
+      <p:bgPr>
+        <a:solidFill>
+          <a:srgbClr val="0A215C"/>
+        </a:solidFill>
+        <a:effectLst/>
+      </p:bgPr>
+    </p:bg>
+    <p:spTree>
+      <p:nvGrpSpPr>
+        <p:cNvPr id="1" name=""/>
+        <p:cNvGrpSpPr/>
+        <p:nvPr/>
+      </p:nvGrpSpPr>
+      <p:grpSpPr>
+        <a:xfrm>
+          <a:off x="0" y="0"/>
+          <a:ext cx="0" cy="0"/>
+          <a:chOff x="0" y="0"/>
+          <a:chExt cx="0" cy="0"/>
+        </a:xfrm>
+      </p:grpSpPr>
+      <p:sp>
+        <p:nvSpPr>
+          <p:cNvPr id="2" name="CuadroTexto 1">
+            <a:extLst>
+              <a:ext uri="{FF2B5EF4-FFF2-40B4-BE49-F238E27FC236}">
+                <a16:creationId xmlns:a16="http://schemas.microsoft.com/office/drawing/2014/main" id="{19894B11-F0BF-7309-0115-C0EDB53851C8}"/>
+              </a:ext>
+            </a:extLst>
+          </p:cNvPr>
+          <p:cNvSpPr txBox="1"/>
+          <p:nvPr/>
+        </p:nvSpPr>
+        <p:spPr>
+          <a:xfrm>
+            <a:off x="0" y="285973"/>
+            <a:ext cx="12192000" cy="769441"/>
+          </a:xfrm>
+          <a:prstGeom prst="rect">
+            <a:avLst/>
+          </a:prstGeom>
+          <a:noFill/>
+        </p:spPr>
+        <p:txBody>
+          <a:bodyPr wrap="square" rtlCol="0">
+            <a:spAutoFit/>
+          </a:bodyPr>
+          <a:lstStyle/>
+          <a:p>
+            <a:pPr marL="0" marR="0" lvl="0" indent="0" algn="ctr" defTabSz="914400" rtl="0" eaLnBrk="1" fontAlgn="auto" latinLnBrk="0" hangingPunct="1">
+              <a:lnSpc>
+                <a:spcPct val="100000"/>
+              </a:lnSpc>
+              <a:spcBef>
+                <a:spcPts val="0"/>
+              </a:spcBef>
+              <a:spcAft>
+                <a:spcPts val="0"/>
+              </a:spcAft>
+              <a:buClrTx/>
+              <a:buSzTx/>
+              <a:buFontTx/>
+              <a:buNone/>
+              <a:tabLst/>
+              <a:defRPr/>
+            </a:pPr>
+            <a:r>
+              <a:rPr lang="es-ES" sz="4400" dirty="0">
+                <a:solidFill>
+                  <a:srgbClr val="FFCC00"/>
+                </a:solidFill>
+                <a:latin typeface="Orbitron" pitchFamily="2" charset="0"/>
+              </a:rPr>
+              <a:t>10</a:t>
+            </a:r>
+            <a:r>
+              <a:rPr kumimoji="0" lang="es-ES" sz="4400" b="0" i="0" u="none" strike="noStrike" kern="1200" cap="none" spc="0" normalizeH="0" baseline="0" noProof="0" dirty="0">
+                <a:ln>
+                  <a:noFill/>
+                </a:ln>
+                <a:solidFill>
+                  <a:srgbClr val="FFCC00"/>
+                </a:solidFill>
+                <a:effectLst/>
+                <a:uLnTx/>
+                <a:uFillTx/>
+                <a:latin typeface="Orbitron" pitchFamily="2" charset="0"/>
+                <a:ea typeface="+mn-ea"/>
+                <a:cs typeface="+mn-cs"/>
+              </a:rPr>
+              <a:t>. </a:t>
+            </a:r>
+            <a:r>
+              <a:rPr lang="es-ES" sz="4400" dirty="0">
+                <a:solidFill>
+                  <a:srgbClr val="FFCC00"/>
+                </a:solidFill>
+                <a:latin typeface="Orbitron" pitchFamily="2" charset="0"/>
+              </a:rPr>
+              <a:t>MANUAL DE USUARIO</a:t>
+            </a:r>
+            <a:endParaRPr kumimoji="0" lang="es-ES" sz="4400" b="0" i="0" u="none" strike="noStrike" kern="1200" cap="none" spc="0" normalizeH="0" baseline="0" noProof="0" dirty="0">
+              <a:ln>
+                <a:noFill/>
+              </a:ln>
+              <a:solidFill>
+                <a:srgbClr val="FFCC00"/>
+              </a:solidFill>
+              <a:effectLst/>
+              <a:uLnTx/>
+              <a:uFillTx/>
+              <a:latin typeface="Orbitron" pitchFamily="2" charset="0"/>
+              <a:ea typeface="+mn-ea"/>
+              <a:cs typeface="+mn-cs"/>
+            </a:endParaRPr>
+          </a:p>
+        </p:txBody>
+      </p:sp>
+      <p:pic>
+        <p:nvPicPr>
+          <p:cNvPr id="6" name="Imagen 5">
+            <a:extLst>
+              <a:ext uri="{FF2B5EF4-FFF2-40B4-BE49-F238E27FC236}">
+                <a16:creationId xmlns:a16="http://schemas.microsoft.com/office/drawing/2014/main" id="{8A1DCF7D-45F5-127F-2446-62B704D36A52}"/>
+              </a:ext>
+            </a:extLst>
+          </p:cNvPr>
+          <p:cNvPicPr>
+            <a:picLocks noChangeAspect="1"/>
+          </p:cNvPicPr>
+          <p:nvPr/>
+        </p:nvPicPr>
+        <p:blipFill>
+          <a:blip r:embed="rId2">
+            <a:extLst>
+              <a:ext uri="{28A0092B-C50C-407E-A947-70E740481C1C}">
+                <a14:useLocalDpi xmlns:a14="http://schemas.microsoft.com/office/drawing/2010/main" val="0"/>
+              </a:ext>
+            </a:extLst>
+          </a:blip>
+          <a:stretch>
+            <a:fillRect/>
+          </a:stretch>
+        </p:blipFill>
+        <p:spPr>
+          <a:xfrm>
+            <a:off x="9937630" y="5383981"/>
+            <a:ext cx="2584420" cy="1474019"/>
+          </a:xfrm>
+          <a:prstGeom prst="rect">
+            <a:avLst/>
+          </a:prstGeom>
+        </p:spPr>
+      </p:pic>
+      <p:sp>
+        <p:nvSpPr>
+          <p:cNvPr id="3" name="CuadroTexto 2">
+            <a:extLst>
+              <a:ext uri="{FF2B5EF4-FFF2-40B4-BE49-F238E27FC236}">
+                <a16:creationId xmlns:a16="http://schemas.microsoft.com/office/drawing/2014/main" id="{273D95A2-C4F8-9B06-5615-AC618A836C86}"/>
+              </a:ext>
+            </a:extLst>
+          </p:cNvPr>
+          <p:cNvSpPr txBox="1"/>
+          <p:nvPr/>
+        </p:nvSpPr>
+        <p:spPr>
+          <a:xfrm>
+            <a:off x="1824530" y="1055414"/>
+            <a:ext cx="8542939" cy="646331"/>
+          </a:xfrm>
+          <a:prstGeom prst="rect">
+            <a:avLst/>
+          </a:prstGeom>
+          <a:noFill/>
+        </p:spPr>
+        <p:txBody>
+          <a:bodyPr wrap="square" rtlCol="0">
+            <a:spAutoFit/>
+          </a:bodyPr>
+          <a:lstStyle/>
+          <a:p>
+            <a:pPr marL="0" marR="0" lvl="0" indent="0" algn="ctr" defTabSz="914400" rtl="0" eaLnBrk="1" fontAlgn="auto" latinLnBrk="0" hangingPunct="1">
+              <a:lnSpc>
+                <a:spcPct val="100000"/>
+              </a:lnSpc>
+              <a:spcBef>
+                <a:spcPts val="0"/>
+              </a:spcBef>
+              <a:spcAft>
+                <a:spcPts val="0"/>
+              </a:spcAft>
+              <a:buClrTx/>
+              <a:buSzTx/>
+              <a:buFontTx/>
+              <a:buNone/>
+              <a:tabLst/>
+              <a:defRPr/>
+            </a:pPr>
+            <a:r>
+              <a:rPr lang="es-ES" dirty="0">
+                <a:solidFill>
+                  <a:srgbClr val="FFCC00"/>
+                </a:solidFill>
+                <a:latin typeface="Orbitron" pitchFamily="2" charset="0"/>
+              </a:rPr>
+              <a:t>INICIO</a:t>
+            </a:r>
+            <a:endParaRPr kumimoji="0" lang="es-ES" sz="1800" b="0" i="0" u="none" strike="noStrike" kern="1200" cap="none" spc="0" normalizeH="0" baseline="0" noProof="0" dirty="0">
+              <a:ln>
+                <a:noFill/>
+              </a:ln>
+              <a:solidFill>
+                <a:srgbClr val="FFCC00"/>
+              </a:solidFill>
+              <a:effectLst/>
+              <a:uLnTx/>
+              <a:uFillTx/>
+              <a:latin typeface="Orbitron" pitchFamily="2" charset="0"/>
+              <a:ea typeface="+mn-ea"/>
+              <a:cs typeface="+mn-cs"/>
+            </a:endParaRPr>
+          </a:p>
+          <a:p>
+            <a:pPr marR="0" lvl="0" algn="l" defTabSz="914400" rtl="0" eaLnBrk="1" fontAlgn="auto" latinLnBrk="0" hangingPunct="1">
+              <a:lnSpc>
+                <a:spcPct val="100000"/>
+              </a:lnSpc>
+              <a:spcBef>
+                <a:spcPts val="0"/>
+              </a:spcBef>
+              <a:spcAft>
+                <a:spcPts val="0"/>
+              </a:spcAft>
+              <a:buClrTx/>
+              <a:buSzTx/>
+              <a:tabLst/>
+              <a:defRPr/>
+            </a:pPr>
+            <a:endParaRPr kumimoji="0" lang="es-ES" sz="1800" b="0" i="0" u="none" strike="noStrike" kern="1200" cap="none" spc="0" normalizeH="0" baseline="0" noProof="0" dirty="0">
+              <a:ln>
+                <a:noFill/>
+              </a:ln>
+              <a:solidFill>
+                <a:prstClr val="black"/>
+              </a:solidFill>
+              <a:effectLst/>
+              <a:uLnTx/>
+              <a:uFillTx/>
+              <a:latin typeface="Calibri" panose="020F0502020204030204"/>
+              <a:ea typeface="+mn-ea"/>
+              <a:cs typeface="+mn-cs"/>
+            </a:endParaRPr>
+          </a:p>
+        </p:txBody>
+      </p:sp>
+      <p:pic>
+        <p:nvPicPr>
+          <p:cNvPr id="5" name="Imagen 4">
+            <a:extLst>
+              <a:ext uri="{FF2B5EF4-FFF2-40B4-BE49-F238E27FC236}">
+                <a16:creationId xmlns:a16="http://schemas.microsoft.com/office/drawing/2014/main" id="{FD4F7C35-69A9-77AD-89E8-956F277F2131}"/>
+              </a:ext>
+            </a:extLst>
+          </p:cNvPr>
+          <p:cNvPicPr>
+            <a:picLocks noChangeAspect="1"/>
+          </p:cNvPicPr>
+          <p:nvPr/>
+        </p:nvPicPr>
+        <p:blipFill>
+          <a:blip r:embed="rId3"/>
+          <a:stretch>
+            <a:fillRect/>
+          </a:stretch>
+        </p:blipFill>
+        <p:spPr>
+          <a:xfrm>
+            <a:off x="3260332" y="1476992"/>
+            <a:ext cx="5671335" cy="5263116"/>
+          </a:xfrm>
+          <a:prstGeom prst="rect">
+            <a:avLst/>
+          </a:prstGeom>
+        </p:spPr>
+      </p:pic>
+    </p:spTree>
+    <p:extLst>
+      <p:ext uri="{BB962C8B-B14F-4D97-AF65-F5344CB8AC3E}">
+        <p14:creationId xmlns:p14="http://schemas.microsoft.com/office/powerpoint/2010/main" val="1610922257"/>
+      </p:ext>
+    </p:extLst>
+  </p:cSld>
+  <p:clrMapOvr>
+    <a:masterClrMapping/>
+  </p:clrMapOvr>
+</p:sld>
+</file>
+
+<file path=ppt/slides/slide17.xml><?xml version="1.0" encoding="utf-8"?>
+<p:sld xmlns:a="http://schemas.openxmlformats.org/drawingml/2006/main" xmlns:r="http://schemas.openxmlformats.org/officeDocument/2006/relationships" xmlns:p="http://schemas.openxmlformats.org/presentationml/2006/main">
+  <p:cSld>
+    <p:bg>
+      <p:bgPr>
+        <a:solidFill>
+          <a:srgbClr val="0A215C"/>
+        </a:solidFill>
+        <a:effectLst/>
+      </p:bgPr>
+    </p:bg>
+    <p:spTree>
+      <p:nvGrpSpPr>
+        <p:cNvPr id="1" name=""/>
+        <p:cNvGrpSpPr/>
+        <p:nvPr/>
+      </p:nvGrpSpPr>
+      <p:grpSpPr>
+        <a:xfrm>
+          <a:off x="0" y="0"/>
+          <a:ext cx="0" cy="0"/>
+          <a:chOff x="0" y="0"/>
+          <a:chExt cx="0" cy="0"/>
+        </a:xfrm>
+      </p:grpSpPr>
+      <p:sp>
+        <p:nvSpPr>
+          <p:cNvPr id="2" name="CuadroTexto 1">
+            <a:extLst>
+              <a:ext uri="{FF2B5EF4-FFF2-40B4-BE49-F238E27FC236}">
+                <a16:creationId xmlns:a16="http://schemas.microsoft.com/office/drawing/2014/main" id="{19894B11-F0BF-7309-0115-C0EDB53851C8}"/>
+              </a:ext>
+            </a:extLst>
+          </p:cNvPr>
+          <p:cNvSpPr txBox="1"/>
+          <p:nvPr/>
+        </p:nvSpPr>
+        <p:spPr>
+          <a:xfrm>
+            <a:off x="0" y="285973"/>
+            <a:ext cx="12192000" cy="769441"/>
+          </a:xfrm>
+          <a:prstGeom prst="rect">
+            <a:avLst/>
+          </a:prstGeom>
+          <a:noFill/>
+        </p:spPr>
+        <p:txBody>
+          <a:bodyPr wrap="square" rtlCol="0">
+            <a:spAutoFit/>
+          </a:bodyPr>
+          <a:lstStyle/>
+          <a:p>
+            <a:pPr marL="0" marR="0" lvl="0" indent="0" algn="ctr" defTabSz="914400" rtl="0" eaLnBrk="1" fontAlgn="auto" latinLnBrk="0" hangingPunct="1">
+              <a:lnSpc>
+                <a:spcPct val="100000"/>
+              </a:lnSpc>
+              <a:spcBef>
+                <a:spcPts val="0"/>
+              </a:spcBef>
+              <a:spcAft>
+                <a:spcPts val="0"/>
+              </a:spcAft>
+              <a:buClrTx/>
+              <a:buSzTx/>
+              <a:buFontTx/>
+              <a:buNone/>
+              <a:tabLst/>
+              <a:defRPr/>
+            </a:pPr>
+            <a:r>
+              <a:rPr lang="es-ES" sz="4400" dirty="0">
+                <a:solidFill>
+                  <a:srgbClr val="FFCC00"/>
+                </a:solidFill>
+                <a:latin typeface="Orbitron" pitchFamily="2" charset="0"/>
+              </a:rPr>
+              <a:t>10</a:t>
+            </a:r>
+            <a:r>
+              <a:rPr kumimoji="0" lang="es-ES" sz="4400" b="0" i="0" u="none" strike="noStrike" kern="1200" cap="none" spc="0" normalizeH="0" baseline="0" noProof="0" dirty="0">
+                <a:ln>
+                  <a:noFill/>
+                </a:ln>
+                <a:solidFill>
+                  <a:srgbClr val="FFCC00"/>
+                </a:solidFill>
+                <a:effectLst/>
+                <a:uLnTx/>
+                <a:uFillTx/>
+                <a:latin typeface="Orbitron" pitchFamily="2" charset="0"/>
+                <a:ea typeface="+mn-ea"/>
+                <a:cs typeface="+mn-cs"/>
+              </a:rPr>
+              <a:t>. </a:t>
+            </a:r>
+            <a:r>
+              <a:rPr lang="es-ES" sz="4400" dirty="0">
+                <a:solidFill>
+                  <a:srgbClr val="FFCC00"/>
+                </a:solidFill>
+                <a:latin typeface="Orbitron" pitchFamily="2" charset="0"/>
+              </a:rPr>
+              <a:t>MANUAL DE USUARIO</a:t>
+            </a:r>
+            <a:endParaRPr kumimoji="0" lang="es-ES" sz="4400" b="0" i="0" u="none" strike="noStrike" kern="1200" cap="none" spc="0" normalizeH="0" baseline="0" noProof="0" dirty="0">
+              <a:ln>
+                <a:noFill/>
+              </a:ln>
+              <a:solidFill>
+                <a:srgbClr val="FFCC00"/>
+              </a:solidFill>
+              <a:effectLst/>
+              <a:uLnTx/>
+              <a:uFillTx/>
+              <a:latin typeface="Orbitron" pitchFamily="2" charset="0"/>
+              <a:ea typeface="+mn-ea"/>
+              <a:cs typeface="+mn-cs"/>
+            </a:endParaRPr>
+          </a:p>
+        </p:txBody>
+      </p:sp>
+      <p:pic>
+        <p:nvPicPr>
+          <p:cNvPr id="6" name="Imagen 5">
+            <a:extLst>
+              <a:ext uri="{FF2B5EF4-FFF2-40B4-BE49-F238E27FC236}">
+                <a16:creationId xmlns:a16="http://schemas.microsoft.com/office/drawing/2014/main" id="{8A1DCF7D-45F5-127F-2446-62B704D36A52}"/>
+              </a:ext>
+            </a:extLst>
+          </p:cNvPr>
+          <p:cNvPicPr>
+            <a:picLocks noChangeAspect="1"/>
+          </p:cNvPicPr>
+          <p:nvPr/>
+        </p:nvPicPr>
+        <p:blipFill>
+          <a:blip r:embed="rId2">
+            <a:extLst>
+              <a:ext uri="{28A0092B-C50C-407E-A947-70E740481C1C}">
+                <a14:useLocalDpi xmlns:a14="http://schemas.microsoft.com/office/drawing/2010/main" val="0"/>
+              </a:ext>
+            </a:extLst>
+          </a:blip>
+          <a:stretch>
+            <a:fillRect/>
+          </a:stretch>
+        </p:blipFill>
+        <p:spPr>
+          <a:xfrm>
+            <a:off x="9937630" y="5383981"/>
+            <a:ext cx="2584420" cy="1474019"/>
+          </a:xfrm>
+          <a:prstGeom prst="rect">
+            <a:avLst/>
+          </a:prstGeom>
+        </p:spPr>
+      </p:pic>
+      <p:sp>
+        <p:nvSpPr>
+          <p:cNvPr id="3" name="CuadroTexto 2">
+            <a:extLst>
+              <a:ext uri="{FF2B5EF4-FFF2-40B4-BE49-F238E27FC236}">
+                <a16:creationId xmlns:a16="http://schemas.microsoft.com/office/drawing/2014/main" id="{273D95A2-C4F8-9B06-5615-AC618A836C86}"/>
+              </a:ext>
+            </a:extLst>
+          </p:cNvPr>
+          <p:cNvSpPr txBox="1"/>
+          <p:nvPr/>
+        </p:nvSpPr>
+        <p:spPr>
+          <a:xfrm>
+            <a:off x="1824530" y="1055414"/>
+            <a:ext cx="8542939" cy="646331"/>
+          </a:xfrm>
+          <a:prstGeom prst="rect">
+            <a:avLst/>
+          </a:prstGeom>
+          <a:noFill/>
+        </p:spPr>
+        <p:txBody>
+          <a:bodyPr wrap="square" rtlCol="0">
+            <a:spAutoFit/>
+          </a:bodyPr>
+          <a:lstStyle/>
+          <a:p>
+            <a:pPr marL="0" marR="0" lvl="0" indent="0" algn="ctr" defTabSz="914400" rtl="0" eaLnBrk="1" fontAlgn="auto" latinLnBrk="0" hangingPunct="1">
+              <a:lnSpc>
+                <a:spcPct val="100000"/>
+              </a:lnSpc>
+              <a:spcBef>
+                <a:spcPts val="0"/>
+              </a:spcBef>
+              <a:spcAft>
+                <a:spcPts val="0"/>
+              </a:spcAft>
+              <a:buClrTx/>
+              <a:buSzTx/>
+              <a:buFontTx/>
+              <a:buNone/>
+              <a:tabLst/>
+              <a:defRPr/>
+            </a:pPr>
+            <a:r>
+              <a:rPr lang="es-ES" dirty="0">
+                <a:solidFill>
+                  <a:srgbClr val="FFCC00"/>
+                </a:solidFill>
+                <a:latin typeface="Orbitron" pitchFamily="2" charset="0"/>
+              </a:rPr>
+              <a:t>REGISTRO</a:t>
+            </a:r>
+            <a:endParaRPr kumimoji="0" lang="es-ES" sz="1800" b="0" i="0" u="none" strike="noStrike" kern="1200" cap="none" spc="0" normalizeH="0" baseline="0" noProof="0" dirty="0">
+              <a:ln>
+                <a:noFill/>
+              </a:ln>
+              <a:solidFill>
+                <a:srgbClr val="FFCC00"/>
+              </a:solidFill>
+              <a:effectLst/>
+              <a:uLnTx/>
+              <a:uFillTx/>
+              <a:latin typeface="Orbitron" pitchFamily="2" charset="0"/>
+              <a:ea typeface="+mn-ea"/>
+              <a:cs typeface="+mn-cs"/>
+            </a:endParaRPr>
+          </a:p>
+          <a:p>
+            <a:pPr marR="0" lvl="0" algn="l" defTabSz="914400" rtl="0" eaLnBrk="1" fontAlgn="auto" latinLnBrk="0" hangingPunct="1">
+              <a:lnSpc>
+                <a:spcPct val="100000"/>
+              </a:lnSpc>
+              <a:spcBef>
+                <a:spcPts val="0"/>
+              </a:spcBef>
+              <a:spcAft>
+                <a:spcPts val="0"/>
+              </a:spcAft>
+              <a:buClrTx/>
+              <a:buSzTx/>
+              <a:tabLst/>
+              <a:defRPr/>
+            </a:pPr>
+            <a:endParaRPr kumimoji="0" lang="es-ES" sz="1800" b="0" i="0" u="none" strike="noStrike" kern="1200" cap="none" spc="0" normalizeH="0" baseline="0" noProof="0" dirty="0">
+              <a:ln>
+                <a:noFill/>
+              </a:ln>
+              <a:solidFill>
+                <a:prstClr val="black"/>
+              </a:solidFill>
+              <a:effectLst/>
+              <a:uLnTx/>
+              <a:uFillTx/>
+              <a:latin typeface="Calibri" panose="020F0502020204030204"/>
+              <a:ea typeface="+mn-ea"/>
+              <a:cs typeface="+mn-cs"/>
+            </a:endParaRPr>
+          </a:p>
+        </p:txBody>
+      </p:sp>
+      <p:pic>
+        <p:nvPicPr>
+          <p:cNvPr id="7" name="Imagen 6">
+            <a:extLst>
+              <a:ext uri="{FF2B5EF4-FFF2-40B4-BE49-F238E27FC236}">
+                <a16:creationId xmlns:a16="http://schemas.microsoft.com/office/drawing/2014/main" id="{5FCC9DC1-2465-D983-AD73-5E91D0E14EAA}"/>
+              </a:ext>
+            </a:extLst>
+          </p:cNvPr>
+          <p:cNvPicPr>
+            <a:picLocks noChangeAspect="1"/>
+          </p:cNvPicPr>
+          <p:nvPr/>
+        </p:nvPicPr>
+        <p:blipFill>
+          <a:blip r:embed="rId3"/>
+          <a:stretch>
+            <a:fillRect/>
+          </a:stretch>
+        </p:blipFill>
+        <p:spPr>
+          <a:xfrm>
+            <a:off x="5005648" y="1701745"/>
+            <a:ext cx="2457793" cy="3848637"/>
+          </a:xfrm>
+          <a:prstGeom prst="rect">
+            <a:avLst/>
+          </a:prstGeom>
+        </p:spPr>
+      </p:pic>
+    </p:spTree>
+    <p:extLst>
+      <p:ext uri="{BB962C8B-B14F-4D97-AF65-F5344CB8AC3E}">
+        <p14:creationId xmlns:p14="http://schemas.microsoft.com/office/powerpoint/2010/main" val="843555337"/>
+      </p:ext>
+    </p:extLst>
+  </p:cSld>
+  <p:clrMapOvr>
+    <a:masterClrMapping/>
+  </p:clrMapOvr>
+</p:sld>
+</file>
+
+<file path=ppt/slides/slide18.xml><?xml version="1.0" encoding="utf-8"?>
+<p:sld xmlns:a="http://schemas.openxmlformats.org/drawingml/2006/main" xmlns:r="http://schemas.openxmlformats.org/officeDocument/2006/relationships" xmlns:p="http://schemas.openxmlformats.org/presentationml/2006/main">
+  <p:cSld>
+    <p:bg>
+      <p:bgPr>
+        <a:solidFill>
+          <a:srgbClr val="0A215C"/>
+        </a:solidFill>
+        <a:effectLst/>
+      </p:bgPr>
+    </p:bg>
+    <p:spTree>
+      <p:nvGrpSpPr>
+        <p:cNvPr id="1" name=""/>
+        <p:cNvGrpSpPr/>
+        <p:nvPr/>
+      </p:nvGrpSpPr>
+      <p:grpSpPr>
+        <a:xfrm>
+          <a:off x="0" y="0"/>
+          <a:ext cx="0" cy="0"/>
+          <a:chOff x="0" y="0"/>
+          <a:chExt cx="0" cy="0"/>
+        </a:xfrm>
+      </p:grpSpPr>
+      <p:sp>
+        <p:nvSpPr>
+          <p:cNvPr id="2" name="CuadroTexto 1">
+            <a:extLst>
+              <a:ext uri="{FF2B5EF4-FFF2-40B4-BE49-F238E27FC236}">
+                <a16:creationId xmlns:a16="http://schemas.microsoft.com/office/drawing/2014/main" id="{19894B11-F0BF-7309-0115-C0EDB53851C8}"/>
+              </a:ext>
+            </a:extLst>
+          </p:cNvPr>
+          <p:cNvSpPr txBox="1"/>
+          <p:nvPr/>
+        </p:nvSpPr>
+        <p:spPr>
+          <a:xfrm>
+            <a:off x="0" y="285973"/>
+            <a:ext cx="12192000" cy="769441"/>
+          </a:xfrm>
+          <a:prstGeom prst="rect">
+            <a:avLst/>
+          </a:prstGeom>
+          <a:noFill/>
+        </p:spPr>
+        <p:txBody>
+          <a:bodyPr wrap="square" rtlCol="0">
+            <a:spAutoFit/>
+          </a:bodyPr>
+          <a:lstStyle/>
+          <a:p>
+            <a:pPr marL="0" marR="0" lvl="0" indent="0" algn="ctr" defTabSz="914400" rtl="0" eaLnBrk="1" fontAlgn="auto" latinLnBrk="0" hangingPunct="1">
+              <a:lnSpc>
+                <a:spcPct val="100000"/>
+              </a:lnSpc>
+              <a:spcBef>
+                <a:spcPts val="0"/>
+              </a:spcBef>
+              <a:spcAft>
+                <a:spcPts val="0"/>
+              </a:spcAft>
+              <a:buClrTx/>
+              <a:buSzTx/>
+              <a:buFontTx/>
+              <a:buNone/>
+              <a:tabLst/>
+              <a:defRPr/>
+            </a:pPr>
+            <a:r>
+              <a:rPr lang="es-ES" sz="4400" dirty="0">
+                <a:solidFill>
+                  <a:srgbClr val="FFCC00"/>
+                </a:solidFill>
+                <a:latin typeface="Orbitron" pitchFamily="2" charset="0"/>
+              </a:rPr>
+              <a:t>10</a:t>
+            </a:r>
+            <a:r>
+              <a:rPr kumimoji="0" lang="es-ES" sz="4400" b="0" i="0" u="none" strike="noStrike" kern="1200" cap="none" spc="0" normalizeH="0" baseline="0" noProof="0" dirty="0">
+                <a:ln>
+                  <a:noFill/>
+                </a:ln>
+                <a:solidFill>
+                  <a:srgbClr val="FFCC00"/>
+                </a:solidFill>
+                <a:effectLst/>
+                <a:uLnTx/>
+                <a:uFillTx/>
+                <a:latin typeface="Orbitron" pitchFamily="2" charset="0"/>
+                <a:ea typeface="+mn-ea"/>
+                <a:cs typeface="+mn-cs"/>
+              </a:rPr>
+              <a:t>. </a:t>
+            </a:r>
+            <a:r>
+              <a:rPr lang="es-ES" sz="4400" dirty="0">
+                <a:solidFill>
+                  <a:srgbClr val="FFCC00"/>
+                </a:solidFill>
+                <a:latin typeface="Orbitron" pitchFamily="2" charset="0"/>
+              </a:rPr>
+              <a:t>MANUAL DE USUARIO</a:t>
+            </a:r>
+            <a:endParaRPr kumimoji="0" lang="es-ES" sz="4400" b="0" i="0" u="none" strike="noStrike" kern="1200" cap="none" spc="0" normalizeH="0" baseline="0" noProof="0" dirty="0">
+              <a:ln>
+                <a:noFill/>
+              </a:ln>
+              <a:solidFill>
+                <a:srgbClr val="FFCC00"/>
+              </a:solidFill>
+              <a:effectLst/>
+              <a:uLnTx/>
+              <a:uFillTx/>
+              <a:latin typeface="Orbitron" pitchFamily="2" charset="0"/>
+              <a:ea typeface="+mn-ea"/>
+              <a:cs typeface="+mn-cs"/>
+            </a:endParaRPr>
+          </a:p>
+        </p:txBody>
+      </p:sp>
+      <p:pic>
+        <p:nvPicPr>
+          <p:cNvPr id="6" name="Imagen 5">
+            <a:extLst>
+              <a:ext uri="{FF2B5EF4-FFF2-40B4-BE49-F238E27FC236}">
+                <a16:creationId xmlns:a16="http://schemas.microsoft.com/office/drawing/2014/main" id="{8A1DCF7D-45F5-127F-2446-62B704D36A52}"/>
+              </a:ext>
+            </a:extLst>
+          </p:cNvPr>
+          <p:cNvPicPr>
+            <a:picLocks noChangeAspect="1"/>
+          </p:cNvPicPr>
+          <p:nvPr/>
+        </p:nvPicPr>
+        <p:blipFill>
+          <a:blip r:embed="rId2">
+            <a:extLst>
+              <a:ext uri="{28A0092B-C50C-407E-A947-70E740481C1C}">
+                <a14:useLocalDpi xmlns:a14="http://schemas.microsoft.com/office/drawing/2010/main" val="0"/>
+              </a:ext>
+            </a:extLst>
+          </a:blip>
+          <a:stretch>
+            <a:fillRect/>
+          </a:stretch>
+        </p:blipFill>
+        <p:spPr>
+          <a:xfrm>
+            <a:off x="9937630" y="5383981"/>
+            <a:ext cx="2584420" cy="1474019"/>
+          </a:xfrm>
+          <a:prstGeom prst="rect">
+            <a:avLst/>
+          </a:prstGeom>
+        </p:spPr>
+      </p:pic>
+      <p:sp>
+        <p:nvSpPr>
+          <p:cNvPr id="3" name="CuadroTexto 2">
+            <a:extLst>
+              <a:ext uri="{FF2B5EF4-FFF2-40B4-BE49-F238E27FC236}">
+                <a16:creationId xmlns:a16="http://schemas.microsoft.com/office/drawing/2014/main" id="{273D95A2-C4F8-9B06-5615-AC618A836C86}"/>
+              </a:ext>
+            </a:extLst>
+          </p:cNvPr>
+          <p:cNvSpPr txBox="1"/>
+          <p:nvPr/>
+        </p:nvSpPr>
+        <p:spPr>
+          <a:xfrm>
+            <a:off x="1824530" y="1055414"/>
+            <a:ext cx="8542939" cy="646331"/>
+          </a:xfrm>
+          <a:prstGeom prst="rect">
+            <a:avLst/>
+          </a:prstGeom>
+          <a:noFill/>
+        </p:spPr>
+        <p:txBody>
+          <a:bodyPr wrap="square" rtlCol="0">
+            <a:spAutoFit/>
+          </a:bodyPr>
+          <a:lstStyle/>
+          <a:p>
+            <a:pPr marL="0" marR="0" lvl="0" indent="0" algn="ctr" defTabSz="914400" rtl="0" eaLnBrk="1" fontAlgn="auto" latinLnBrk="0" hangingPunct="1">
+              <a:lnSpc>
+                <a:spcPct val="100000"/>
+              </a:lnSpc>
+              <a:spcBef>
+                <a:spcPts val="0"/>
+              </a:spcBef>
+              <a:spcAft>
+                <a:spcPts val="0"/>
+              </a:spcAft>
+              <a:buClrTx/>
+              <a:buSzTx/>
+              <a:buFontTx/>
+              <a:buNone/>
+              <a:tabLst/>
+              <a:defRPr/>
+            </a:pPr>
+            <a:r>
+              <a:rPr lang="es-ES" dirty="0">
+                <a:solidFill>
+                  <a:srgbClr val="FFCC00"/>
+                </a:solidFill>
+                <a:latin typeface="Orbitron" pitchFamily="2" charset="0"/>
+              </a:rPr>
+              <a:t>INICIO DE SESIÓN</a:t>
+            </a:r>
+            <a:endParaRPr kumimoji="0" lang="es-ES" sz="1800" b="0" i="0" u="none" strike="noStrike" kern="1200" cap="none" spc="0" normalizeH="0" baseline="0" noProof="0" dirty="0">
+              <a:ln>
+                <a:noFill/>
+              </a:ln>
+              <a:solidFill>
+                <a:srgbClr val="FFCC00"/>
+              </a:solidFill>
+              <a:effectLst/>
+              <a:uLnTx/>
+              <a:uFillTx/>
+              <a:latin typeface="Orbitron" pitchFamily="2" charset="0"/>
+              <a:ea typeface="+mn-ea"/>
+              <a:cs typeface="+mn-cs"/>
+            </a:endParaRPr>
+          </a:p>
+          <a:p>
+            <a:pPr marR="0" lvl="0" algn="l" defTabSz="914400" rtl="0" eaLnBrk="1" fontAlgn="auto" latinLnBrk="0" hangingPunct="1">
+              <a:lnSpc>
+                <a:spcPct val="100000"/>
+              </a:lnSpc>
+              <a:spcBef>
+                <a:spcPts val="0"/>
+              </a:spcBef>
+              <a:spcAft>
+                <a:spcPts val="0"/>
+              </a:spcAft>
+              <a:buClrTx/>
+              <a:buSzTx/>
+              <a:tabLst/>
+              <a:defRPr/>
+            </a:pPr>
+            <a:endParaRPr kumimoji="0" lang="es-ES" sz="1800" b="0" i="0" u="none" strike="noStrike" kern="1200" cap="none" spc="0" normalizeH="0" baseline="0" noProof="0" dirty="0">
+              <a:ln>
+                <a:noFill/>
+              </a:ln>
+              <a:solidFill>
+                <a:prstClr val="black"/>
+              </a:solidFill>
+              <a:effectLst/>
+              <a:uLnTx/>
+              <a:uFillTx/>
+              <a:latin typeface="Calibri" panose="020F0502020204030204"/>
+              <a:ea typeface="+mn-ea"/>
+              <a:cs typeface="+mn-cs"/>
+            </a:endParaRPr>
+          </a:p>
+        </p:txBody>
+      </p:sp>
+      <p:pic>
+        <p:nvPicPr>
+          <p:cNvPr id="5" name="Imagen 4">
+            <a:extLst>
+              <a:ext uri="{FF2B5EF4-FFF2-40B4-BE49-F238E27FC236}">
+                <a16:creationId xmlns:a16="http://schemas.microsoft.com/office/drawing/2014/main" id="{4EEB0FBA-7F55-C13A-FEF2-C9C8078F1D0B}"/>
+              </a:ext>
+            </a:extLst>
+          </p:cNvPr>
+          <p:cNvPicPr>
+            <a:picLocks noChangeAspect="1"/>
+          </p:cNvPicPr>
+          <p:nvPr/>
+        </p:nvPicPr>
+        <p:blipFill>
+          <a:blip r:embed="rId3"/>
+          <a:stretch>
+            <a:fillRect/>
+          </a:stretch>
+        </p:blipFill>
+        <p:spPr>
+          <a:xfrm>
+            <a:off x="5048104" y="1571366"/>
+            <a:ext cx="2095792" cy="3715268"/>
+          </a:xfrm>
+          <a:prstGeom prst="rect">
+            <a:avLst/>
+          </a:prstGeom>
+        </p:spPr>
+      </p:pic>
+      <p:sp>
+        <p:nvSpPr>
+          <p:cNvPr id="8" name="CuadroTexto 7">
+            <a:extLst>
+              <a:ext uri="{FF2B5EF4-FFF2-40B4-BE49-F238E27FC236}">
+                <a16:creationId xmlns:a16="http://schemas.microsoft.com/office/drawing/2014/main" id="{EBE1D6A4-5C44-58CC-83EA-DFBBCD93CE44}"/>
+              </a:ext>
+            </a:extLst>
+          </p:cNvPr>
+          <p:cNvSpPr txBox="1"/>
+          <p:nvPr/>
+        </p:nvSpPr>
+        <p:spPr>
+          <a:xfrm>
+            <a:off x="8063345" y="1939636"/>
+            <a:ext cx="3371273" cy="646331"/>
+          </a:xfrm>
+          <a:prstGeom prst="rect">
+            <a:avLst/>
+          </a:prstGeom>
+          <a:noFill/>
+        </p:spPr>
+        <p:txBody>
+          <a:bodyPr wrap="square" rtlCol="0">
+            <a:spAutoFit/>
+          </a:bodyPr>
+          <a:lstStyle/>
+          <a:p>
+            <a:r>
+              <a:rPr lang="es-ES" dirty="0"/>
+              <a:t>CORREO: </a:t>
+            </a:r>
+            <a:r>
+              <a:rPr lang="es-ES" dirty="0">
+                <a:hlinkClick r:id="rId4"/>
+              </a:rPr>
+              <a:t>profesor@test.com</a:t>
+            </a:r>
+            <a:endParaRPr lang="es-ES" dirty="0"/>
+          </a:p>
+          <a:p>
+            <a:r>
+              <a:rPr lang="es-ES" dirty="0"/>
+              <a:t>CONTRASEÑA: profesor</a:t>
+            </a:r>
+          </a:p>
+        </p:txBody>
+      </p:sp>
+    </p:spTree>
+    <p:extLst>
+      <p:ext uri="{BB962C8B-B14F-4D97-AF65-F5344CB8AC3E}">
+        <p14:creationId xmlns:p14="http://schemas.microsoft.com/office/powerpoint/2010/main" val="433878694"/>
+      </p:ext>
+    </p:extLst>
+  </p:cSld>
+  <p:clrMapOvr>
+    <a:masterClrMapping/>
+  </p:clrMapOvr>
+</p:sld>
+</file>
+
+<file path=ppt/slides/slide19.xml><?xml version="1.0" encoding="utf-8"?>
+<p:sld xmlns:a="http://schemas.openxmlformats.org/drawingml/2006/main" xmlns:r="http://schemas.openxmlformats.org/officeDocument/2006/relationships" xmlns:p="http://schemas.openxmlformats.org/presentationml/2006/main">
+  <p:cSld>
+    <p:bg>
+      <p:bgPr>
+        <a:solidFill>
+          <a:srgbClr val="0A215C"/>
+        </a:solidFill>
+        <a:effectLst/>
+      </p:bgPr>
+    </p:bg>
+    <p:spTree>
+      <p:nvGrpSpPr>
+        <p:cNvPr id="1" name=""/>
+        <p:cNvGrpSpPr/>
+        <p:nvPr/>
+      </p:nvGrpSpPr>
+      <p:grpSpPr>
+        <a:xfrm>
+          <a:off x="0" y="0"/>
+          <a:ext cx="0" cy="0"/>
+          <a:chOff x="0" y="0"/>
+          <a:chExt cx="0" cy="0"/>
+        </a:xfrm>
+      </p:grpSpPr>
+      <p:sp>
+        <p:nvSpPr>
+          <p:cNvPr id="2" name="CuadroTexto 1">
+            <a:extLst>
+              <a:ext uri="{FF2B5EF4-FFF2-40B4-BE49-F238E27FC236}">
+                <a16:creationId xmlns:a16="http://schemas.microsoft.com/office/drawing/2014/main" id="{19894B11-F0BF-7309-0115-C0EDB53851C8}"/>
+              </a:ext>
+            </a:extLst>
+          </p:cNvPr>
+          <p:cNvSpPr txBox="1"/>
+          <p:nvPr/>
+        </p:nvSpPr>
+        <p:spPr>
+          <a:xfrm>
+            <a:off x="0" y="285973"/>
+            <a:ext cx="12192000" cy="769441"/>
+          </a:xfrm>
+          <a:prstGeom prst="rect">
+            <a:avLst/>
+          </a:prstGeom>
+          <a:noFill/>
+        </p:spPr>
+        <p:txBody>
+          <a:bodyPr wrap="square" rtlCol="0">
+            <a:spAutoFit/>
+          </a:bodyPr>
+          <a:lstStyle/>
+          <a:p>
+            <a:pPr marL="0" marR="0" lvl="0" indent="0" algn="ctr" defTabSz="914400" rtl="0" eaLnBrk="1" fontAlgn="auto" latinLnBrk="0" hangingPunct="1">
+              <a:lnSpc>
+                <a:spcPct val="100000"/>
+              </a:lnSpc>
+              <a:spcBef>
+                <a:spcPts val="0"/>
+              </a:spcBef>
+              <a:spcAft>
+                <a:spcPts val="0"/>
+              </a:spcAft>
+              <a:buClrTx/>
+              <a:buSzTx/>
+              <a:buFontTx/>
+              <a:buNone/>
+              <a:tabLst/>
+              <a:defRPr/>
+            </a:pPr>
+            <a:r>
+              <a:rPr lang="es-ES" sz="4400" dirty="0">
+                <a:solidFill>
+                  <a:srgbClr val="FFCC00"/>
+                </a:solidFill>
+                <a:latin typeface="Orbitron" pitchFamily="2" charset="0"/>
+              </a:rPr>
+              <a:t>10</a:t>
+            </a:r>
+            <a:r>
+              <a:rPr kumimoji="0" lang="es-ES" sz="4400" b="0" i="0" u="none" strike="noStrike" kern="1200" cap="none" spc="0" normalizeH="0" baseline="0" noProof="0" dirty="0">
+                <a:ln>
+                  <a:noFill/>
+                </a:ln>
+                <a:solidFill>
+                  <a:srgbClr val="FFCC00"/>
+                </a:solidFill>
+                <a:effectLst/>
+                <a:uLnTx/>
+                <a:uFillTx/>
+                <a:latin typeface="Orbitron" pitchFamily="2" charset="0"/>
+                <a:ea typeface="+mn-ea"/>
+                <a:cs typeface="+mn-cs"/>
+              </a:rPr>
+              <a:t>. </a:t>
+            </a:r>
+            <a:r>
+              <a:rPr lang="es-ES" sz="4400" dirty="0">
+                <a:solidFill>
+                  <a:srgbClr val="FFCC00"/>
+                </a:solidFill>
+                <a:latin typeface="Orbitron" pitchFamily="2" charset="0"/>
+              </a:rPr>
+              <a:t>MANUAL DE USUARIO</a:t>
+            </a:r>
+            <a:endParaRPr kumimoji="0" lang="es-ES" sz="4400" b="0" i="0" u="none" strike="noStrike" kern="1200" cap="none" spc="0" normalizeH="0" baseline="0" noProof="0" dirty="0">
+              <a:ln>
+                <a:noFill/>
+              </a:ln>
+              <a:solidFill>
+                <a:srgbClr val="FFCC00"/>
+              </a:solidFill>
+              <a:effectLst/>
+              <a:uLnTx/>
+              <a:uFillTx/>
+              <a:latin typeface="Orbitron" pitchFamily="2" charset="0"/>
+              <a:ea typeface="+mn-ea"/>
+              <a:cs typeface="+mn-cs"/>
+            </a:endParaRPr>
+          </a:p>
+        </p:txBody>
+      </p:sp>
+      <p:pic>
+        <p:nvPicPr>
+          <p:cNvPr id="6" name="Imagen 5">
+            <a:extLst>
+              <a:ext uri="{FF2B5EF4-FFF2-40B4-BE49-F238E27FC236}">
+                <a16:creationId xmlns:a16="http://schemas.microsoft.com/office/drawing/2014/main" id="{8A1DCF7D-45F5-127F-2446-62B704D36A52}"/>
+              </a:ext>
+            </a:extLst>
+          </p:cNvPr>
+          <p:cNvPicPr>
+            <a:picLocks noChangeAspect="1"/>
+          </p:cNvPicPr>
+          <p:nvPr/>
+        </p:nvPicPr>
+        <p:blipFill>
+          <a:blip r:embed="rId2">
+            <a:extLst>
+              <a:ext uri="{28A0092B-C50C-407E-A947-70E740481C1C}">
+                <a14:useLocalDpi xmlns:a14="http://schemas.microsoft.com/office/drawing/2010/main" val="0"/>
+              </a:ext>
+            </a:extLst>
+          </a:blip>
+          <a:stretch>
+            <a:fillRect/>
+          </a:stretch>
+        </p:blipFill>
+        <p:spPr>
+          <a:xfrm>
+            <a:off x="9937630" y="5383981"/>
+            <a:ext cx="2584420" cy="1474019"/>
+          </a:xfrm>
+          <a:prstGeom prst="rect">
+            <a:avLst/>
+          </a:prstGeom>
+        </p:spPr>
+      </p:pic>
+      <p:sp>
+        <p:nvSpPr>
+          <p:cNvPr id="3" name="CuadroTexto 2">
+            <a:extLst>
+              <a:ext uri="{FF2B5EF4-FFF2-40B4-BE49-F238E27FC236}">
+                <a16:creationId xmlns:a16="http://schemas.microsoft.com/office/drawing/2014/main" id="{273D95A2-C4F8-9B06-5615-AC618A836C86}"/>
+              </a:ext>
+            </a:extLst>
+          </p:cNvPr>
+          <p:cNvSpPr txBox="1"/>
+          <p:nvPr/>
+        </p:nvSpPr>
+        <p:spPr>
+          <a:xfrm>
+            <a:off x="1824530" y="1055414"/>
+            <a:ext cx="8542939" cy="646331"/>
+          </a:xfrm>
+          <a:prstGeom prst="rect">
+            <a:avLst/>
+          </a:prstGeom>
+          <a:noFill/>
+        </p:spPr>
+        <p:txBody>
+          <a:bodyPr wrap="square" rtlCol="0">
+            <a:spAutoFit/>
+          </a:bodyPr>
+          <a:lstStyle/>
+          <a:p>
+            <a:pPr marL="0" marR="0" lvl="0" indent="0" algn="ctr" defTabSz="914400" rtl="0" eaLnBrk="1" fontAlgn="auto" latinLnBrk="0" hangingPunct="1">
+              <a:lnSpc>
+                <a:spcPct val="100000"/>
+              </a:lnSpc>
+              <a:spcBef>
+                <a:spcPts val="0"/>
+              </a:spcBef>
+              <a:spcAft>
+                <a:spcPts val="0"/>
+              </a:spcAft>
+              <a:buClrTx/>
+              <a:buSzTx/>
+              <a:buFontTx/>
+              <a:buNone/>
+              <a:tabLst/>
+              <a:defRPr/>
+            </a:pPr>
+            <a:r>
+              <a:rPr lang="es-ES" dirty="0">
+                <a:solidFill>
+                  <a:srgbClr val="FFCC00"/>
+                </a:solidFill>
+                <a:latin typeface="Orbitron" pitchFamily="2" charset="0"/>
+              </a:rPr>
+              <a:t>MIS ANUNCIOS</a:t>
+            </a:r>
+            <a:endParaRPr kumimoji="0" lang="es-ES" sz="1800" b="0" i="0" u="none" strike="noStrike" kern="1200" cap="none" spc="0" normalizeH="0" baseline="0" noProof="0" dirty="0">
+              <a:ln>
+                <a:noFill/>
+              </a:ln>
+              <a:solidFill>
+                <a:srgbClr val="FFCC00"/>
+              </a:solidFill>
+              <a:effectLst/>
+              <a:uLnTx/>
+              <a:uFillTx/>
+              <a:latin typeface="Orbitron" pitchFamily="2" charset="0"/>
+              <a:ea typeface="+mn-ea"/>
+              <a:cs typeface="+mn-cs"/>
+            </a:endParaRPr>
+          </a:p>
+          <a:p>
+            <a:pPr marR="0" lvl="0" algn="l" defTabSz="914400" rtl="0" eaLnBrk="1" fontAlgn="auto" latinLnBrk="0" hangingPunct="1">
+              <a:lnSpc>
+                <a:spcPct val="100000"/>
+              </a:lnSpc>
+              <a:spcBef>
+                <a:spcPts val="0"/>
+              </a:spcBef>
+              <a:spcAft>
+                <a:spcPts val="0"/>
+              </a:spcAft>
+              <a:buClrTx/>
+              <a:buSzTx/>
+              <a:tabLst/>
+              <a:defRPr/>
+            </a:pPr>
+            <a:endParaRPr kumimoji="0" lang="es-ES" sz="1800" b="0" i="0" u="none" strike="noStrike" kern="1200" cap="none" spc="0" normalizeH="0" baseline="0" noProof="0" dirty="0">
+              <a:ln>
+                <a:noFill/>
+              </a:ln>
+              <a:solidFill>
+                <a:prstClr val="black"/>
+              </a:solidFill>
+              <a:effectLst/>
+              <a:uLnTx/>
+              <a:uFillTx/>
+              <a:latin typeface="Calibri" panose="020F0502020204030204"/>
+              <a:ea typeface="+mn-ea"/>
+              <a:cs typeface="+mn-cs"/>
+            </a:endParaRPr>
+          </a:p>
+        </p:txBody>
+      </p:sp>
+      <p:pic>
+        <p:nvPicPr>
+          <p:cNvPr id="7" name="Imagen 6">
+            <a:extLst>
+              <a:ext uri="{FF2B5EF4-FFF2-40B4-BE49-F238E27FC236}">
+                <a16:creationId xmlns:a16="http://schemas.microsoft.com/office/drawing/2014/main" id="{43FCAC8B-C4D3-E0B3-AFC2-F2AA9DB6007C}"/>
+              </a:ext>
+            </a:extLst>
+          </p:cNvPr>
+          <p:cNvPicPr>
+            <a:picLocks noChangeAspect="1"/>
+          </p:cNvPicPr>
+          <p:nvPr/>
+        </p:nvPicPr>
+        <p:blipFill>
+          <a:blip r:embed="rId3"/>
+          <a:stretch>
+            <a:fillRect/>
+          </a:stretch>
+        </p:blipFill>
+        <p:spPr>
+          <a:xfrm>
+            <a:off x="2328335" y="1567405"/>
+            <a:ext cx="7535327" cy="4553585"/>
+          </a:xfrm>
+          <a:prstGeom prst="rect">
+            <a:avLst/>
+          </a:prstGeom>
+        </p:spPr>
+      </p:pic>
+    </p:spTree>
+    <p:extLst>
+      <p:ext uri="{BB962C8B-B14F-4D97-AF65-F5344CB8AC3E}">
+        <p14:creationId xmlns:p14="http://schemas.microsoft.com/office/powerpoint/2010/main" val="2137622949"/>
+      </p:ext>
+    </p:extLst>
+  </p:cSld>
+  <p:clrMapOvr>
+    <a:masterClrMapping/>
+  </p:clrMapOvr>
+</p:sld>
+</file>
+
 <file path=ppt/slides/slide2.xml><?xml version="1.0" encoding="utf-8"?>
 <p:sld xmlns:a="http://schemas.openxmlformats.org/drawingml/2006/main" xmlns:r="http://schemas.openxmlformats.org/officeDocument/2006/relationships" xmlns:p="http://schemas.openxmlformats.org/presentationml/2006/main">
   <p:cSld>
@@ -3685,6 +7131,1010 @@
     <p:extLst>
       <p:ext uri="{BB962C8B-B14F-4D97-AF65-F5344CB8AC3E}">
         <p14:creationId xmlns:p14="http://schemas.microsoft.com/office/powerpoint/2010/main" val="2606092751"/>
+      </p:ext>
+    </p:extLst>
+  </p:cSld>
+  <p:clrMapOvr>
+    <a:masterClrMapping/>
+  </p:clrMapOvr>
+</p:sld>
+</file>
+
+<file path=ppt/slides/slide20.xml><?xml version="1.0" encoding="utf-8"?>
+<p:sld xmlns:a="http://schemas.openxmlformats.org/drawingml/2006/main" xmlns:r="http://schemas.openxmlformats.org/officeDocument/2006/relationships" xmlns:p="http://schemas.openxmlformats.org/presentationml/2006/main">
+  <p:cSld>
+    <p:bg>
+      <p:bgPr>
+        <a:solidFill>
+          <a:srgbClr val="0A215C"/>
+        </a:solidFill>
+        <a:effectLst/>
+      </p:bgPr>
+    </p:bg>
+    <p:spTree>
+      <p:nvGrpSpPr>
+        <p:cNvPr id="1" name=""/>
+        <p:cNvGrpSpPr/>
+        <p:nvPr/>
+      </p:nvGrpSpPr>
+      <p:grpSpPr>
+        <a:xfrm>
+          <a:off x="0" y="0"/>
+          <a:ext cx="0" cy="0"/>
+          <a:chOff x="0" y="0"/>
+          <a:chExt cx="0" cy="0"/>
+        </a:xfrm>
+      </p:grpSpPr>
+      <p:sp>
+        <p:nvSpPr>
+          <p:cNvPr id="2" name="CuadroTexto 1">
+            <a:extLst>
+              <a:ext uri="{FF2B5EF4-FFF2-40B4-BE49-F238E27FC236}">
+                <a16:creationId xmlns:a16="http://schemas.microsoft.com/office/drawing/2014/main" id="{19894B11-F0BF-7309-0115-C0EDB53851C8}"/>
+              </a:ext>
+            </a:extLst>
+          </p:cNvPr>
+          <p:cNvSpPr txBox="1"/>
+          <p:nvPr/>
+        </p:nvSpPr>
+        <p:spPr>
+          <a:xfrm>
+            <a:off x="0" y="285973"/>
+            <a:ext cx="12192000" cy="769441"/>
+          </a:xfrm>
+          <a:prstGeom prst="rect">
+            <a:avLst/>
+          </a:prstGeom>
+          <a:noFill/>
+        </p:spPr>
+        <p:txBody>
+          <a:bodyPr wrap="square" rtlCol="0">
+            <a:spAutoFit/>
+          </a:bodyPr>
+          <a:lstStyle/>
+          <a:p>
+            <a:pPr marL="0" marR="0" lvl="0" indent="0" algn="ctr" defTabSz="914400" rtl="0" eaLnBrk="1" fontAlgn="auto" latinLnBrk="0" hangingPunct="1">
+              <a:lnSpc>
+                <a:spcPct val="100000"/>
+              </a:lnSpc>
+              <a:spcBef>
+                <a:spcPts val="0"/>
+              </a:spcBef>
+              <a:spcAft>
+                <a:spcPts val="0"/>
+              </a:spcAft>
+              <a:buClrTx/>
+              <a:buSzTx/>
+              <a:buFontTx/>
+              <a:buNone/>
+              <a:tabLst/>
+              <a:defRPr/>
+            </a:pPr>
+            <a:r>
+              <a:rPr lang="es-ES" sz="4400" dirty="0">
+                <a:solidFill>
+                  <a:srgbClr val="FFCC00"/>
+                </a:solidFill>
+                <a:latin typeface="Orbitron" pitchFamily="2" charset="0"/>
+              </a:rPr>
+              <a:t>10</a:t>
+            </a:r>
+            <a:r>
+              <a:rPr kumimoji="0" lang="es-ES" sz="4400" b="0" i="0" u="none" strike="noStrike" kern="1200" cap="none" spc="0" normalizeH="0" baseline="0" noProof="0" dirty="0">
+                <a:ln>
+                  <a:noFill/>
+                </a:ln>
+                <a:solidFill>
+                  <a:srgbClr val="FFCC00"/>
+                </a:solidFill>
+                <a:effectLst/>
+                <a:uLnTx/>
+                <a:uFillTx/>
+                <a:latin typeface="Orbitron" pitchFamily="2" charset="0"/>
+                <a:ea typeface="+mn-ea"/>
+                <a:cs typeface="+mn-cs"/>
+              </a:rPr>
+              <a:t>. </a:t>
+            </a:r>
+            <a:r>
+              <a:rPr lang="es-ES" sz="4400" dirty="0">
+                <a:solidFill>
+                  <a:srgbClr val="FFCC00"/>
+                </a:solidFill>
+                <a:latin typeface="Orbitron" pitchFamily="2" charset="0"/>
+              </a:rPr>
+              <a:t>MANUAL DE USUARIO</a:t>
+            </a:r>
+            <a:endParaRPr kumimoji="0" lang="es-ES" sz="4400" b="0" i="0" u="none" strike="noStrike" kern="1200" cap="none" spc="0" normalizeH="0" baseline="0" noProof="0" dirty="0">
+              <a:ln>
+                <a:noFill/>
+              </a:ln>
+              <a:solidFill>
+                <a:srgbClr val="FFCC00"/>
+              </a:solidFill>
+              <a:effectLst/>
+              <a:uLnTx/>
+              <a:uFillTx/>
+              <a:latin typeface="Orbitron" pitchFamily="2" charset="0"/>
+              <a:ea typeface="+mn-ea"/>
+              <a:cs typeface="+mn-cs"/>
+            </a:endParaRPr>
+          </a:p>
+        </p:txBody>
+      </p:sp>
+      <p:pic>
+        <p:nvPicPr>
+          <p:cNvPr id="6" name="Imagen 5">
+            <a:extLst>
+              <a:ext uri="{FF2B5EF4-FFF2-40B4-BE49-F238E27FC236}">
+                <a16:creationId xmlns:a16="http://schemas.microsoft.com/office/drawing/2014/main" id="{8A1DCF7D-45F5-127F-2446-62B704D36A52}"/>
+              </a:ext>
+            </a:extLst>
+          </p:cNvPr>
+          <p:cNvPicPr>
+            <a:picLocks noChangeAspect="1"/>
+          </p:cNvPicPr>
+          <p:nvPr/>
+        </p:nvPicPr>
+        <p:blipFill>
+          <a:blip r:embed="rId2">
+            <a:extLst>
+              <a:ext uri="{28A0092B-C50C-407E-A947-70E740481C1C}">
+                <a14:useLocalDpi xmlns:a14="http://schemas.microsoft.com/office/drawing/2010/main" val="0"/>
+              </a:ext>
+            </a:extLst>
+          </a:blip>
+          <a:stretch>
+            <a:fillRect/>
+          </a:stretch>
+        </p:blipFill>
+        <p:spPr>
+          <a:xfrm>
+            <a:off x="9937630" y="5383981"/>
+            <a:ext cx="2584420" cy="1474019"/>
+          </a:xfrm>
+          <a:prstGeom prst="rect">
+            <a:avLst/>
+          </a:prstGeom>
+        </p:spPr>
+      </p:pic>
+      <p:sp>
+        <p:nvSpPr>
+          <p:cNvPr id="3" name="CuadroTexto 2">
+            <a:extLst>
+              <a:ext uri="{FF2B5EF4-FFF2-40B4-BE49-F238E27FC236}">
+                <a16:creationId xmlns:a16="http://schemas.microsoft.com/office/drawing/2014/main" id="{273D95A2-C4F8-9B06-5615-AC618A836C86}"/>
+              </a:ext>
+            </a:extLst>
+          </p:cNvPr>
+          <p:cNvSpPr txBox="1"/>
+          <p:nvPr/>
+        </p:nvSpPr>
+        <p:spPr>
+          <a:xfrm>
+            <a:off x="1824530" y="1055414"/>
+            <a:ext cx="8542939" cy="646331"/>
+          </a:xfrm>
+          <a:prstGeom prst="rect">
+            <a:avLst/>
+          </a:prstGeom>
+          <a:noFill/>
+        </p:spPr>
+        <p:txBody>
+          <a:bodyPr wrap="square" rtlCol="0">
+            <a:spAutoFit/>
+          </a:bodyPr>
+          <a:lstStyle/>
+          <a:p>
+            <a:pPr marL="0" marR="0" lvl="0" indent="0" algn="ctr" defTabSz="914400" rtl="0" eaLnBrk="1" fontAlgn="auto" latinLnBrk="0" hangingPunct="1">
+              <a:lnSpc>
+                <a:spcPct val="100000"/>
+              </a:lnSpc>
+              <a:spcBef>
+                <a:spcPts val="0"/>
+              </a:spcBef>
+              <a:spcAft>
+                <a:spcPts val="0"/>
+              </a:spcAft>
+              <a:buClrTx/>
+              <a:buSzTx/>
+              <a:buFontTx/>
+              <a:buNone/>
+              <a:tabLst/>
+              <a:defRPr/>
+            </a:pPr>
+            <a:r>
+              <a:rPr lang="es-ES" dirty="0">
+                <a:solidFill>
+                  <a:srgbClr val="FFCC00"/>
+                </a:solidFill>
+                <a:latin typeface="Orbitron" pitchFamily="2" charset="0"/>
+              </a:rPr>
+              <a:t>NUEVO ANUNCIO</a:t>
+            </a:r>
+            <a:endParaRPr kumimoji="0" lang="es-ES" sz="1800" b="0" i="0" u="none" strike="noStrike" kern="1200" cap="none" spc="0" normalizeH="0" baseline="0" noProof="0" dirty="0">
+              <a:ln>
+                <a:noFill/>
+              </a:ln>
+              <a:solidFill>
+                <a:srgbClr val="FFCC00"/>
+              </a:solidFill>
+              <a:effectLst/>
+              <a:uLnTx/>
+              <a:uFillTx/>
+              <a:latin typeface="Orbitron" pitchFamily="2" charset="0"/>
+              <a:ea typeface="+mn-ea"/>
+              <a:cs typeface="+mn-cs"/>
+            </a:endParaRPr>
+          </a:p>
+          <a:p>
+            <a:pPr marR="0" lvl="0" algn="l" defTabSz="914400" rtl="0" eaLnBrk="1" fontAlgn="auto" latinLnBrk="0" hangingPunct="1">
+              <a:lnSpc>
+                <a:spcPct val="100000"/>
+              </a:lnSpc>
+              <a:spcBef>
+                <a:spcPts val="0"/>
+              </a:spcBef>
+              <a:spcAft>
+                <a:spcPts val="0"/>
+              </a:spcAft>
+              <a:buClrTx/>
+              <a:buSzTx/>
+              <a:tabLst/>
+              <a:defRPr/>
+            </a:pPr>
+            <a:endParaRPr kumimoji="0" lang="es-ES" sz="1800" b="0" i="0" u="none" strike="noStrike" kern="1200" cap="none" spc="0" normalizeH="0" baseline="0" noProof="0" dirty="0">
+              <a:ln>
+                <a:noFill/>
+              </a:ln>
+              <a:solidFill>
+                <a:prstClr val="black"/>
+              </a:solidFill>
+              <a:effectLst/>
+              <a:uLnTx/>
+              <a:uFillTx/>
+              <a:latin typeface="Calibri" panose="020F0502020204030204"/>
+              <a:ea typeface="+mn-ea"/>
+              <a:cs typeface="+mn-cs"/>
+            </a:endParaRPr>
+          </a:p>
+        </p:txBody>
+      </p:sp>
+      <p:pic>
+        <p:nvPicPr>
+          <p:cNvPr id="5" name="Imagen 4">
+            <a:extLst>
+              <a:ext uri="{FF2B5EF4-FFF2-40B4-BE49-F238E27FC236}">
+                <a16:creationId xmlns:a16="http://schemas.microsoft.com/office/drawing/2014/main" id="{2AC625FA-520F-D622-69A5-B36E99023AD6}"/>
+              </a:ext>
+            </a:extLst>
+          </p:cNvPr>
+          <p:cNvPicPr>
+            <a:picLocks noChangeAspect="1"/>
+          </p:cNvPicPr>
+          <p:nvPr/>
+        </p:nvPicPr>
+        <p:blipFill>
+          <a:blip r:embed="rId3"/>
+          <a:stretch>
+            <a:fillRect/>
+          </a:stretch>
+        </p:blipFill>
+        <p:spPr>
+          <a:xfrm>
+            <a:off x="4209313" y="1407222"/>
+            <a:ext cx="3773374" cy="5164805"/>
+          </a:xfrm>
+          <a:prstGeom prst="rect">
+            <a:avLst/>
+          </a:prstGeom>
+        </p:spPr>
+      </p:pic>
+    </p:spTree>
+    <p:extLst>
+      <p:ext uri="{BB962C8B-B14F-4D97-AF65-F5344CB8AC3E}">
+        <p14:creationId xmlns:p14="http://schemas.microsoft.com/office/powerpoint/2010/main" val="1567848378"/>
+      </p:ext>
+    </p:extLst>
+  </p:cSld>
+  <p:clrMapOvr>
+    <a:masterClrMapping/>
+  </p:clrMapOvr>
+</p:sld>
+</file>
+
+<file path=ppt/slides/slide21.xml><?xml version="1.0" encoding="utf-8"?>
+<p:sld xmlns:a="http://schemas.openxmlformats.org/drawingml/2006/main" xmlns:r="http://schemas.openxmlformats.org/officeDocument/2006/relationships" xmlns:p="http://schemas.openxmlformats.org/presentationml/2006/main">
+  <p:cSld>
+    <p:bg>
+      <p:bgPr>
+        <a:solidFill>
+          <a:srgbClr val="0A215C"/>
+        </a:solidFill>
+        <a:effectLst/>
+      </p:bgPr>
+    </p:bg>
+    <p:spTree>
+      <p:nvGrpSpPr>
+        <p:cNvPr id="1" name=""/>
+        <p:cNvGrpSpPr/>
+        <p:nvPr/>
+      </p:nvGrpSpPr>
+      <p:grpSpPr>
+        <a:xfrm>
+          <a:off x="0" y="0"/>
+          <a:ext cx="0" cy="0"/>
+          <a:chOff x="0" y="0"/>
+          <a:chExt cx="0" cy="0"/>
+        </a:xfrm>
+      </p:grpSpPr>
+      <p:sp>
+        <p:nvSpPr>
+          <p:cNvPr id="2" name="CuadroTexto 1">
+            <a:extLst>
+              <a:ext uri="{FF2B5EF4-FFF2-40B4-BE49-F238E27FC236}">
+                <a16:creationId xmlns:a16="http://schemas.microsoft.com/office/drawing/2014/main" id="{19894B11-F0BF-7309-0115-C0EDB53851C8}"/>
+              </a:ext>
+            </a:extLst>
+          </p:cNvPr>
+          <p:cNvSpPr txBox="1"/>
+          <p:nvPr/>
+        </p:nvSpPr>
+        <p:spPr>
+          <a:xfrm>
+            <a:off x="0" y="285973"/>
+            <a:ext cx="12192000" cy="769441"/>
+          </a:xfrm>
+          <a:prstGeom prst="rect">
+            <a:avLst/>
+          </a:prstGeom>
+          <a:noFill/>
+        </p:spPr>
+        <p:txBody>
+          <a:bodyPr wrap="square" rtlCol="0">
+            <a:spAutoFit/>
+          </a:bodyPr>
+          <a:lstStyle/>
+          <a:p>
+            <a:pPr marL="0" marR="0" lvl="0" indent="0" algn="ctr" defTabSz="914400" rtl="0" eaLnBrk="1" fontAlgn="auto" latinLnBrk="0" hangingPunct="1">
+              <a:lnSpc>
+                <a:spcPct val="100000"/>
+              </a:lnSpc>
+              <a:spcBef>
+                <a:spcPts val="0"/>
+              </a:spcBef>
+              <a:spcAft>
+                <a:spcPts val="0"/>
+              </a:spcAft>
+              <a:buClrTx/>
+              <a:buSzTx/>
+              <a:buFontTx/>
+              <a:buNone/>
+              <a:tabLst/>
+              <a:defRPr/>
+            </a:pPr>
+            <a:r>
+              <a:rPr lang="es-ES" sz="4400" dirty="0">
+                <a:solidFill>
+                  <a:srgbClr val="FFCC00"/>
+                </a:solidFill>
+                <a:latin typeface="Orbitron" pitchFamily="2" charset="0"/>
+              </a:rPr>
+              <a:t>10</a:t>
+            </a:r>
+            <a:r>
+              <a:rPr kumimoji="0" lang="es-ES" sz="4400" b="0" i="0" u="none" strike="noStrike" kern="1200" cap="none" spc="0" normalizeH="0" baseline="0" noProof="0" dirty="0">
+                <a:ln>
+                  <a:noFill/>
+                </a:ln>
+                <a:solidFill>
+                  <a:srgbClr val="FFCC00"/>
+                </a:solidFill>
+                <a:effectLst/>
+                <a:uLnTx/>
+                <a:uFillTx/>
+                <a:latin typeface="Orbitron" pitchFamily="2" charset="0"/>
+                <a:ea typeface="+mn-ea"/>
+                <a:cs typeface="+mn-cs"/>
+              </a:rPr>
+              <a:t>. </a:t>
+            </a:r>
+            <a:r>
+              <a:rPr lang="es-ES" sz="4400" dirty="0">
+                <a:solidFill>
+                  <a:srgbClr val="FFCC00"/>
+                </a:solidFill>
+                <a:latin typeface="Orbitron" pitchFamily="2" charset="0"/>
+              </a:rPr>
+              <a:t>MANUAL DE USUARIO</a:t>
+            </a:r>
+            <a:endParaRPr kumimoji="0" lang="es-ES" sz="4400" b="0" i="0" u="none" strike="noStrike" kern="1200" cap="none" spc="0" normalizeH="0" baseline="0" noProof="0" dirty="0">
+              <a:ln>
+                <a:noFill/>
+              </a:ln>
+              <a:solidFill>
+                <a:srgbClr val="FFCC00"/>
+              </a:solidFill>
+              <a:effectLst/>
+              <a:uLnTx/>
+              <a:uFillTx/>
+              <a:latin typeface="Orbitron" pitchFamily="2" charset="0"/>
+              <a:ea typeface="+mn-ea"/>
+              <a:cs typeface="+mn-cs"/>
+            </a:endParaRPr>
+          </a:p>
+        </p:txBody>
+      </p:sp>
+      <p:pic>
+        <p:nvPicPr>
+          <p:cNvPr id="6" name="Imagen 5">
+            <a:extLst>
+              <a:ext uri="{FF2B5EF4-FFF2-40B4-BE49-F238E27FC236}">
+                <a16:creationId xmlns:a16="http://schemas.microsoft.com/office/drawing/2014/main" id="{8A1DCF7D-45F5-127F-2446-62B704D36A52}"/>
+              </a:ext>
+            </a:extLst>
+          </p:cNvPr>
+          <p:cNvPicPr>
+            <a:picLocks noChangeAspect="1"/>
+          </p:cNvPicPr>
+          <p:nvPr/>
+        </p:nvPicPr>
+        <p:blipFill>
+          <a:blip r:embed="rId2">
+            <a:extLst>
+              <a:ext uri="{28A0092B-C50C-407E-A947-70E740481C1C}">
+                <a14:useLocalDpi xmlns:a14="http://schemas.microsoft.com/office/drawing/2010/main" val="0"/>
+              </a:ext>
+            </a:extLst>
+          </a:blip>
+          <a:stretch>
+            <a:fillRect/>
+          </a:stretch>
+        </p:blipFill>
+        <p:spPr>
+          <a:xfrm>
+            <a:off x="9937630" y="5383981"/>
+            <a:ext cx="2584420" cy="1474019"/>
+          </a:xfrm>
+          <a:prstGeom prst="rect">
+            <a:avLst/>
+          </a:prstGeom>
+        </p:spPr>
+      </p:pic>
+      <p:sp>
+        <p:nvSpPr>
+          <p:cNvPr id="3" name="CuadroTexto 2">
+            <a:extLst>
+              <a:ext uri="{FF2B5EF4-FFF2-40B4-BE49-F238E27FC236}">
+                <a16:creationId xmlns:a16="http://schemas.microsoft.com/office/drawing/2014/main" id="{273D95A2-C4F8-9B06-5615-AC618A836C86}"/>
+              </a:ext>
+            </a:extLst>
+          </p:cNvPr>
+          <p:cNvSpPr txBox="1"/>
+          <p:nvPr/>
+        </p:nvSpPr>
+        <p:spPr>
+          <a:xfrm>
+            <a:off x="1824530" y="1055414"/>
+            <a:ext cx="8542939" cy="646331"/>
+          </a:xfrm>
+          <a:prstGeom prst="rect">
+            <a:avLst/>
+          </a:prstGeom>
+          <a:noFill/>
+        </p:spPr>
+        <p:txBody>
+          <a:bodyPr wrap="square" rtlCol="0">
+            <a:spAutoFit/>
+          </a:bodyPr>
+          <a:lstStyle/>
+          <a:p>
+            <a:pPr marL="0" marR="0" lvl="0" indent="0" algn="ctr" defTabSz="914400" rtl="0" eaLnBrk="1" fontAlgn="auto" latinLnBrk="0" hangingPunct="1">
+              <a:lnSpc>
+                <a:spcPct val="100000"/>
+              </a:lnSpc>
+              <a:spcBef>
+                <a:spcPts val="0"/>
+              </a:spcBef>
+              <a:spcAft>
+                <a:spcPts val="0"/>
+              </a:spcAft>
+              <a:buClrTx/>
+              <a:buSzTx/>
+              <a:buFontTx/>
+              <a:buNone/>
+              <a:tabLst/>
+              <a:defRPr/>
+            </a:pPr>
+            <a:r>
+              <a:rPr lang="es-ES" dirty="0">
+                <a:solidFill>
+                  <a:srgbClr val="FFCC00"/>
+                </a:solidFill>
+                <a:latin typeface="Orbitron" pitchFamily="2" charset="0"/>
+              </a:rPr>
+              <a:t>NUEVO ANUNCIO</a:t>
+            </a:r>
+            <a:endParaRPr kumimoji="0" lang="es-ES" sz="1800" b="0" i="0" u="none" strike="noStrike" kern="1200" cap="none" spc="0" normalizeH="0" baseline="0" noProof="0" dirty="0">
+              <a:ln>
+                <a:noFill/>
+              </a:ln>
+              <a:solidFill>
+                <a:srgbClr val="FFCC00"/>
+              </a:solidFill>
+              <a:effectLst/>
+              <a:uLnTx/>
+              <a:uFillTx/>
+              <a:latin typeface="Orbitron" pitchFamily="2" charset="0"/>
+              <a:ea typeface="+mn-ea"/>
+              <a:cs typeface="+mn-cs"/>
+            </a:endParaRPr>
+          </a:p>
+          <a:p>
+            <a:pPr marR="0" lvl="0" algn="l" defTabSz="914400" rtl="0" eaLnBrk="1" fontAlgn="auto" latinLnBrk="0" hangingPunct="1">
+              <a:lnSpc>
+                <a:spcPct val="100000"/>
+              </a:lnSpc>
+              <a:spcBef>
+                <a:spcPts val="0"/>
+              </a:spcBef>
+              <a:spcAft>
+                <a:spcPts val="0"/>
+              </a:spcAft>
+              <a:buClrTx/>
+              <a:buSzTx/>
+              <a:tabLst/>
+              <a:defRPr/>
+            </a:pPr>
+            <a:endParaRPr kumimoji="0" lang="es-ES" sz="1800" b="0" i="0" u="none" strike="noStrike" kern="1200" cap="none" spc="0" normalizeH="0" baseline="0" noProof="0" dirty="0">
+              <a:ln>
+                <a:noFill/>
+              </a:ln>
+              <a:solidFill>
+                <a:prstClr val="black"/>
+              </a:solidFill>
+              <a:effectLst/>
+              <a:uLnTx/>
+              <a:uFillTx/>
+              <a:latin typeface="Calibri" panose="020F0502020204030204"/>
+              <a:ea typeface="+mn-ea"/>
+              <a:cs typeface="+mn-cs"/>
+            </a:endParaRPr>
+          </a:p>
+        </p:txBody>
+      </p:sp>
+      <p:pic>
+        <p:nvPicPr>
+          <p:cNvPr id="7" name="Imagen 6">
+            <a:extLst>
+              <a:ext uri="{FF2B5EF4-FFF2-40B4-BE49-F238E27FC236}">
+                <a16:creationId xmlns:a16="http://schemas.microsoft.com/office/drawing/2014/main" id="{8E7C4351-1AD6-DDDE-773C-5498957DF320}"/>
+              </a:ext>
+            </a:extLst>
+          </p:cNvPr>
+          <p:cNvPicPr>
+            <a:picLocks noChangeAspect="1"/>
+          </p:cNvPicPr>
+          <p:nvPr/>
+        </p:nvPicPr>
+        <p:blipFill>
+          <a:blip r:embed="rId3"/>
+          <a:stretch>
+            <a:fillRect/>
+          </a:stretch>
+        </p:blipFill>
+        <p:spPr>
+          <a:xfrm>
+            <a:off x="4322033" y="1635145"/>
+            <a:ext cx="3547933" cy="4837380"/>
+          </a:xfrm>
+          <a:prstGeom prst="rect">
+            <a:avLst/>
+          </a:prstGeom>
+        </p:spPr>
+      </p:pic>
+    </p:spTree>
+    <p:extLst>
+      <p:ext uri="{BB962C8B-B14F-4D97-AF65-F5344CB8AC3E}">
+        <p14:creationId xmlns:p14="http://schemas.microsoft.com/office/powerpoint/2010/main" val="2033242037"/>
+      </p:ext>
+    </p:extLst>
+  </p:cSld>
+  <p:clrMapOvr>
+    <a:masterClrMapping/>
+  </p:clrMapOvr>
+</p:sld>
+</file>
+
+<file path=ppt/slides/slide22.xml><?xml version="1.0" encoding="utf-8"?>
+<p:sld xmlns:a="http://schemas.openxmlformats.org/drawingml/2006/main" xmlns:r="http://schemas.openxmlformats.org/officeDocument/2006/relationships" xmlns:p="http://schemas.openxmlformats.org/presentationml/2006/main">
+  <p:cSld>
+    <p:bg>
+      <p:bgPr>
+        <a:solidFill>
+          <a:srgbClr val="0A215C"/>
+        </a:solidFill>
+        <a:effectLst/>
+      </p:bgPr>
+    </p:bg>
+    <p:spTree>
+      <p:nvGrpSpPr>
+        <p:cNvPr id="1" name=""/>
+        <p:cNvGrpSpPr/>
+        <p:nvPr/>
+      </p:nvGrpSpPr>
+      <p:grpSpPr>
+        <a:xfrm>
+          <a:off x="0" y="0"/>
+          <a:ext cx="0" cy="0"/>
+          <a:chOff x="0" y="0"/>
+          <a:chExt cx="0" cy="0"/>
+        </a:xfrm>
+      </p:grpSpPr>
+      <p:sp>
+        <p:nvSpPr>
+          <p:cNvPr id="2" name="CuadroTexto 1">
+            <a:extLst>
+              <a:ext uri="{FF2B5EF4-FFF2-40B4-BE49-F238E27FC236}">
+                <a16:creationId xmlns:a16="http://schemas.microsoft.com/office/drawing/2014/main" id="{19894B11-F0BF-7309-0115-C0EDB53851C8}"/>
+              </a:ext>
+            </a:extLst>
+          </p:cNvPr>
+          <p:cNvSpPr txBox="1"/>
+          <p:nvPr/>
+        </p:nvSpPr>
+        <p:spPr>
+          <a:xfrm>
+            <a:off x="0" y="285973"/>
+            <a:ext cx="12192000" cy="769441"/>
+          </a:xfrm>
+          <a:prstGeom prst="rect">
+            <a:avLst/>
+          </a:prstGeom>
+          <a:noFill/>
+        </p:spPr>
+        <p:txBody>
+          <a:bodyPr wrap="square" rtlCol="0">
+            <a:spAutoFit/>
+          </a:bodyPr>
+          <a:lstStyle/>
+          <a:p>
+            <a:pPr marL="0" marR="0" lvl="0" indent="0" algn="ctr" defTabSz="914400" rtl="0" eaLnBrk="1" fontAlgn="auto" latinLnBrk="0" hangingPunct="1">
+              <a:lnSpc>
+                <a:spcPct val="100000"/>
+              </a:lnSpc>
+              <a:spcBef>
+                <a:spcPts val="0"/>
+              </a:spcBef>
+              <a:spcAft>
+                <a:spcPts val="0"/>
+              </a:spcAft>
+              <a:buClrTx/>
+              <a:buSzTx/>
+              <a:buFontTx/>
+              <a:buNone/>
+              <a:tabLst/>
+              <a:defRPr/>
+            </a:pPr>
+            <a:r>
+              <a:rPr kumimoji="0" lang="es-ES" sz="4400" b="0" i="0" u="none" strike="noStrike" kern="1200" cap="none" spc="0" normalizeH="0" baseline="0" noProof="0" dirty="0">
+                <a:ln>
+                  <a:noFill/>
+                </a:ln>
+                <a:solidFill>
+                  <a:srgbClr val="FFCC00"/>
+                </a:solidFill>
+                <a:effectLst/>
+                <a:uLnTx/>
+                <a:uFillTx/>
+                <a:latin typeface="Orbitron" pitchFamily="2" charset="0"/>
+                <a:ea typeface="+mn-ea"/>
+                <a:cs typeface="+mn-cs"/>
+              </a:rPr>
+              <a:t>11. CONCLUSIONES</a:t>
+            </a:r>
+          </a:p>
+        </p:txBody>
+      </p:sp>
+      <p:pic>
+        <p:nvPicPr>
+          <p:cNvPr id="6" name="Imagen 5">
+            <a:extLst>
+              <a:ext uri="{FF2B5EF4-FFF2-40B4-BE49-F238E27FC236}">
+                <a16:creationId xmlns:a16="http://schemas.microsoft.com/office/drawing/2014/main" id="{8A1DCF7D-45F5-127F-2446-62B704D36A52}"/>
+              </a:ext>
+            </a:extLst>
+          </p:cNvPr>
+          <p:cNvPicPr>
+            <a:picLocks noChangeAspect="1"/>
+          </p:cNvPicPr>
+          <p:nvPr/>
+        </p:nvPicPr>
+        <p:blipFill>
+          <a:blip r:embed="rId2">
+            <a:extLst>
+              <a:ext uri="{28A0092B-C50C-407E-A947-70E740481C1C}">
+                <a14:useLocalDpi xmlns:a14="http://schemas.microsoft.com/office/drawing/2010/main" val="0"/>
+              </a:ext>
+            </a:extLst>
+          </a:blip>
+          <a:stretch>
+            <a:fillRect/>
+          </a:stretch>
+        </p:blipFill>
+        <p:spPr>
+          <a:xfrm>
+            <a:off x="9937630" y="5383981"/>
+            <a:ext cx="2584420" cy="1474019"/>
+          </a:xfrm>
+          <a:prstGeom prst="rect">
+            <a:avLst/>
+          </a:prstGeom>
+        </p:spPr>
+      </p:pic>
+      <p:sp>
+        <p:nvSpPr>
+          <p:cNvPr id="3" name="CuadroTexto 2">
+            <a:extLst>
+              <a:ext uri="{FF2B5EF4-FFF2-40B4-BE49-F238E27FC236}">
+                <a16:creationId xmlns:a16="http://schemas.microsoft.com/office/drawing/2014/main" id="{273D95A2-C4F8-9B06-5615-AC618A836C86}"/>
+              </a:ext>
+            </a:extLst>
+          </p:cNvPr>
+          <p:cNvSpPr txBox="1"/>
+          <p:nvPr/>
+        </p:nvSpPr>
+        <p:spPr>
+          <a:xfrm>
+            <a:off x="1824530" y="1419096"/>
+            <a:ext cx="8542939" cy="2031325"/>
+          </a:xfrm>
+          <a:prstGeom prst="rect">
+            <a:avLst/>
+          </a:prstGeom>
+          <a:noFill/>
+        </p:spPr>
+        <p:txBody>
+          <a:bodyPr wrap="square" rtlCol="0">
+            <a:spAutoFit/>
+          </a:bodyPr>
+          <a:lstStyle/>
+          <a:p>
+            <a:pPr marL="0" marR="0" lvl="0" indent="0" algn="ctr" defTabSz="914400" rtl="0" eaLnBrk="1" fontAlgn="auto" latinLnBrk="0" hangingPunct="1">
+              <a:lnSpc>
+                <a:spcPct val="100000"/>
+              </a:lnSpc>
+              <a:spcBef>
+                <a:spcPts val="0"/>
+              </a:spcBef>
+              <a:spcAft>
+                <a:spcPts val="0"/>
+              </a:spcAft>
+              <a:buClrTx/>
+              <a:buSzTx/>
+              <a:buFontTx/>
+              <a:buNone/>
+              <a:tabLst/>
+              <a:defRPr/>
+            </a:pPr>
+            <a:endParaRPr kumimoji="0" lang="es-ES" sz="1800" b="0" i="0" u="none" strike="noStrike" kern="1200" cap="none" spc="0" normalizeH="0" baseline="0" noProof="0" dirty="0">
+              <a:ln>
+                <a:noFill/>
+              </a:ln>
+              <a:solidFill>
+                <a:srgbClr val="FFCC00"/>
+              </a:solidFill>
+              <a:effectLst/>
+              <a:uLnTx/>
+              <a:uFillTx/>
+              <a:latin typeface="Orbitron" pitchFamily="2" charset="0"/>
+              <a:ea typeface="+mn-ea"/>
+              <a:cs typeface="+mn-cs"/>
+            </a:endParaRPr>
+          </a:p>
+          <a:p>
+            <a:pPr marL="342900" marR="0" lvl="0" indent="-342900" algn="l" defTabSz="914400" rtl="0" eaLnBrk="1" fontAlgn="auto" latinLnBrk="0" hangingPunct="1">
+              <a:lnSpc>
+                <a:spcPct val="100000"/>
+              </a:lnSpc>
+              <a:spcBef>
+                <a:spcPts val="0"/>
+              </a:spcBef>
+              <a:spcAft>
+                <a:spcPts val="0"/>
+              </a:spcAft>
+              <a:buClrTx/>
+              <a:buSzTx/>
+              <a:buFont typeface="+mj-lt"/>
+              <a:buAutoNum type="arabicPeriod"/>
+              <a:tabLst/>
+              <a:defRPr/>
+            </a:pPr>
+            <a:r>
+              <a:rPr kumimoji="0" lang="es-ES" sz="1800" b="0" i="0" u="none" strike="noStrike" kern="1200" cap="none" spc="0" normalizeH="0" baseline="0" noProof="0" dirty="0">
+                <a:ln>
+                  <a:noFill/>
+                </a:ln>
+                <a:solidFill>
+                  <a:prstClr val="black"/>
+                </a:solidFill>
+                <a:effectLst/>
+                <a:uLnTx/>
+                <a:uFillTx/>
+                <a:latin typeface="Calibri" panose="020F0502020204030204"/>
+                <a:ea typeface="+mn-ea"/>
+                <a:cs typeface="+mn-cs"/>
+              </a:rPr>
+              <a:t>Aprendizaje.</a:t>
+            </a:r>
+          </a:p>
+          <a:p>
+            <a:pPr marL="342900" marR="0" lvl="0" indent="-342900" algn="l" defTabSz="914400" rtl="0" eaLnBrk="1" fontAlgn="auto" latinLnBrk="0" hangingPunct="1">
+              <a:lnSpc>
+                <a:spcPct val="100000"/>
+              </a:lnSpc>
+              <a:spcBef>
+                <a:spcPts val="0"/>
+              </a:spcBef>
+              <a:spcAft>
+                <a:spcPts val="0"/>
+              </a:spcAft>
+              <a:buClrTx/>
+              <a:buSzTx/>
+              <a:buFont typeface="+mj-lt"/>
+              <a:buAutoNum type="arabicPeriod"/>
+              <a:tabLst/>
+              <a:defRPr/>
+            </a:pPr>
+            <a:r>
+              <a:rPr lang="es-ES" dirty="0">
+                <a:solidFill>
+                  <a:prstClr val="black"/>
+                </a:solidFill>
+                <a:latin typeface="Calibri" panose="020F0502020204030204"/>
+              </a:rPr>
+              <a:t>Función de la plataforma.</a:t>
+            </a:r>
+          </a:p>
+          <a:p>
+            <a:pPr marL="342900" marR="0" lvl="0" indent="-342900" algn="l" defTabSz="914400" rtl="0" eaLnBrk="1" fontAlgn="auto" latinLnBrk="0" hangingPunct="1">
+              <a:lnSpc>
+                <a:spcPct val="100000"/>
+              </a:lnSpc>
+              <a:spcBef>
+                <a:spcPts val="0"/>
+              </a:spcBef>
+              <a:spcAft>
+                <a:spcPts val="0"/>
+              </a:spcAft>
+              <a:buClrTx/>
+              <a:buSzTx/>
+              <a:buFont typeface="+mj-lt"/>
+              <a:buAutoNum type="arabicPeriod"/>
+              <a:tabLst/>
+              <a:defRPr/>
+            </a:pPr>
+            <a:r>
+              <a:rPr kumimoji="0" lang="es-ES" sz="1800" b="0" i="0" u="none" strike="noStrike" kern="1200" cap="none" spc="0" normalizeH="0" baseline="0" noProof="0" dirty="0">
+                <a:ln>
+                  <a:noFill/>
+                </a:ln>
+                <a:solidFill>
+                  <a:prstClr val="black"/>
+                </a:solidFill>
+                <a:effectLst/>
+                <a:uLnTx/>
+                <a:uFillTx/>
+                <a:latin typeface="Calibri" panose="020F0502020204030204"/>
+                <a:ea typeface="+mn-ea"/>
+                <a:cs typeface="+mn-cs"/>
+              </a:rPr>
+              <a:t>Dinamismo</a:t>
+            </a:r>
+          </a:p>
+          <a:p>
+            <a:pPr marL="342900" marR="0" lvl="0" indent="-342900" algn="l" defTabSz="914400" rtl="0" eaLnBrk="1" fontAlgn="auto" latinLnBrk="0" hangingPunct="1">
+              <a:lnSpc>
+                <a:spcPct val="100000"/>
+              </a:lnSpc>
+              <a:spcBef>
+                <a:spcPts val="0"/>
+              </a:spcBef>
+              <a:spcAft>
+                <a:spcPts val="0"/>
+              </a:spcAft>
+              <a:buClrTx/>
+              <a:buSzTx/>
+              <a:buFont typeface="+mj-lt"/>
+              <a:buAutoNum type="arabicPeriod"/>
+              <a:tabLst/>
+              <a:defRPr/>
+            </a:pPr>
+            <a:r>
+              <a:rPr lang="es-ES" dirty="0">
+                <a:solidFill>
+                  <a:prstClr val="black"/>
+                </a:solidFill>
+                <a:latin typeface="Calibri" panose="020F0502020204030204"/>
+              </a:rPr>
+              <a:t>Utilización de metodologías de trabajo ágil (Sprint)</a:t>
+            </a:r>
+          </a:p>
+          <a:p>
+            <a:pPr marL="342900" marR="0" lvl="0" indent="-342900" algn="l" defTabSz="914400" rtl="0" eaLnBrk="1" fontAlgn="auto" latinLnBrk="0" hangingPunct="1">
+              <a:lnSpc>
+                <a:spcPct val="100000"/>
+              </a:lnSpc>
+              <a:spcBef>
+                <a:spcPts val="0"/>
+              </a:spcBef>
+              <a:spcAft>
+                <a:spcPts val="0"/>
+              </a:spcAft>
+              <a:buClrTx/>
+              <a:buSzTx/>
+              <a:buFont typeface="+mj-lt"/>
+              <a:buAutoNum type="arabicPeriod"/>
+              <a:tabLst/>
+              <a:defRPr/>
+            </a:pPr>
+            <a:r>
+              <a:rPr kumimoji="0" lang="es-ES" sz="1800" b="0" i="0" u="none" strike="noStrike" kern="1200" cap="none" spc="0" normalizeH="0" baseline="0" noProof="0" dirty="0">
+                <a:ln>
+                  <a:noFill/>
+                </a:ln>
+                <a:solidFill>
+                  <a:prstClr val="black"/>
+                </a:solidFill>
+                <a:effectLst/>
+                <a:uLnTx/>
+                <a:uFillTx/>
+                <a:latin typeface="Calibri" panose="020F0502020204030204"/>
+                <a:ea typeface="+mn-ea"/>
+                <a:cs typeface="+mn-cs"/>
+              </a:rPr>
+              <a:t>Futuro</a:t>
+            </a:r>
+          </a:p>
+          <a:p>
+            <a:pPr marL="0" marR="0" lvl="0" indent="0" algn="l" defTabSz="914400" rtl="0" eaLnBrk="1" fontAlgn="auto" latinLnBrk="0" hangingPunct="1">
+              <a:lnSpc>
+                <a:spcPct val="100000"/>
+              </a:lnSpc>
+              <a:spcBef>
+                <a:spcPts val="0"/>
+              </a:spcBef>
+              <a:spcAft>
+                <a:spcPts val="0"/>
+              </a:spcAft>
+              <a:buClrTx/>
+              <a:buSzTx/>
+              <a:buFontTx/>
+              <a:buNone/>
+              <a:tabLst/>
+              <a:defRPr/>
+            </a:pPr>
+            <a:endParaRPr kumimoji="0" lang="es-ES" sz="1800" b="0" i="0" u="none" strike="noStrike" kern="1200" cap="none" spc="0" normalizeH="0" baseline="0" noProof="0" dirty="0">
+              <a:ln>
+                <a:noFill/>
+              </a:ln>
+              <a:solidFill>
+                <a:prstClr val="black"/>
+              </a:solidFill>
+              <a:effectLst/>
+              <a:uLnTx/>
+              <a:uFillTx/>
+              <a:latin typeface="Calibri" panose="020F0502020204030204"/>
+              <a:ea typeface="+mn-ea"/>
+              <a:cs typeface="+mn-cs"/>
+            </a:endParaRPr>
+          </a:p>
+        </p:txBody>
+      </p:sp>
+    </p:spTree>
+    <p:extLst>
+      <p:ext uri="{BB962C8B-B14F-4D97-AF65-F5344CB8AC3E}">
+        <p14:creationId xmlns:p14="http://schemas.microsoft.com/office/powerpoint/2010/main" val="3379617290"/>
       </p:ext>
     </p:extLst>
   </p:cSld>
@@ -4346,6 +8796,1768 @@
     <p:extLst>
       <p:ext uri="{BB962C8B-B14F-4D97-AF65-F5344CB8AC3E}">
         <p14:creationId xmlns:p14="http://schemas.microsoft.com/office/powerpoint/2010/main" val="959838408"/>
+      </p:ext>
+    </p:extLst>
+  </p:cSld>
+  <p:clrMapOvr>
+    <a:masterClrMapping/>
+  </p:clrMapOvr>
+</p:sld>
+</file>
+
+<file path=ppt/slides/slide5.xml><?xml version="1.0" encoding="utf-8"?>
+<p:sld xmlns:a="http://schemas.openxmlformats.org/drawingml/2006/main" xmlns:r="http://schemas.openxmlformats.org/officeDocument/2006/relationships" xmlns:p="http://schemas.openxmlformats.org/presentationml/2006/main">
+  <p:cSld>
+    <p:bg>
+      <p:bgPr>
+        <a:solidFill>
+          <a:srgbClr val="0A215C"/>
+        </a:solidFill>
+        <a:effectLst/>
+      </p:bgPr>
+    </p:bg>
+    <p:spTree>
+      <p:nvGrpSpPr>
+        <p:cNvPr id="1" name=""/>
+        <p:cNvGrpSpPr/>
+        <p:nvPr/>
+      </p:nvGrpSpPr>
+      <p:grpSpPr>
+        <a:xfrm>
+          <a:off x="0" y="0"/>
+          <a:ext cx="0" cy="0"/>
+          <a:chOff x="0" y="0"/>
+          <a:chExt cx="0" cy="0"/>
+        </a:xfrm>
+      </p:grpSpPr>
+      <p:sp>
+        <p:nvSpPr>
+          <p:cNvPr id="2" name="Título 1">
+            <a:extLst>
+              <a:ext uri="{FF2B5EF4-FFF2-40B4-BE49-F238E27FC236}">
+                <a16:creationId xmlns:a16="http://schemas.microsoft.com/office/drawing/2014/main" id="{8AE99468-7DC2-566B-7507-5805E65F71B7}"/>
+              </a:ext>
+            </a:extLst>
+          </p:cNvPr>
+          <p:cNvSpPr>
+            <a:spLocks noGrp="1"/>
+          </p:cNvSpPr>
+          <p:nvPr>
+            <p:ph type="title"/>
+          </p:nvPr>
+        </p:nvSpPr>
+        <p:spPr>
+          <a:xfrm>
+            <a:off x="0" y="1"/>
+            <a:ext cx="12192000" cy="1124124"/>
+          </a:xfrm>
+        </p:spPr>
+        <p:txBody>
+          <a:bodyPr>
+            <a:normAutofit fontScale="90000"/>
+          </a:bodyPr>
+          <a:lstStyle/>
+          <a:p>
+            <a:pPr algn="ctr"/>
+            <a:r>
+              <a:rPr lang="es-ES" sz="2700" dirty="0">
+                <a:solidFill>
+                  <a:srgbClr val="FFCC00"/>
+                </a:solidFill>
+                <a:latin typeface="Orbitron"/>
+              </a:rPr>
+              <a:t>4 DOCUMENTACIÓN TÉCNICA – ARQUITECTURA Y ESTRUCTURA</a:t>
+            </a:r>
+            <a:br>
+              <a:rPr lang="es-ES" sz="4400" dirty="0">
+                <a:solidFill>
+                  <a:srgbClr val="FFCC00"/>
+                </a:solidFill>
+                <a:latin typeface="Orbitron"/>
+              </a:rPr>
+            </a:br>
+            <a:endParaRPr lang="es-ES" dirty="0"/>
+          </a:p>
+        </p:txBody>
+      </p:sp>
+      <p:sp>
+        <p:nvSpPr>
+          <p:cNvPr id="3" name="Marcador de contenido 2">
+            <a:extLst>
+              <a:ext uri="{FF2B5EF4-FFF2-40B4-BE49-F238E27FC236}">
+                <a16:creationId xmlns:a16="http://schemas.microsoft.com/office/drawing/2014/main" id="{D05C99B9-7673-3C50-E288-F082B4E61796}"/>
+              </a:ext>
+            </a:extLst>
+          </p:cNvPr>
+          <p:cNvSpPr>
+            <a:spLocks noGrp="1"/>
+          </p:cNvSpPr>
+          <p:nvPr>
+            <p:ph sz="half" idx="1"/>
+          </p:nvPr>
+        </p:nvSpPr>
+        <p:spPr/>
+        <p:txBody>
+          <a:bodyPr/>
+          <a:lstStyle/>
+          <a:p>
+            <a:pPr marL="0" indent="0" algn="ctr">
+              <a:buNone/>
+            </a:pPr>
+            <a:r>
+              <a:rPr lang="es-ES" dirty="0">
+                <a:solidFill>
+                  <a:srgbClr val="FFCC00"/>
+                </a:solidFill>
+                <a:latin typeface="Orbitron" pitchFamily="2" charset="0"/>
+              </a:rPr>
+              <a:t>FRONTEND</a:t>
+            </a:r>
+          </a:p>
+        </p:txBody>
+      </p:sp>
+      <p:sp>
+        <p:nvSpPr>
+          <p:cNvPr id="4" name="Marcador de contenido 3">
+            <a:extLst>
+              <a:ext uri="{FF2B5EF4-FFF2-40B4-BE49-F238E27FC236}">
+                <a16:creationId xmlns:a16="http://schemas.microsoft.com/office/drawing/2014/main" id="{717DC1AA-82E9-3C52-3F5E-AB617F56773E}"/>
+              </a:ext>
+            </a:extLst>
+          </p:cNvPr>
+          <p:cNvSpPr>
+            <a:spLocks noGrp="1"/>
+          </p:cNvSpPr>
+          <p:nvPr>
+            <p:ph sz="half" idx="2"/>
+          </p:nvPr>
+        </p:nvSpPr>
+        <p:spPr/>
+        <p:txBody>
+          <a:bodyPr/>
+          <a:lstStyle/>
+          <a:p>
+            <a:pPr marL="0" indent="0" algn="ctr">
+              <a:buNone/>
+            </a:pPr>
+            <a:r>
+              <a:rPr lang="es-ES" dirty="0">
+                <a:solidFill>
+                  <a:srgbClr val="FFCC00"/>
+                </a:solidFill>
+                <a:latin typeface="Orbitron" pitchFamily="2" charset="0"/>
+              </a:rPr>
+              <a:t>BACKEND</a:t>
+            </a:r>
+          </a:p>
+        </p:txBody>
+      </p:sp>
+      <p:pic>
+        <p:nvPicPr>
+          <p:cNvPr id="6" name="Imagen 5">
+            <a:extLst>
+              <a:ext uri="{FF2B5EF4-FFF2-40B4-BE49-F238E27FC236}">
+                <a16:creationId xmlns:a16="http://schemas.microsoft.com/office/drawing/2014/main" id="{D7778C4A-C1C6-4403-DB41-D66AAA016F91}"/>
+              </a:ext>
+            </a:extLst>
+          </p:cNvPr>
+          <p:cNvPicPr>
+            <a:picLocks noChangeAspect="1"/>
+          </p:cNvPicPr>
+          <p:nvPr/>
+        </p:nvPicPr>
+        <p:blipFill>
+          <a:blip r:embed="rId2"/>
+          <a:stretch>
+            <a:fillRect/>
+          </a:stretch>
+        </p:blipFill>
+        <p:spPr>
+          <a:xfrm>
+            <a:off x="2104840" y="2504107"/>
+            <a:ext cx="2648320" cy="3839111"/>
+          </a:xfrm>
+          <a:prstGeom prst="rect">
+            <a:avLst/>
+          </a:prstGeom>
+        </p:spPr>
+      </p:pic>
+      <p:pic>
+        <p:nvPicPr>
+          <p:cNvPr id="8" name="Imagen 7">
+            <a:extLst>
+              <a:ext uri="{FF2B5EF4-FFF2-40B4-BE49-F238E27FC236}">
+                <a16:creationId xmlns:a16="http://schemas.microsoft.com/office/drawing/2014/main" id="{4440CCB4-4083-DCE1-EBA2-D3120ACA29B7}"/>
+              </a:ext>
+            </a:extLst>
+          </p:cNvPr>
+          <p:cNvPicPr>
+            <a:picLocks noChangeAspect="1"/>
+          </p:cNvPicPr>
+          <p:nvPr/>
+        </p:nvPicPr>
+        <p:blipFill>
+          <a:blip r:embed="rId3"/>
+          <a:stretch>
+            <a:fillRect/>
+          </a:stretch>
+        </p:blipFill>
+        <p:spPr>
+          <a:xfrm>
+            <a:off x="7448366" y="2515186"/>
+            <a:ext cx="2629267" cy="2972215"/>
+          </a:xfrm>
+          <a:prstGeom prst="rect">
+            <a:avLst/>
+          </a:prstGeom>
+        </p:spPr>
+      </p:pic>
+      <p:pic>
+        <p:nvPicPr>
+          <p:cNvPr id="9" name="Imagen 8">
+            <a:extLst>
+              <a:ext uri="{FF2B5EF4-FFF2-40B4-BE49-F238E27FC236}">
+                <a16:creationId xmlns:a16="http://schemas.microsoft.com/office/drawing/2014/main" id="{B81287DE-1359-F5A6-370C-F5ECFB229DD9}"/>
+              </a:ext>
+            </a:extLst>
+          </p:cNvPr>
+          <p:cNvPicPr>
+            <a:picLocks noChangeAspect="1"/>
+          </p:cNvPicPr>
+          <p:nvPr/>
+        </p:nvPicPr>
+        <p:blipFill>
+          <a:blip r:embed="rId4">
+            <a:extLst>
+              <a:ext uri="{28A0092B-C50C-407E-A947-70E740481C1C}">
+                <a14:useLocalDpi xmlns:a14="http://schemas.microsoft.com/office/drawing/2010/main" val="0"/>
+              </a:ext>
+            </a:extLst>
+          </a:blip>
+          <a:stretch>
+            <a:fillRect/>
+          </a:stretch>
+        </p:blipFill>
+        <p:spPr>
+          <a:xfrm>
+            <a:off x="10045546" y="5439952"/>
+            <a:ext cx="2584420" cy="1474019"/>
+          </a:xfrm>
+          <a:prstGeom prst="rect">
+            <a:avLst/>
+          </a:prstGeom>
+        </p:spPr>
+      </p:pic>
+    </p:spTree>
+    <p:extLst>
+      <p:ext uri="{BB962C8B-B14F-4D97-AF65-F5344CB8AC3E}">
+        <p14:creationId xmlns:p14="http://schemas.microsoft.com/office/powerpoint/2010/main" val="2430742485"/>
+      </p:ext>
+    </p:extLst>
+  </p:cSld>
+  <p:clrMapOvr>
+    <a:masterClrMapping/>
+  </p:clrMapOvr>
+</p:sld>
+</file>
+
+<file path=ppt/slides/slide6.xml><?xml version="1.0" encoding="utf-8"?>
+<p:sld xmlns:a="http://schemas.openxmlformats.org/drawingml/2006/main" xmlns:r="http://schemas.openxmlformats.org/officeDocument/2006/relationships" xmlns:p="http://schemas.openxmlformats.org/presentationml/2006/main">
+  <p:cSld>
+    <p:bg>
+      <p:bgPr>
+        <a:solidFill>
+          <a:srgbClr val="0A215C"/>
+        </a:solidFill>
+        <a:effectLst/>
+      </p:bgPr>
+    </p:bg>
+    <p:spTree>
+      <p:nvGrpSpPr>
+        <p:cNvPr id="1" name=""/>
+        <p:cNvGrpSpPr/>
+        <p:nvPr/>
+      </p:nvGrpSpPr>
+      <p:grpSpPr>
+        <a:xfrm>
+          <a:off x="0" y="0"/>
+          <a:ext cx="0" cy="0"/>
+          <a:chOff x="0" y="0"/>
+          <a:chExt cx="0" cy="0"/>
+        </a:xfrm>
+      </p:grpSpPr>
+      <p:sp>
+        <p:nvSpPr>
+          <p:cNvPr id="2" name="CuadroTexto 1">
+            <a:extLst>
+              <a:ext uri="{FF2B5EF4-FFF2-40B4-BE49-F238E27FC236}">
+                <a16:creationId xmlns:a16="http://schemas.microsoft.com/office/drawing/2014/main" id="{19894B11-F0BF-7309-0115-C0EDB53851C8}"/>
+              </a:ext>
+            </a:extLst>
+          </p:cNvPr>
+          <p:cNvSpPr txBox="1"/>
+          <p:nvPr/>
+        </p:nvSpPr>
+        <p:spPr>
+          <a:xfrm>
+            <a:off x="0" y="350627"/>
+            <a:ext cx="12192000" cy="769441"/>
+          </a:xfrm>
+          <a:prstGeom prst="rect">
+            <a:avLst/>
+          </a:prstGeom>
+          <a:noFill/>
+        </p:spPr>
+        <p:txBody>
+          <a:bodyPr wrap="square" rtlCol="0">
+            <a:spAutoFit/>
+          </a:bodyPr>
+          <a:lstStyle/>
+          <a:p>
+            <a:pPr marL="0" marR="0" lvl="0" indent="0" algn="ctr" defTabSz="914400" rtl="0" eaLnBrk="1" fontAlgn="auto" latinLnBrk="0" hangingPunct="1">
+              <a:lnSpc>
+                <a:spcPct val="100000"/>
+              </a:lnSpc>
+              <a:spcBef>
+                <a:spcPts val="0"/>
+              </a:spcBef>
+              <a:spcAft>
+                <a:spcPts val="0"/>
+              </a:spcAft>
+              <a:buClrTx/>
+              <a:buSzTx/>
+              <a:buFontTx/>
+              <a:buNone/>
+              <a:tabLst/>
+              <a:defRPr/>
+            </a:pPr>
+            <a:r>
+              <a:rPr kumimoji="0" lang="es-ES" sz="4400" b="0" i="0" u="none" strike="noStrike" kern="1200" cap="none" spc="0" normalizeH="0" baseline="0" noProof="0" dirty="0">
+                <a:ln>
+                  <a:noFill/>
+                </a:ln>
+                <a:solidFill>
+                  <a:srgbClr val="FFCC00"/>
+                </a:solidFill>
+                <a:effectLst/>
+                <a:uLnTx/>
+                <a:uFillTx/>
+                <a:latin typeface="Orbitron" pitchFamily="2" charset="0"/>
+                <a:ea typeface="+mn-ea"/>
+                <a:cs typeface="+mn-cs"/>
+              </a:rPr>
+              <a:t>FLU</a:t>
+            </a:r>
+            <a:r>
+              <a:rPr lang="es-ES" sz="4400" dirty="0">
+                <a:solidFill>
+                  <a:srgbClr val="FFCC00"/>
+                </a:solidFill>
+                <a:latin typeface="Orbitron" pitchFamily="2" charset="0"/>
+              </a:rPr>
+              <a:t>JO DE DATOS</a:t>
+            </a:r>
+            <a:endParaRPr kumimoji="0" lang="es-ES" sz="4400" b="0" i="0" u="none" strike="noStrike" kern="1200" cap="none" spc="0" normalizeH="0" baseline="0" noProof="0" dirty="0">
+              <a:ln>
+                <a:noFill/>
+              </a:ln>
+              <a:solidFill>
+                <a:prstClr val="black"/>
+              </a:solidFill>
+              <a:effectLst/>
+              <a:uLnTx/>
+              <a:uFillTx/>
+              <a:latin typeface="Orbitron" pitchFamily="2" charset="0"/>
+              <a:ea typeface="+mn-ea"/>
+              <a:cs typeface="+mn-cs"/>
+            </a:endParaRPr>
+          </a:p>
+        </p:txBody>
+      </p:sp>
+      <p:pic>
+        <p:nvPicPr>
+          <p:cNvPr id="6" name="Imagen 5">
+            <a:extLst>
+              <a:ext uri="{FF2B5EF4-FFF2-40B4-BE49-F238E27FC236}">
+                <a16:creationId xmlns:a16="http://schemas.microsoft.com/office/drawing/2014/main" id="{8A1DCF7D-45F5-127F-2446-62B704D36A52}"/>
+              </a:ext>
+            </a:extLst>
+          </p:cNvPr>
+          <p:cNvPicPr>
+            <a:picLocks noChangeAspect="1"/>
+          </p:cNvPicPr>
+          <p:nvPr/>
+        </p:nvPicPr>
+        <p:blipFill>
+          <a:blip r:embed="rId2">
+            <a:extLst>
+              <a:ext uri="{28A0092B-C50C-407E-A947-70E740481C1C}">
+                <a14:useLocalDpi xmlns:a14="http://schemas.microsoft.com/office/drawing/2010/main" val="0"/>
+              </a:ext>
+            </a:extLst>
+          </a:blip>
+          <a:stretch>
+            <a:fillRect/>
+          </a:stretch>
+        </p:blipFill>
+        <p:spPr>
+          <a:xfrm>
+            <a:off x="9937630" y="5383981"/>
+            <a:ext cx="2584420" cy="1474019"/>
+          </a:xfrm>
+          <a:prstGeom prst="rect">
+            <a:avLst/>
+          </a:prstGeom>
+        </p:spPr>
+      </p:pic>
+      <p:pic>
+        <p:nvPicPr>
+          <p:cNvPr id="7" name="Imagen 6">
+            <a:extLst>
+              <a:ext uri="{FF2B5EF4-FFF2-40B4-BE49-F238E27FC236}">
+                <a16:creationId xmlns:a16="http://schemas.microsoft.com/office/drawing/2014/main" id="{137BD9E2-FE73-7E7F-4077-56C5AC7F17F2}"/>
+              </a:ext>
+            </a:extLst>
+          </p:cNvPr>
+          <p:cNvPicPr>
+            <a:picLocks noChangeAspect="1"/>
+          </p:cNvPicPr>
+          <p:nvPr/>
+        </p:nvPicPr>
+        <p:blipFill>
+          <a:blip r:embed="rId3"/>
+          <a:stretch>
+            <a:fillRect/>
+          </a:stretch>
+        </p:blipFill>
+        <p:spPr>
+          <a:xfrm>
+            <a:off x="1618625" y="1690445"/>
+            <a:ext cx="8954750" cy="3477110"/>
+          </a:xfrm>
+          <a:prstGeom prst="rect">
+            <a:avLst/>
+          </a:prstGeom>
+        </p:spPr>
+      </p:pic>
+    </p:spTree>
+    <p:extLst>
+      <p:ext uri="{BB962C8B-B14F-4D97-AF65-F5344CB8AC3E}">
+        <p14:creationId xmlns:p14="http://schemas.microsoft.com/office/powerpoint/2010/main" val="2926396062"/>
+      </p:ext>
+    </p:extLst>
+  </p:cSld>
+  <p:clrMapOvr>
+    <a:masterClrMapping/>
+  </p:clrMapOvr>
+</p:sld>
+</file>
+
+<file path=ppt/slides/slide7.xml><?xml version="1.0" encoding="utf-8"?>
+<p:sld xmlns:a="http://schemas.openxmlformats.org/drawingml/2006/main" xmlns:r="http://schemas.openxmlformats.org/officeDocument/2006/relationships" xmlns:p="http://schemas.openxmlformats.org/presentationml/2006/main">
+  <p:cSld>
+    <p:bg>
+      <p:bgPr>
+        <a:solidFill>
+          <a:srgbClr val="0A215C"/>
+        </a:solidFill>
+        <a:effectLst/>
+      </p:bgPr>
+    </p:bg>
+    <p:spTree>
+      <p:nvGrpSpPr>
+        <p:cNvPr id="1" name=""/>
+        <p:cNvGrpSpPr/>
+        <p:nvPr/>
+      </p:nvGrpSpPr>
+      <p:grpSpPr>
+        <a:xfrm>
+          <a:off x="0" y="0"/>
+          <a:ext cx="0" cy="0"/>
+          <a:chOff x="0" y="0"/>
+          <a:chExt cx="0" cy="0"/>
+        </a:xfrm>
+      </p:grpSpPr>
+      <p:sp>
+        <p:nvSpPr>
+          <p:cNvPr id="2" name="CuadroTexto 1">
+            <a:extLst>
+              <a:ext uri="{FF2B5EF4-FFF2-40B4-BE49-F238E27FC236}">
+                <a16:creationId xmlns:a16="http://schemas.microsoft.com/office/drawing/2014/main" id="{19894B11-F0BF-7309-0115-C0EDB53851C8}"/>
+              </a:ext>
+            </a:extLst>
+          </p:cNvPr>
+          <p:cNvSpPr txBox="1"/>
+          <p:nvPr/>
+        </p:nvSpPr>
+        <p:spPr>
+          <a:xfrm>
+            <a:off x="0" y="350627"/>
+            <a:ext cx="12192000" cy="769441"/>
+          </a:xfrm>
+          <a:prstGeom prst="rect">
+            <a:avLst/>
+          </a:prstGeom>
+          <a:noFill/>
+        </p:spPr>
+        <p:txBody>
+          <a:bodyPr wrap="square" rtlCol="0">
+            <a:spAutoFit/>
+          </a:bodyPr>
+          <a:lstStyle/>
+          <a:p>
+            <a:pPr marL="0" marR="0" lvl="0" indent="0" algn="ctr" defTabSz="914400" rtl="0" eaLnBrk="1" fontAlgn="auto" latinLnBrk="0" hangingPunct="1">
+              <a:lnSpc>
+                <a:spcPct val="100000"/>
+              </a:lnSpc>
+              <a:spcBef>
+                <a:spcPts val="0"/>
+              </a:spcBef>
+              <a:spcAft>
+                <a:spcPts val="0"/>
+              </a:spcAft>
+              <a:buClrTx/>
+              <a:buSzTx/>
+              <a:buFontTx/>
+              <a:buNone/>
+              <a:tabLst/>
+              <a:defRPr/>
+            </a:pPr>
+            <a:r>
+              <a:rPr lang="es-ES" sz="4400" dirty="0">
+                <a:solidFill>
+                  <a:srgbClr val="FFCC00"/>
+                </a:solidFill>
+                <a:latin typeface="Orbitron" pitchFamily="2" charset="0"/>
+              </a:rPr>
+              <a:t>METODOLOGÍA DE DESARROLLO</a:t>
+            </a:r>
+            <a:endParaRPr kumimoji="0" lang="es-ES" sz="4400" b="0" i="0" u="none" strike="noStrike" kern="1200" cap="none" spc="0" normalizeH="0" baseline="0" noProof="0" dirty="0">
+              <a:ln>
+                <a:noFill/>
+              </a:ln>
+              <a:solidFill>
+                <a:prstClr val="black"/>
+              </a:solidFill>
+              <a:effectLst/>
+              <a:uLnTx/>
+              <a:uFillTx/>
+              <a:latin typeface="Orbitron" pitchFamily="2" charset="0"/>
+              <a:ea typeface="+mn-ea"/>
+              <a:cs typeface="+mn-cs"/>
+            </a:endParaRPr>
+          </a:p>
+        </p:txBody>
+      </p:sp>
+      <p:pic>
+        <p:nvPicPr>
+          <p:cNvPr id="6" name="Imagen 5">
+            <a:extLst>
+              <a:ext uri="{FF2B5EF4-FFF2-40B4-BE49-F238E27FC236}">
+                <a16:creationId xmlns:a16="http://schemas.microsoft.com/office/drawing/2014/main" id="{8A1DCF7D-45F5-127F-2446-62B704D36A52}"/>
+              </a:ext>
+            </a:extLst>
+          </p:cNvPr>
+          <p:cNvPicPr>
+            <a:picLocks noChangeAspect="1"/>
+          </p:cNvPicPr>
+          <p:nvPr/>
+        </p:nvPicPr>
+        <p:blipFill>
+          <a:blip r:embed="rId2">
+            <a:extLst>
+              <a:ext uri="{28A0092B-C50C-407E-A947-70E740481C1C}">
+                <a14:useLocalDpi xmlns:a14="http://schemas.microsoft.com/office/drawing/2010/main" val="0"/>
+              </a:ext>
+            </a:extLst>
+          </a:blip>
+          <a:stretch>
+            <a:fillRect/>
+          </a:stretch>
+        </p:blipFill>
+        <p:spPr>
+          <a:xfrm>
+            <a:off x="9937630" y="5383981"/>
+            <a:ext cx="2584420" cy="1474019"/>
+          </a:xfrm>
+          <a:prstGeom prst="rect">
+            <a:avLst/>
+          </a:prstGeom>
+        </p:spPr>
+      </p:pic>
+      <p:sp>
+        <p:nvSpPr>
+          <p:cNvPr id="3" name="CuadroTexto 2">
+            <a:extLst>
+              <a:ext uri="{FF2B5EF4-FFF2-40B4-BE49-F238E27FC236}">
+                <a16:creationId xmlns:a16="http://schemas.microsoft.com/office/drawing/2014/main" id="{273D95A2-C4F8-9B06-5615-AC618A836C86}"/>
+              </a:ext>
+            </a:extLst>
+          </p:cNvPr>
+          <p:cNvSpPr txBox="1"/>
+          <p:nvPr/>
+        </p:nvSpPr>
+        <p:spPr>
+          <a:xfrm>
+            <a:off x="4179454" y="1791854"/>
+            <a:ext cx="3833091" cy="1200329"/>
+          </a:xfrm>
+          <a:prstGeom prst="rect">
+            <a:avLst/>
+          </a:prstGeom>
+          <a:noFill/>
+        </p:spPr>
+        <p:txBody>
+          <a:bodyPr wrap="square" rtlCol="0">
+            <a:spAutoFit/>
+          </a:bodyPr>
+          <a:lstStyle/>
+          <a:p>
+            <a:r>
+              <a:rPr lang="es-ES" dirty="0">
+                <a:solidFill>
+                  <a:srgbClr val="FFCC00"/>
+                </a:solidFill>
+                <a:latin typeface="Orbitron" pitchFamily="2" charset="0"/>
+              </a:rPr>
+              <a:t>SPRINT 0 : PREPARACIÓN</a:t>
+            </a:r>
+          </a:p>
+          <a:p>
+            <a:pPr marL="285750" indent="-285750">
+              <a:buFont typeface="Arial" panose="020B0604020202020204" pitchFamily="34" charset="0"/>
+              <a:buChar char="•"/>
+            </a:pPr>
+            <a:r>
+              <a:rPr lang="es-ES" dirty="0"/>
+              <a:t>Configuración de entorno </a:t>
+            </a:r>
+          </a:p>
+          <a:p>
+            <a:pPr marL="285750" indent="-285750">
+              <a:buFont typeface="Arial" panose="020B0604020202020204" pitchFamily="34" charset="0"/>
+              <a:buChar char="•"/>
+            </a:pPr>
+            <a:r>
+              <a:rPr lang="es-ES" dirty="0"/>
+              <a:t>Creación de estructura</a:t>
+            </a:r>
+          </a:p>
+          <a:p>
+            <a:pPr marL="285750" indent="-285750">
+              <a:buFont typeface="Arial" panose="020B0604020202020204" pitchFamily="34" charset="0"/>
+              <a:buChar char="•"/>
+            </a:pPr>
+            <a:r>
+              <a:rPr lang="es-ES" dirty="0"/>
+              <a:t>Configuración de GIT</a:t>
+            </a:r>
+          </a:p>
+        </p:txBody>
+      </p:sp>
+      <p:sp>
+        <p:nvSpPr>
+          <p:cNvPr id="4" name="CuadroTexto 3">
+            <a:extLst>
+              <a:ext uri="{FF2B5EF4-FFF2-40B4-BE49-F238E27FC236}">
+                <a16:creationId xmlns:a16="http://schemas.microsoft.com/office/drawing/2014/main" id="{1C5B55F0-0727-F4BA-7490-243B4844D00B}"/>
+              </a:ext>
+            </a:extLst>
+          </p:cNvPr>
+          <p:cNvSpPr txBox="1"/>
+          <p:nvPr/>
+        </p:nvSpPr>
+        <p:spPr>
+          <a:xfrm>
+            <a:off x="4179453" y="3459018"/>
+            <a:ext cx="3833091" cy="1754326"/>
+          </a:xfrm>
+          <a:prstGeom prst="rect">
+            <a:avLst/>
+          </a:prstGeom>
+          <a:noFill/>
+        </p:spPr>
+        <p:txBody>
+          <a:bodyPr wrap="square" rtlCol="0">
+            <a:spAutoFit/>
+          </a:bodyPr>
+          <a:lstStyle/>
+          <a:p>
+            <a:r>
+              <a:rPr lang="es-ES" dirty="0">
+                <a:solidFill>
+                  <a:srgbClr val="FFCC00"/>
+                </a:solidFill>
+                <a:latin typeface="Orbitron" pitchFamily="2" charset="0"/>
+              </a:rPr>
+              <a:t>SPRINT 1 : DISEÑO BBDD</a:t>
+            </a:r>
+          </a:p>
+          <a:p>
+            <a:pPr marL="285750" indent="-285750">
+              <a:buFont typeface="Arial" panose="020B0604020202020204" pitchFamily="34" charset="0"/>
+              <a:buChar char="•"/>
+            </a:pPr>
+            <a:r>
+              <a:rPr lang="es-ES" dirty="0"/>
+              <a:t>Diseño E/R</a:t>
+            </a:r>
+          </a:p>
+          <a:p>
+            <a:pPr marL="285750" indent="-285750">
+              <a:buFont typeface="Arial" panose="020B0604020202020204" pitchFamily="34" charset="0"/>
+              <a:buChar char="•"/>
+            </a:pPr>
+            <a:r>
+              <a:rPr lang="es-ES" dirty="0"/>
+              <a:t>Modelos y conexión</a:t>
+            </a:r>
+          </a:p>
+          <a:p>
+            <a:pPr marL="285750" indent="-285750">
+              <a:buFont typeface="Arial" panose="020B0604020202020204" pitchFamily="34" charset="0"/>
+              <a:buChar char="•"/>
+            </a:pPr>
+            <a:r>
+              <a:rPr lang="es-ES" dirty="0"/>
+              <a:t>Autenticación y sesiones</a:t>
+            </a:r>
+          </a:p>
+          <a:p>
+            <a:pPr marL="285750" indent="-285750">
+              <a:buFont typeface="Arial" panose="020B0604020202020204" pitchFamily="34" charset="0"/>
+              <a:buChar char="•"/>
+            </a:pPr>
+            <a:r>
+              <a:rPr lang="es-ES" dirty="0"/>
+              <a:t>Estructura React</a:t>
+            </a:r>
+          </a:p>
+          <a:p>
+            <a:pPr marL="285750" indent="-285750">
+              <a:buFont typeface="Arial" panose="020B0604020202020204" pitchFamily="34" charset="0"/>
+              <a:buChar char="•"/>
+            </a:pPr>
+            <a:r>
+              <a:rPr lang="es-ES" dirty="0"/>
+              <a:t>Enrutamiento</a:t>
+            </a:r>
+          </a:p>
+        </p:txBody>
+      </p:sp>
+    </p:spTree>
+    <p:extLst>
+      <p:ext uri="{BB962C8B-B14F-4D97-AF65-F5344CB8AC3E}">
+        <p14:creationId xmlns:p14="http://schemas.microsoft.com/office/powerpoint/2010/main" val="780407735"/>
+      </p:ext>
+    </p:extLst>
+  </p:cSld>
+  <p:clrMapOvr>
+    <a:masterClrMapping/>
+  </p:clrMapOvr>
+</p:sld>
+</file>
+
+<file path=ppt/slides/slide8.xml><?xml version="1.0" encoding="utf-8"?>
+<p:sld xmlns:a="http://schemas.openxmlformats.org/drawingml/2006/main" xmlns:r="http://schemas.openxmlformats.org/officeDocument/2006/relationships" xmlns:p="http://schemas.openxmlformats.org/presentationml/2006/main">
+  <p:cSld>
+    <p:bg>
+      <p:bgPr>
+        <a:solidFill>
+          <a:srgbClr val="0A215C"/>
+        </a:solidFill>
+        <a:effectLst/>
+      </p:bgPr>
+    </p:bg>
+    <p:spTree>
+      <p:nvGrpSpPr>
+        <p:cNvPr id="1" name=""/>
+        <p:cNvGrpSpPr/>
+        <p:nvPr/>
+      </p:nvGrpSpPr>
+      <p:grpSpPr>
+        <a:xfrm>
+          <a:off x="0" y="0"/>
+          <a:ext cx="0" cy="0"/>
+          <a:chOff x="0" y="0"/>
+          <a:chExt cx="0" cy="0"/>
+        </a:xfrm>
+      </p:grpSpPr>
+      <p:sp>
+        <p:nvSpPr>
+          <p:cNvPr id="2" name="CuadroTexto 1">
+            <a:extLst>
+              <a:ext uri="{FF2B5EF4-FFF2-40B4-BE49-F238E27FC236}">
+                <a16:creationId xmlns:a16="http://schemas.microsoft.com/office/drawing/2014/main" id="{19894B11-F0BF-7309-0115-C0EDB53851C8}"/>
+              </a:ext>
+            </a:extLst>
+          </p:cNvPr>
+          <p:cNvSpPr txBox="1"/>
+          <p:nvPr/>
+        </p:nvSpPr>
+        <p:spPr>
+          <a:xfrm>
+            <a:off x="0" y="350627"/>
+            <a:ext cx="12192000" cy="769441"/>
+          </a:xfrm>
+          <a:prstGeom prst="rect">
+            <a:avLst/>
+          </a:prstGeom>
+          <a:noFill/>
+        </p:spPr>
+        <p:txBody>
+          <a:bodyPr wrap="square" rtlCol="0">
+            <a:spAutoFit/>
+          </a:bodyPr>
+          <a:lstStyle/>
+          <a:p>
+            <a:pPr marL="0" marR="0" lvl="0" indent="0" algn="ctr" defTabSz="914400" rtl="0" eaLnBrk="1" fontAlgn="auto" latinLnBrk="0" hangingPunct="1">
+              <a:lnSpc>
+                <a:spcPct val="100000"/>
+              </a:lnSpc>
+              <a:spcBef>
+                <a:spcPts val="0"/>
+              </a:spcBef>
+              <a:spcAft>
+                <a:spcPts val="0"/>
+              </a:spcAft>
+              <a:buClrTx/>
+              <a:buSzTx/>
+              <a:buFontTx/>
+              <a:buNone/>
+              <a:tabLst/>
+              <a:defRPr/>
+            </a:pPr>
+            <a:r>
+              <a:rPr kumimoji="0" lang="es-ES" sz="4400" b="0" i="0" u="none" strike="noStrike" kern="1200" cap="none" spc="0" normalizeH="0" baseline="0" noProof="0" dirty="0">
+                <a:ln>
+                  <a:noFill/>
+                </a:ln>
+                <a:solidFill>
+                  <a:srgbClr val="FFCC00"/>
+                </a:solidFill>
+                <a:effectLst/>
+                <a:uLnTx/>
+                <a:uFillTx/>
+                <a:latin typeface="Orbitron" pitchFamily="2" charset="0"/>
+                <a:ea typeface="+mn-ea"/>
+                <a:cs typeface="+mn-cs"/>
+              </a:rPr>
+              <a:t>METODOLOGÍA DE DESARROLLO</a:t>
+            </a:r>
+            <a:endParaRPr kumimoji="0" lang="es-ES" sz="4400" b="0" i="0" u="none" strike="noStrike" kern="1200" cap="none" spc="0" normalizeH="0" baseline="0" noProof="0" dirty="0">
+              <a:ln>
+                <a:noFill/>
+              </a:ln>
+              <a:solidFill>
+                <a:prstClr val="black"/>
+              </a:solidFill>
+              <a:effectLst/>
+              <a:uLnTx/>
+              <a:uFillTx/>
+              <a:latin typeface="Orbitron" pitchFamily="2" charset="0"/>
+              <a:ea typeface="+mn-ea"/>
+              <a:cs typeface="+mn-cs"/>
+            </a:endParaRPr>
+          </a:p>
+        </p:txBody>
+      </p:sp>
+      <p:pic>
+        <p:nvPicPr>
+          <p:cNvPr id="6" name="Imagen 5">
+            <a:extLst>
+              <a:ext uri="{FF2B5EF4-FFF2-40B4-BE49-F238E27FC236}">
+                <a16:creationId xmlns:a16="http://schemas.microsoft.com/office/drawing/2014/main" id="{8A1DCF7D-45F5-127F-2446-62B704D36A52}"/>
+              </a:ext>
+            </a:extLst>
+          </p:cNvPr>
+          <p:cNvPicPr>
+            <a:picLocks noChangeAspect="1"/>
+          </p:cNvPicPr>
+          <p:nvPr/>
+        </p:nvPicPr>
+        <p:blipFill>
+          <a:blip r:embed="rId2">
+            <a:extLst>
+              <a:ext uri="{28A0092B-C50C-407E-A947-70E740481C1C}">
+                <a14:useLocalDpi xmlns:a14="http://schemas.microsoft.com/office/drawing/2010/main" val="0"/>
+              </a:ext>
+            </a:extLst>
+          </a:blip>
+          <a:stretch>
+            <a:fillRect/>
+          </a:stretch>
+        </p:blipFill>
+        <p:spPr>
+          <a:xfrm>
+            <a:off x="9937630" y="5383981"/>
+            <a:ext cx="2584420" cy="1474019"/>
+          </a:xfrm>
+          <a:prstGeom prst="rect">
+            <a:avLst/>
+          </a:prstGeom>
+        </p:spPr>
+      </p:pic>
+      <p:sp>
+        <p:nvSpPr>
+          <p:cNvPr id="3" name="CuadroTexto 2">
+            <a:extLst>
+              <a:ext uri="{FF2B5EF4-FFF2-40B4-BE49-F238E27FC236}">
+                <a16:creationId xmlns:a16="http://schemas.microsoft.com/office/drawing/2014/main" id="{273D95A2-C4F8-9B06-5615-AC618A836C86}"/>
+              </a:ext>
+            </a:extLst>
+          </p:cNvPr>
+          <p:cNvSpPr txBox="1"/>
+          <p:nvPr/>
+        </p:nvSpPr>
+        <p:spPr>
+          <a:xfrm>
+            <a:off x="4179453" y="1663129"/>
+            <a:ext cx="3833091" cy="923330"/>
+          </a:xfrm>
+          <a:prstGeom prst="rect">
+            <a:avLst/>
+          </a:prstGeom>
+          <a:noFill/>
+        </p:spPr>
+        <p:txBody>
+          <a:bodyPr wrap="square" rtlCol="0">
+            <a:spAutoFit/>
+          </a:bodyPr>
+          <a:lstStyle/>
+          <a:p>
+            <a:pPr marL="0" marR="0" lvl="0" indent="0" algn="l" defTabSz="914400" rtl="0" eaLnBrk="1" fontAlgn="auto" latinLnBrk="0" hangingPunct="1">
+              <a:lnSpc>
+                <a:spcPct val="100000"/>
+              </a:lnSpc>
+              <a:spcBef>
+                <a:spcPts val="0"/>
+              </a:spcBef>
+              <a:spcAft>
+                <a:spcPts val="0"/>
+              </a:spcAft>
+              <a:buClrTx/>
+              <a:buSzTx/>
+              <a:buFontTx/>
+              <a:buNone/>
+              <a:tabLst/>
+              <a:defRPr/>
+            </a:pPr>
+            <a:r>
+              <a:rPr kumimoji="0" lang="es-ES" sz="1800" b="0" i="0" u="none" strike="noStrike" kern="1200" cap="none" spc="0" normalizeH="0" baseline="0" noProof="0" dirty="0">
+                <a:ln>
+                  <a:noFill/>
+                </a:ln>
+                <a:solidFill>
+                  <a:srgbClr val="FFCC00"/>
+                </a:solidFill>
+                <a:effectLst/>
+                <a:uLnTx/>
+                <a:uFillTx/>
+                <a:latin typeface="Orbitron" pitchFamily="2" charset="0"/>
+                <a:ea typeface="+mn-ea"/>
+                <a:cs typeface="+mn-cs"/>
+              </a:rPr>
+              <a:t>SPRINT 2 : USUARIO</a:t>
+            </a:r>
+          </a:p>
+          <a:p>
+            <a:pPr marL="285750" marR="0" lvl="0" indent="-285750" algn="l" defTabSz="914400" rtl="0" eaLnBrk="1" fontAlgn="auto" latinLnBrk="0" hangingPunct="1">
+              <a:lnSpc>
+                <a:spcPct val="100000"/>
+              </a:lnSpc>
+              <a:spcBef>
+                <a:spcPts val="0"/>
+              </a:spcBef>
+              <a:spcAft>
+                <a:spcPts val="0"/>
+              </a:spcAft>
+              <a:buClrTx/>
+              <a:buSzTx/>
+              <a:buFont typeface="Arial" panose="020B0604020202020204" pitchFamily="34" charset="0"/>
+              <a:buChar char="•"/>
+              <a:tabLst/>
+              <a:defRPr/>
+            </a:pPr>
+            <a:r>
+              <a:rPr lang="es-ES" dirty="0">
+                <a:solidFill>
+                  <a:prstClr val="black"/>
+                </a:solidFill>
+                <a:latin typeface="Calibri" panose="020F0502020204030204"/>
+              </a:rPr>
+              <a:t>Inicio de sesión y registro</a:t>
+            </a:r>
+            <a:endParaRPr kumimoji="0" lang="es-ES" sz="1800" b="0" i="0" u="none" strike="noStrike" kern="1200" cap="none" spc="0" normalizeH="0" baseline="0" noProof="0" dirty="0">
+              <a:ln>
+                <a:noFill/>
+              </a:ln>
+              <a:solidFill>
+                <a:prstClr val="black"/>
+              </a:solidFill>
+              <a:effectLst/>
+              <a:uLnTx/>
+              <a:uFillTx/>
+              <a:latin typeface="Calibri" panose="020F0502020204030204"/>
+              <a:ea typeface="+mn-ea"/>
+              <a:cs typeface="+mn-cs"/>
+            </a:endParaRPr>
+          </a:p>
+          <a:p>
+            <a:pPr marL="285750" marR="0" lvl="0" indent="-285750" algn="l" defTabSz="914400" rtl="0" eaLnBrk="1" fontAlgn="auto" latinLnBrk="0" hangingPunct="1">
+              <a:lnSpc>
+                <a:spcPct val="100000"/>
+              </a:lnSpc>
+              <a:spcBef>
+                <a:spcPts val="0"/>
+              </a:spcBef>
+              <a:spcAft>
+                <a:spcPts val="0"/>
+              </a:spcAft>
+              <a:buClrTx/>
+              <a:buSzTx/>
+              <a:buFont typeface="Arial" panose="020B0604020202020204" pitchFamily="34" charset="0"/>
+              <a:buChar char="•"/>
+              <a:tabLst/>
+              <a:defRPr/>
+            </a:pPr>
+            <a:r>
+              <a:rPr kumimoji="0" lang="es-ES" sz="1800" b="0" i="0" u="none" strike="noStrike" kern="1200" cap="none" spc="0" normalizeH="0" baseline="0" noProof="0" dirty="0">
+                <a:ln>
+                  <a:noFill/>
+                </a:ln>
+                <a:solidFill>
+                  <a:prstClr val="black"/>
+                </a:solidFill>
+                <a:effectLst/>
+                <a:uLnTx/>
+                <a:uFillTx/>
+                <a:latin typeface="Calibri" panose="020F0502020204030204"/>
+                <a:ea typeface="+mn-ea"/>
+                <a:cs typeface="+mn-cs"/>
+              </a:rPr>
+              <a:t>Validaciones en registro e inicio</a:t>
+            </a:r>
+          </a:p>
+        </p:txBody>
+      </p:sp>
+      <p:sp>
+        <p:nvSpPr>
+          <p:cNvPr id="4" name="CuadroTexto 3">
+            <a:extLst>
+              <a:ext uri="{FF2B5EF4-FFF2-40B4-BE49-F238E27FC236}">
+                <a16:creationId xmlns:a16="http://schemas.microsoft.com/office/drawing/2014/main" id="{1C5B55F0-0727-F4BA-7490-243B4844D00B}"/>
+              </a:ext>
+            </a:extLst>
+          </p:cNvPr>
+          <p:cNvSpPr txBox="1"/>
+          <p:nvPr/>
+        </p:nvSpPr>
+        <p:spPr>
+          <a:xfrm>
+            <a:off x="4179454" y="3440545"/>
+            <a:ext cx="3833091" cy="1754326"/>
+          </a:xfrm>
+          <a:prstGeom prst="rect">
+            <a:avLst/>
+          </a:prstGeom>
+          <a:noFill/>
+        </p:spPr>
+        <p:txBody>
+          <a:bodyPr wrap="square" rtlCol="0">
+            <a:spAutoFit/>
+          </a:bodyPr>
+          <a:lstStyle/>
+          <a:p>
+            <a:pPr marL="0" marR="0" lvl="0" indent="0" algn="l" defTabSz="914400" rtl="0" eaLnBrk="1" fontAlgn="auto" latinLnBrk="0" hangingPunct="1">
+              <a:lnSpc>
+                <a:spcPct val="100000"/>
+              </a:lnSpc>
+              <a:spcBef>
+                <a:spcPts val="0"/>
+              </a:spcBef>
+              <a:spcAft>
+                <a:spcPts val="0"/>
+              </a:spcAft>
+              <a:buClrTx/>
+              <a:buSzTx/>
+              <a:buFontTx/>
+              <a:buNone/>
+              <a:tabLst/>
+              <a:defRPr/>
+            </a:pPr>
+            <a:r>
+              <a:rPr kumimoji="0" lang="es-ES" sz="1800" b="0" i="0" u="none" strike="noStrike" kern="1200" cap="none" spc="0" normalizeH="0" baseline="0" noProof="0" dirty="0">
+                <a:ln>
+                  <a:noFill/>
+                </a:ln>
+                <a:solidFill>
+                  <a:srgbClr val="FFCC00"/>
+                </a:solidFill>
+                <a:effectLst/>
+                <a:uLnTx/>
+                <a:uFillTx/>
+                <a:latin typeface="Orbitron" pitchFamily="2" charset="0"/>
+                <a:ea typeface="+mn-ea"/>
+                <a:cs typeface="+mn-cs"/>
+              </a:rPr>
+              <a:t>SPRINT 3 : ARTÍCULOS</a:t>
+            </a:r>
+          </a:p>
+          <a:p>
+            <a:pPr marL="285750" marR="0" lvl="0" indent="-285750" algn="l" defTabSz="914400" rtl="0" eaLnBrk="1" fontAlgn="auto" latinLnBrk="0" hangingPunct="1">
+              <a:lnSpc>
+                <a:spcPct val="100000"/>
+              </a:lnSpc>
+              <a:spcBef>
+                <a:spcPts val="0"/>
+              </a:spcBef>
+              <a:spcAft>
+                <a:spcPts val="0"/>
+              </a:spcAft>
+              <a:buClrTx/>
+              <a:buSzTx/>
+              <a:buFont typeface="Arial" panose="020B0604020202020204" pitchFamily="34" charset="0"/>
+              <a:buChar char="•"/>
+              <a:tabLst/>
+              <a:defRPr/>
+            </a:pPr>
+            <a:r>
+              <a:rPr lang="es-ES" dirty="0">
+                <a:solidFill>
+                  <a:prstClr val="black"/>
+                </a:solidFill>
+                <a:latin typeface="Calibri" panose="020F0502020204030204"/>
+              </a:rPr>
+              <a:t>Implementación función de publicar</a:t>
+            </a:r>
+            <a:endParaRPr kumimoji="0" lang="es-ES" sz="1800" b="0" i="0" u="none" strike="noStrike" kern="1200" cap="none" spc="0" normalizeH="0" baseline="0" noProof="0" dirty="0">
+              <a:ln>
+                <a:noFill/>
+              </a:ln>
+              <a:solidFill>
+                <a:prstClr val="black"/>
+              </a:solidFill>
+              <a:effectLst/>
+              <a:uLnTx/>
+              <a:uFillTx/>
+              <a:latin typeface="Calibri" panose="020F0502020204030204"/>
+              <a:ea typeface="+mn-ea"/>
+              <a:cs typeface="+mn-cs"/>
+            </a:endParaRPr>
+          </a:p>
+          <a:p>
+            <a:pPr marL="285750" marR="0" lvl="0" indent="-285750" algn="l" defTabSz="914400" rtl="0" eaLnBrk="1" fontAlgn="auto" latinLnBrk="0" hangingPunct="1">
+              <a:lnSpc>
+                <a:spcPct val="100000"/>
+              </a:lnSpc>
+              <a:spcBef>
+                <a:spcPts val="0"/>
+              </a:spcBef>
+              <a:spcAft>
+                <a:spcPts val="0"/>
+              </a:spcAft>
+              <a:buClrTx/>
+              <a:buSzTx/>
+              <a:buFont typeface="Arial" panose="020B0604020202020204" pitchFamily="34" charset="0"/>
+              <a:buChar char="•"/>
+              <a:tabLst/>
+              <a:defRPr/>
+            </a:pPr>
+            <a:r>
+              <a:rPr kumimoji="0" lang="es-ES" sz="1800" b="0" i="0" u="none" strike="noStrike" kern="1200" cap="none" spc="0" normalizeH="0" baseline="0" noProof="0" dirty="0">
+                <a:ln>
+                  <a:noFill/>
+                </a:ln>
+                <a:solidFill>
+                  <a:prstClr val="black"/>
+                </a:solidFill>
+                <a:effectLst/>
+                <a:uLnTx/>
+                <a:uFillTx/>
+                <a:latin typeface="Calibri" panose="020F0502020204030204"/>
+                <a:ea typeface="+mn-ea"/>
+                <a:cs typeface="+mn-cs"/>
+              </a:rPr>
+              <a:t>Componentes React para listar artículos </a:t>
+            </a:r>
+          </a:p>
+          <a:p>
+            <a:pPr marL="285750" marR="0" lvl="0" indent="-285750" algn="l" defTabSz="914400" rtl="0" eaLnBrk="1" fontAlgn="auto" latinLnBrk="0" hangingPunct="1">
+              <a:lnSpc>
+                <a:spcPct val="100000"/>
+              </a:lnSpc>
+              <a:spcBef>
+                <a:spcPts val="0"/>
+              </a:spcBef>
+              <a:spcAft>
+                <a:spcPts val="0"/>
+              </a:spcAft>
+              <a:buClrTx/>
+              <a:buSzTx/>
+              <a:buFont typeface="Arial" panose="020B0604020202020204" pitchFamily="34" charset="0"/>
+              <a:buChar char="•"/>
+              <a:tabLst/>
+              <a:defRPr/>
+            </a:pPr>
+            <a:r>
+              <a:rPr kumimoji="0" lang="es-ES" sz="1800" b="0" i="0" u="none" strike="noStrike" kern="1200" cap="none" spc="0" normalizeH="0" baseline="0" noProof="0" dirty="0">
+                <a:ln>
+                  <a:noFill/>
+                </a:ln>
+                <a:solidFill>
+                  <a:prstClr val="black"/>
+                </a:solidFill>
+                <a:effectLst/>
+                <a:uLnTx/>
+                <a:uFillTx/>
+                <a:latin typeface="Calibri" panose="020F0502020204030204"/>
+                <a:ea typeface="+mn-ea"/>
+                <a:cs typeface="+mn-cs"/>
+              </a:rPr>
+              <a:t>Configuración de la BBDD y la API para gestionar artículos</a:t>
+            </a:r>
+          </a:p>
+        </p:txBody>
+      </p:sp>
+    </p:spTree>
+    <p:extLst>
+      <p:ext uri="{BB962C8B-B14F-4D97-AF65-F5344CB8AC3E}">
+        <p14:creationId xmlns:p14="http://schemas.microsoft.com/office/powerpoint/2010/main" val="2334619548"/>
+      </p:ext>
+    </p:extLst>
+  </p:cSld>
+  <p:clrMapOvr>
+    <a:masterClrMapping/>
+  </p:clrMapOvr>
+</p:sld>
+</file>
+
+<file path=ppt/slides/slide9.xml><?xml version="1.0" encoding="utf-8"?>
+<p:sld xmlns:a="http://schemas.openxmlformats.org/drawingml/2006/main" xmlns:r="http://schemas.openxmlformats.org/officeDocument/2006/relationships" xmlns:p="http://schemas.openxmlformats.org/presentationml/2006/main">
+  <p:cSld>
+    <p:bg>
+      <p:bgPr>
+        <a:solidFill>
+          <a:srgbClr val="0A215C"/>
+        </a:solidFill>
+        <a:effectLst/>
+      </p:bgPr>
+    </p:bg>
+    <p:spTree>
+      <p:nvGrpSpPr>
+        <p:cNvPr id="1" name=""/>
+        <p:cNvGrpSpPr/>
+        <p:nvPr/>
+      </p:nvGrpSpPr>
+      <p:grpSpPr>
+        <a:xfrm>
+          <a:off x="0" y="0"/>
+          <a:ext cx="0" cy="0"/>
+          <a:chOff x="0" y="0"/>
+          <a:chExt cx="0" cy="0"/>
+        </a:xfrm>
+      </p:grpSpPr>
+      <p:sp>
+        <p:nvSpPr>
+          <p:cNvPr id="2" name="CuadroTexto 1">
+            <a:extLst>
+              <a:ext uri="{FF2B5EF4-FFF2-40B4-BE49-F238E27FC236}">
+                <a16:creationId xmlns:a16="http://schemas.microsoft.com/office/drawing/2014/main" id="{19894B11-F0BF-7309-0115-C0EDB53851C8}"/>
+              </a:ext>
+            </a:extLst>
+          </p:cNvPr>
+          <p:cNvSpPr txBox="1"/>
+          <p:nvPr/>
+        </p:nvSpPr>
+        <p:spPr>
+          <a:xfrm>
+            <a:off x="0" y="350627"/>
+            <a:ext cx="12192000" cy="769441"/>
+          </a:xfrm>
+          <a:prstGeom prst="rect">
+            <a:avLst/>
+          </a:prstGeom>
+          <a:noFill/>
+        </p:spPr>
+        <p:txBody>
+          <a:bodyPr wrap="square" rtlCol="0">
+            <a:spAutoFit/>
+          </a:bodyPr>
+          <a:lstStyle/>
+          <a:p>
+            <a:pPr marL="0" marR="0" lvl="0" indent="0" algn="ctr" defTabSz="914400" rtl="0" eaLnBrk="1" fontAlgn="auto" latinLnBrk="0" hangingPunct="1">
+              <a:lnSpc>
+                <a:spcPct val="100000"/>
+              </a:lnSpc>
+              <a:spcBef>
+                <a:spcPts val="0"/>
+              </a:spcBef>
+              <a:spcAft>
+                <a:spcPts val="0"/>
+              </a:spcAft>
+              <a:buClrTx/>
+              <a:buSzTx/>
+              <a:buFontTx/>
+              <a:buNone/>
+              <a:tabLst/>
+              <a:defRPr/>
+            </a:pPr>
+            <a:r>
+              <a:rPr kumimoji="0" lang="es-ES" sz="4400" b="0" i="0" u="none" strike="noStrike" kern="1200" cap="none" spc="0" normalizeH="0" baseline="0" noProof="0" dirty="0">
+                <a:ln>
+                  <a:noFill/>
+                </a:ln>
+                <a:solidFill>
+                  <a:srgbClr val="FFCC00"/>
+                </a:solidFill>
+                <a:effectLst/>
+                <a:uLnTx/>
+                <a:uFillTx/>
+                <a:latin typeface="Orbitron" pitchFamily="2" charset="0"/>
+                <a:ea typeface="+mn-ea"/>
+                <a:cs typeface="+mn-cs"/>
+              </a:rPr>
+              <a:t>METODOLOGÍA DE DESARROLLO</a:t>
+            </a:r>
+            <a:endParaRPr kumimoji="0" lang="es-ES" sz="4400" b="0" i="0" u="none" strike="noStrike" kern="1200" cap="none" spc="0" normalizeH="0" baseline="0" noProof="0" dirty="0">
+              <a:ln>
+                <a:noFill/>
+              </a:ln>
+              <a:solidFill>
+                <a:prstClr val="black"/>
+              </a:solidFill>
+              <a:effectLst/>
+              <a:uLnTx/>
+              <a:uFillTx/>
+              <a:latin typeface="Orbitron" pitchFamily="2" charset="0"/>
+              <a:ea typeface="+mn-ea"/>
+              <a:cs typeface="+mn-cs"/>
+            </a:endParaRPr>
+          </a:p>
+        </p:txBody>
+      </p:sp>
+      <p:pic>
+        <p:nvPicPr>
+          <p:cNvPr id="6" name="Imagen 5">
+            <a:extLst>
+              <a:ext uri="{FF2B5EF4-FFF2-40B4-BE49-F238E27FC236}">
+                <a16:creationId xmlns:a16="http://schemas.microsoft.com/office/drawing/2014/main" id="{8A1DCF7D-45F5-127F-2446-62B704D36A52}"/>
+              </a:ext>
+            </a:extLst>
+          </p:cNvPr>
+          <p:cNvPicPr>
+            <a:picLocks noChangeAspect="1"/>
+          </p:cNvPicPr>
+          <p:nvPr/>
+        </p:nvPicPr>
+        <p:blipFill>
+          <a:blip r:embed="rId2">
+            <a:extLst>
+              <a:ext uri="{28A0092B-C50C-407E-A947-70E740481C1C}">
+                <a14:useLocalDpi xmlns:a14="http://schemas.microsoft.com/office/drawing/2010/main" val="0"/>
+              </a:ext>
+            </a:extLst>
+          </a:blip>
+          <a:stretch>
+            <a:fillRect/>
+          </a:stretch>
+        </p:blipFill>
+        <p:spPr>
+          <a:xfrm>
+            <a:off x="9937630" y="5383981"/>
+            <a:ext cx="2584420" cy="1474019"/>
+          </a:xfrm>
+          <a:prstGeom prst="rect">
+            <a:avLst/>
+          </a:prstGeom>
+        </p:spPr>
+      </p:pic>
+      <p:sp>
+        <p:nvSpPr>
+          <p:cNvPr id="3" name="CuadroTexto 2">
+            <a:extLst>
+              <a:ext uri="{FF2B5EF4-FFF2-40B4-BE49-F238E27FC236}">
+                <a16:creationId xmlns:a16="http://schemas.microsoft.com/office/drawing/2014/main" id="{273D95A2-C4F8-9B06-5615-AC618A836C86}"/>
+              </a:ext>
+            </a:extLst>
+          </p:cNvPr>
+          <p:cNvSpPr txBox="1"/>
+          <p:nvPr/>
+        </p:nvSpPr>
+        <p:spPr>
+          <a:xfrm>
+            <a:off x="4179453" y="1663129"/>
+            <a:ext cx="3833091" cy="2031325"/>
+          </a:xfrm>
+          <a:prstGeom prst="rect">
+            <a:avLst/>
+          </a:prstGeom>
+          <a:noFill/>
+        </p:spPr>
+        <p:txBody>
+          <a:bodyPr wrap="square" rtlCol="0">
+            <a:spAutoFit/>
+          </a:bodyPr>
+          <a:lstStyle/>
+          <a:p>
+            <a:pPr marL="0" marR="0" lvl="0" indent="0" algn="l" defTabSz="914400" rtl="0" eaLnBrk="1" fontAlgn="auto" latinLnBrk="0" hangingPunct="1">
+              <a:lnSpc>
+                <a:spcPct val="100000"/>
+              </a:lnSpc>
+              <a:spcBef>
+                <a:spcPts val="0"/>
+              </a:spcBef>
+              <a:spcAft>
+                <a:spcPts val="0"/>
+              </a:spcAft>
+              <a:buClrTx/>
+              <a:buSzTx/>
+              <a:buFontTx/>
+              <a:buNone/>
+              <a:tabLst/>
+              <a:defRPr/>
+            </a:pPr>
+            <a:r>
+              <a:rPr kumimoji="0" lang="es-ES" sz="1800" b="0" i="0" u="none" strike="noStrike" kern="1200" cap="none" spc="0" normalizeH="0" baseline="0" noProof="0" dirty="0">
+                <a:ln>
+                  <a:noFill/>
+                </a:ln>
+                <a:solidFill>
+                  <a:srgbClr val="FFCC00"/>
+                </a:solidFill>
+                <a:effectLst/>
+                <a:uLnTx/>
+                <a:uFillTx/>
+                <a:latin typeface="Orbitron" pitchFamily="2" charset="0"/>
+                <a:ea typeface="+mn-ea"/>
+                <a:cs typeface="+mn-cs"/>
+              </a:rPr>
+              <a:t>SPRINT 4 : DETALLES DE ARTÍCULO:</a:t>
+            </a:r>
+          </a:p>
+          <a:p>
+            <a:pPr marL="285750" marR="0" lvl="0" indent="-285750" algn="l" defTabSz="914400" rtl="0" eaLnBrk="1" fontAlgn="auto" latinLnBrk="0" hangingPunct="1">
+              <a:lnSpc>
+                <a:spcPct val="100000"/>
+              </a:lnSpc>
+              <a:spcBef>
+                <a:spcPts val="0"/>
+              </a:spcBef>
+              <a:spcAft>
+                <a:spcPts val="0"/>
+              </a:spcAft>
+              <a:buClrTx/>
+              <a:buSzTx/>
+              <a:buFont typeface="Arial" panose="020B0604020202020204" pitchFamily="34" charset="0"/>
+              <a:buChar char="•"/>
+              <a:tabLst/>
+              <a:defRPr/>
+            </a:pPr>
+            <a:r>
+              <a:rPr kumimoji="0" lang="es-ES" sz="1800" b="0" i="0" u="none" strike="noStrike" kern="1200" cap="none" spc="0" normalizeH="0" baseline="0" noProof="0" dirty="0">
+                <a:ln>
+                  <a:noFill/>
+                </a:ln>
+                <a:solidFill>
+                  <a:prstClr val="black"/>
+                </a:solidFill>
+                <a:effectLst/>
+                <a:uLnTx/>
+                <a:uFillTx/>
+                <a:latin typeface="Calibri" panose="020F0502020204030204"/>
+                <a:ea typeface="+mn-ea"/>
+                <a:cs typeface="+mn-cs"/>
+              </a:rPr>
+              <a:t>Vista detalle</a:t>
+            </a:r>
+          </a:p>
+          <a:p>
+            <a:pPr marL="285750" marR="0" lvl="0" indent="-285750" algn="l" defTabSz="914400" rtl="0" eaLnBrk="1" fontAlgn="auto" latinLnBrk="0" hangingPunct="1">
+              <a:lnSpc>
+                <a:spcPct val="100000"/>
+              </a:lnSpc>
+              <a:spcBef>
+                <a:spcPts val="0"/>
+              </a:spcBef>
+              <a:spcAft>
+                <a:spcPts val="0"/>
+              </a:spcAft>
+              <a:buClrTx/>
+              <a:buSzTx/>
+              <a:buFont typeface="Arial" panose="020B0604020202020204" pitchFamily="34" charset="0"/>
+              <a:buChar char="•"/>
+              <a:tabLst/>
+              <a:defRPr/>
+            </a:pPr>
+            <a:r>
+              <a:rPr lang="es-ES" dirty="0"/>
+              <a:t>Desarrollo de la lógica para manejar la interacción con los anuncios (ver detalles, editar, borrar)</a:t>
+            </a:r>
+            <a:endParaRPr lang="es-ES" dirty="0">
+              <a:solidFill>
+                <a:prstClr val="black"/>
+              </a:solidFill>
+              <a:latin typeface="Calibri" panose="020F0502020204030204"/>
+            </a:endParaRPr>
+          </a:p>
+          <a:p>
+            <a:pPr marL="285750" marR="0" lvl="0" indent="-285750" algn="l" defTabSz="914400" rtl="0" eaLnBrk="1" fontAlgn="auto" latinLnBrk="0" hangingPunct="1">
+              <a:lnSpc>
+                <a:spcPct val="100000"/>
+              </a:lnSpc>
+              <a:spcBef>
+                <a:spcPts val="0"/>
+              </a:spcBef>
+              <a:spcAft>
+                <a:spcPts val="0"/>
+              </a:spcAft>
+              <a:buClrTx/>
+              <a:buSzTx/>
+              <a:buFont typeface="Arial" panose="020B0604020202020204" pitchFamily="34" charset="0"/>
+              <a:buChar char="•"/>
+              <a:tabLst/>
+              <a:defRPr/>
+            </a:pPr>
+            <a:r>
+              <a:rPr lang="es-ES" dirty="0">
+                <a:solidFill>
+                  <a:prstClr val="black"/>
+                </a:solidFill>
+                <a:latin typeface="Calibri" panose="020F0502020204030204"/>
+              </a:rPr>
+              <a:t>Validaciones</a:t>
+            </a:r>
+            <a:endParaRPr kumimoji="0" lang="es-ES" sz="1800" b="0" i="0" u="none" strike="noStrike" kern="1200" cap="none" spc="0" normalizeH="0" baseline="0" noProof="0" dirty="0">
+              <a:ln>
+                <a:noFill/>
+              </a:ln>
+              <a:solidFill>
+                <a:prstClr val="black"/>
+              </a:solidFill>
+              <a:effectLst/>
+              <a:uLnTx/>
+              <a:uFillTx/>
+              <a:latin typeface="Calibri" panose="020F0502020204030204"/>
+              <a:ea typeface="+mn-ea"/>
+              <a:cs typeface="+mn-cs"/>
+            </a:endParaRPr>
+          </a:p>
+        </p:txBody>
+      </p:sp>
+      <p:sp>
+        <p:nvSpPr>
+          <p:cNvPr id="4" name="CuadroTexto 3">
+            <a:extLst>
+              <a:ext uri="{FF2B5EF4-FFF2-40B4-BE49-F238E27FC236}">
+                <a16:creationId xmlns:a16="http://schemas.microsoft.com/office/drawing/2014/main" id="{1C5B55F0-0727-F4BA-7490-243B4844D00B}"/>
+              </a:ext>
+            </a:extLst>
+          </p:cNvPr>
+          <p:cNvSpPr txBox="1"/>
+          <p:nvPr/>
+        </p:nvSpPr>
+        <p:spPr>
+          <a:xfrm>
+            <a:off x="4179452" y="3694454"/>
+            <a:ext cx="3833091" cy="1477328"/>
+          </a:xfrm>
+          <a:prstGeom prst="rect">
+            <a:avLst/>
+          </a:prstGeom>
+          <a:noFill/>
+        </p:spPr>
+        <p:txBody>
+          <a:bodyPr wrap="square" rtlCol="0">
+            <a:spAutoFit/>
+          </a:bodyPr>
+          <a:lstStyle/>
+          <a:p>
+            <a:pPr marL="0" marR="0" lvl="0" indent="0" algn="l" defTabSz="914400" rtl="0" eaLnBrk="1" fontAlgn="auto" latinLnBrk="0" hangingPunct="1">
+              <a:lnSpc>
+                <a:spcPct val="100000"/>
+              </a:lnSpc>
+              <a:spcBef>
+                <a:spcPts val="0"/>
+              </a:spcBef>
+              <a:spcAft>
+                <a:spcPts val="0"/>
+              </a:spcAft>
+              <a:buClrTx/>
+              <a:buSzTx/>
+              <a:buFontTx/>
+              <a:buNone/>
+              <a:tabLst/>
+              <a:defRPr/>
+            </a:pPr>
+            <a:r>
+              <a:rPr kumimoji="0" lang="es-ES" sz="1800" b="0" i="0" u="none" strike="noStrike" kern="1200" cap="none" spc="0" normalizeH="0" baseline="0" noProof="0" dirty="0">
+                <a:ln>
+                  <a:noFill/>
+                </a:ln>
+                <a:solidFill>
+                  <a:srgbClr val="FFCC00"/>
+                </a:solidFill>
+                <a:effectLst/>
+                <a:uLnTx/>
+                <a:uFillTx/>
+                <a:latin typeface="Orbitron" pitchFamily="2" charset="0"/>
+                <a:ea typeface="+mn-ea"/>
+                <a:cs typeface="+mn-cs"/>
+              </a:rPr>
+              <a:t>SPRINT 5 : Revisión</a:t>
+            </a:r>
+          </a:p>
+          <a:p>
+            <a:pPr marL="285750" marR="0" lvl="0" indent="-285750" algn="l" defTabSz="914400" rtl="0" eaLnBrk="1" fontAlgn="auto" latinLnBrk="0" hangingPunct="1">
+              <a:lnSpc>
+                <a:spcPct val="100000"/>
+              </a:lnSpc>
+              <a:spcBef>
+                <a:spcPts val="0"/>
+              </a:spcBef>
+              <a:spcAft>
+                <a:spcPts val="0"/>
+              </a:spcAft>
+              <a:buClrTx/>
+              <a:buSzTx/>
+              <a:buFont typeface="Arial" panose="020B0604020202020204" pitchFamily="34" charset="0"/>
+              <a:buChar char="•"/>
+              <a:tabLst/>
+              <a:defRPr/>
+            </a:pPr>
+            <a:r>
+              <a:rPr kumimoji="0" lang="es-ES" sz="1800" b="0" i="0" u="none" strike="noStrike" kern="1200" cap="none" spc="0" normalizeH="0" baseline="0" noProof="0" dirty="0">
+                <a:ln>
+                  <a:noFill/>
+                </a:ln>
+                <a:solidFill>
+                  <a:prstClr val="black"/>
+                </a:solidFill>
+                <a:effectLst/>
+                <a:uLnTx/>
+                <a:uFillTx/>
+                <a:latin typeface="Calibri" panose="020F0502020204030204"/>
+                <a:ea typeface="+mn-ea"/>
+                <a:cs typeface="+mn-cs"/>
+              </a:rPr>
+              <a:t>Mejora interfaz usuario</a:t>
+            </a:r>
+          </a:p>
+          <a:p>
+            <a:pPr marL="285750" marR="0" lvl="0" indent="-285750" algn="l" defTabSz="914400" rtl="0" eaLnBrk="1" fontAlgn="auto" latinLnBrk="0" hangingPunct="1">
+              <a:lnSpc>
+                <a:spcPct val="100000"/>
+              </a:lnSpc>
+              <a:spcBef>
+                <a:spcPts val="0"/>
+              </a:spcBef>
+              <a:spcAft>
+                <a:spcPts val="0"/>
+              </a:spcAft>
+              <a:buClrTx/>
+              <a:buSzTx/>
+              <a:buFont typeface="Arial" panose="020B0604020202020204" pitchFamily="34" charset="0"/>
+              <a:buChar char="•"/>
+              <a:tabLst/>
+              <a:defRPr/>
+            </a:pPr>
+            <a:r>
+              <a:rPr kumimoji="0" lang="es-ES" sz="1800" b="0" i="0" u="none" strike="noStrike" kern="1200" cap="none" spc="0" normalizeH="0" baseline="0" noProof="0" dirty="0">
+                <a:ln>
+                  <a:noFill/>
+                </a:ln>
+                <a:solidFill>
+                  <a:prstClr val="black"/>
+                </a:solidFill>
+                <a:effectLst/>
+                <a:uLnTx/>
+                <a:uFillTx/>
+                <a:latin typeface="Calibri" panose="020F0502020204030204"/>
+                <a:ea typeface="+mn-ea"/>
+                <a:cs typeface="+mn-cs"/>
+              </a:rPr>
+              <a:t>Corrección diseño responsive</a:t>
+            </a:r>
+          </a:p>
+          <a:p>
+            <a:pPr marL="285750" marR="0" lvl="0" indent="-285750" algn="l" defTabSz="914400" rtl="0" eaLnBrk="1" fontAlgn="auto" latinLnBrk="0" hangingPunct="1">
+              <a:lnSpc>
+                <a:spcPct val="100000"/>
+              </a:lnSpc>
+              <a:spcBef>
+                <a:spcPts val="0"/>
+              </a:spcBef>
+              <a:spcAft>
+                <a:spcPts val="0"/>
+              </a:spcAft>
+              <a:buClrTx/>
+              <a:buSzTx/>
+              <a:buFont typeface="Arial" panose="020B0604020202020204" pitchFamily="34" charset="0"/>
+              <a:buChar char="•"/>
+              <a:tabLst/>
+              <a:defRPr/>
+            </a:pPr>
+            <a:r>
+              <a:rPr kumimoji="0" lang="es-ES" sz="1800" b="0" i="0" u="none" strike="noStrike" kern="1200" cap="none" spc="0" normalizeH="0" baseline="0" noProof="0" dirty="0">
+                <a:ln>
+                  <a:noFill/>
+                </a:ln>
+                <a:solidFill>
+                  <a:prstClr val="black"/>
+                </a:solidFill>
+                <a:effectLst/>
+                <a:uLnTx/>
+                <a:uFillTx/>
+                <a:latin typeface="Calibri" panose="020F0502020204030204"/>
+                <a:ea typeface="+mn-ea"/>
+                <a:cs typeface="+mn-cs"/>
+              </a:rPr>
+              <a:t>Corrección errores en formularios</a:t>
+            </a:r>
+          </a:p>
+          <a:p>
+            <a:pPr marL="285750" marR="0" lvl="0" indent="-285750" algn="l" defTabSz="914400" rtl="0" eaLnBrk="1" fontAlgn="auto" latinLnBrk="0" hangingPunct="1">
+              <a:lnSpc>
+                <a:spcPct val="100000"/>
+              </a:lnSpc>
+              <a:spcBef>
+                <a:spcPts val="0"/>
+              </a:spcBef>
+              <a:spcAft>
+                <a:spcPts val="0"/>
+              </a:spcAft>
+              <a:buClrTx/>
+              <a:buSzTx/>
+              <a:buFont typeface="Arial" panose="020B0604020202020204" pitchFamily="34" charset="0"/>
+              <a:buChar char="•"/>
+              <a:tabLst/>
+              <a:defRPr/>
+            </a:pPr>
+            <a:r>
+              <a:rPr kumimoji="0" lang="es-ES" sz="1800" b="0" i="0" u="none" strike="noStrike" kern="1200" cap="none" spc="0" normalizeH="0" baseline="0" noProof="0" dirty="0">
+                <a:ln>
+                  <a:noFill/>
+                </a:ln>
+                <a:solidFill>
+                  <a:prstClr val="black"/>
+                </a:solidFill>
+                <a:effectLst/>
+                <a:uLnTx/>
+                <a:uFillTx/>
+                <a:latin typeface="Calibri" panose="020F0502020204030204"/>
+                <a:ea typeface="+mn-ea"/>
+                <a:cs typeface="+mn-cs"/>
+              </a:rPr>
+              <a:t>Validación formularios</a:t>
+            </a:r>
+          </a:p>
+        </p:txBody>
+      </p:sp>
+    </p:spTree>
+    <p:extLst>
+      <p:ext uri="{BB962C8B-B14F-4D97-AF65-F5344CB8AC3E}">
+        <p14:creationId xmlns:p14="http://schemas.microsoft.com/office/powerpoint/2010/main" val="4110176475"/>
       </p:ext>
     </p:extLst>
   </p:cSld>
